--- a/C/sile/Funstion.pptx
+++ b/C/sile/Funstion.pptx
@@ -7,37 +7,16 @@
   <p:sldIdLst>
     <p:sldId id="256" r:id="rId2"/>
     <p:sldId id="257" r:id="rId3"/>
-    <p:sldId id="262" r:id="rId4"/>
-    <p:sldId id="258" r:id="rId5"/>
-    <p:sldId id="259" r:id="rId6"/>
-    <p:sldId id="263" r:id="rId7"/>
-    <p:sldId id="266" r:id="rId8"/>
-    <p:sldId id="264" r:id="rId9"/>
-    <p:sldId id="265" r:id="rId10"/>
-    <p:sldId id="267" r:id="rId11"/>
-    <p:sldId id="268" r:id="rId12"/>
-    <p:sldId id="269" r:id="rId13"/>
-    <p:sldId id="270" r:id="rId14"/>
-    <p:sldId id="271" r:id="rId15"/>
-    <p:sldId id="272" r:id="rId16"/>
-    <p:sldId id="273" r:id="rId17"/>
-    <p:sldId id="274" r:id="rId18"/>
-    <p:sldId id="275" r:id="rId19"/>
-    <p:sldId id="276" r:id="rId20"/>
-    <p:sldId id="281" r:id="rId21"/>
-    <p:sldId id="279" r:id="rId22"/>
-    <p:sldId id="280" r:id="rId23"/>
-    <p:sldId id="282" r:id="rId24"/>
-    <p:sldId id="283" r:id="rId25"/>
-    <p:sldId id="284" r:id="rId26"/>
-    <p:sldId id="285" r:id="rId27"/>
-    <p:sldId id="286" r:id="rId28"/>
-    <p:sldId id="287" r:id="rId29"/>
-    <p:sldId id="288" r:id="rId30"/>
-    <p:sldId id="289" r:id="rId31"/>
-    <p:sldId id="290" r:id="rId32"/>
-    <p:sldId id="291" r:id="rId33"/>
-    <p:sldId id="292" r:id="rId34"/>
+    <p:sldId id="259" r:id="rId4"/>
+    <p:sldId id="267" r:id="rId5"/>
+    <p:sldId id="272" r:id="rId6"/>
+    <p:sldId id="276" r:id="rId7"/>
+    <p:sldId id="282" r:id="rId8"/>
+    <p:sldId id="288" r:id="rId9"/>
+    <p:sldId id="290" r:id="rId10"/>
+    <p:sldId id="293" r:id="rId11"/>
+    <p:sldId id="294" r:id="rId12"/>
+    <p:sldId id="295" r:id="rId13"/>
   </p:sldIdLst>
   <p:sldSz cx="12192000" cy="6858000"/>
   <p:notesSz cx="6858000" cy="9144000"/>
@@ -6149,6 +6128,14 @@
   <p:clrMapOvr>
     <a:masterClrMapping/>
   </p:clrMapOvr>
+  <mc:AlternateContent xmlns:mc="http://schemas.openxmlformats.org/markup-compatibility/2006">
+    <mc:Choice xmlns:p14="http://schemas.microsoft.com/office/powerpoint/2010/main" Requires="p14">
+      <p:transition p14:dur="0"/>
+    </mc:Choice>
+    <mc:Fallback>
+      <p:transition/>
+    </mc:Fallback>
+  </mc:AlternateContent>
   <p:timing>
     <p:tnLst>
       <p:par>
@@ -6184,8 +6171,8 @@
         </p:nvSpPr>
         <p:spPr>
           <a:xfrm>
-            <a:off x="3857625" y="1609725"/>
-            <a:ext cx="3019425" cy="381000"/>
+            <a:off x="3405051" y="113212"/>
+            <a:ext cx="6017622" cy="938719"/>
           </a:xfrm>
           <a:prstGeom prst="rect">
             <a:avLst/>
@@ -6198,193 +6185,137 @@
           </a:bodyPr>
           <a:lstStyle/>
           <a:p>
-            <a:endParaRPr lang="en-US" dirty="0"/>
-          </a:p>
-        </p:txBody>
-      </p:sp>
-      <p:sp>
-        <p:nvSpPr>
-          <p:cNvPr id="3" name="TextBox 2"/>
-          <p:cNvSpPr txBox="1"/>
+            <a:r>
+              <a:rPr lang="vi-VN" sz="5500" dirty="0" smtClean="0">
+                <a:latin typeface="Times New Roman" panose="02020603050405020304" pitchFamily="18" charset="0"/>
+                <a:cs typeface="Times New Roman" panose="02020603050405020304" pitchFamily="18" charset="0"/>
+              </a:rPr>
+              <a:t>Ví dụ minh họa </a:t>
+            </a:r>
+            <a:endParaRPr lang="en-US" sz="5500" dirty="0">
+              <a:latin typeface="Times New Roman" panose="02020603050405020304" pitchFamily="18" charset="0"/>
+              <a:cs typeface="Times New Roman" panose="02020603050405020304" pitchFamily="18" charset="0"/>
+            </a:endParaRPr>
+          </a:p>
+        </p:txBody>
+      </p:sp>
+      <p:pic>
+        <p:nvPicPr>
+          <p:cNvPr id="3" name="Picture 2"/>
+          <p:cNvPicPr>
+            <a:picLocks noChangeAspect="1"/>
+          </p:cNvPicPr>
           <p:nvPr/>
-        </p:nvSpPr>
+        </p:nvPicPr>
+        <p:blipFill>
+          <a:blip r:embed="rId2"/>
+          <a:stretch>
+            <a:fillRect/>
+          </a:stretch>
+        </p:blipFill>
         <p:spPr>
           <a:xfrm>
-            <a:off x="2462349" y="344210"/>
-            <a:ext cx="8181975" cy="1938992"/>
+            <a:off x="255031" y="1423686"/>
+            <a:ext cx="11751774" cy="5341716"/>
           </a:xfrm>
           <a:prstGeom prst="rect">
             <a:avLst/>
           </a:prstGeom>
-          <a:noFill/>
         </p:spPr>
-        <p:txBody>
-          <a:bodyPr wrap="square" rtlCol="0">
-            <a:spAutoFit/>
-          </a:bodyPr>
-          <a:lstStyle/>
-          <a:p>
-            <a:r>
-              <a:rPr lang="vi-VN" sz="6000" dirty="0" smtClean="0">
-                <a:latin typeface="+mj-lt"/>
-                <a:cs typeface="Times New Roman" panose="02020603050405020304" pitchFamily="18" charset="0"/>
-              </a:rPr>
-              <a:t>Hàm dùng để làm </a:t>
-            </a:r>
-            <a:r>
-              <a:rPr lang="vi-VN" sz="6000" dirty="0">
-                <a:latin typeface="+mj-lt"/>
-                <a:cs typeface="Times New Roman" panose="02020603050405020304" pitchFamily="18" charset="0"/>
-              </a:rPr>
-              <a:t>gì </a:t>
-            </a:r>
-            <a:r>
-              <a:rPr lang="vi-VN" sz="6000" dirty="0" smtClean="0">
-                <a:latin typeface="+mj-lt"/>
-                <a:cs typeface="Times New Roman" panose="02020603050405020304" pitchFamily="18" charset="0"/>
-              </a:rPr>
-              <a:t>?</a:t>
-            </a:r>
-            <a:endParaRPr lang="en-US" sz="6000" dirty="0">
-              <a:latin typeface="+mj-lt"/>
-            </a:endParaRPr>
-          </a:p>
-          <a:p>
-            <a:endParaRPr lang="en-US" sz="6000" dirty="0">
-              <a:latin typeface="+mj-lt"/>
-            </a:endParaRPr>
-          </a:p>
-        </p:txBody>
-      </p:sp>
-      <p:sp>
-        <p:nvSpPr>
-          <p:cNvPr id="6" name="TextBox 5"/>
-          <p:cNvSpPr txBox="1"/>
-          <p:nvPr/>
-        </p:nvSpPr>
-        <p:spPr>
-          <a:xfrm>
-            <a:off x="1097280" y="2082905"/>
-            <a:ext cx="10249989" cy="4524315"/>
-          </a:xfrm>
-          <a:prstGeom prst="rect">
-            <a:avLst/>
-          </a:prstGeom>
-          <a:noFill/>
-        </p:spPr>
-        <p:txBody>
-          <a:bodyPr wrap="square" rtlCol="0">
-            <a:spAutoFit/>
-          </a:bodyPr>
-          <a:lstStyle/>
-          <a:p>
-            <a:pPr marL="457200" indent="-457200">
-              <a:buFontTx/>
-              <a:buChar char="-"/>
-            </a:pPr>
-            <a:r>
-              <a:rPr lang="vi-VN" sz="3200" dirty="0" smtClean="0">
-                <a:latin typeface="Times New Roman" panose="02020603050405020304" pitchFamily="18" charset="0"/>
-                <a:cs typeface="Times New Roman" panose="02020603050405020304" pitchFamily="18" charset="0"/>
-              </a:rPr>
-              <a:t>Hàm giúp tách một chương trinh ra thành các đoạn code nhỏ có chức năng cụ thể, hoàn chỉnh.</a:t>
-            </a:r>
-          </a:p>
-          <a:p>
-            <a:pPr marL="457200" indent="-457200">
-              <a:buFontTx/>
-              <a:buChar char="-"/>
-            </a:pPr>
-            <a:endParaRPr lang="vi-VN" sz="3200" dirty="0" smtClean="0">
-              <a:latin typeface="Times New Roman" panose="02020603050405020304" pitchFamily="18" charset="0"/>
-              <a:cs typeface="Times New Roman" panose="02020603050405020304" pitchFamily="18" charset="0"/>
-            </a:endParaRPr>
-          </a:p>
-          <a:p>
-            <a:pPr marL="457200" indent="-457200">
-              <a:buFontTx/>
-              <a:buChar char="-"/>
-            </a:pPr>
-            <a:r>
-              <a:rPr lang="vi-VN" sz="3200" dirty="0" smtClean="0">
-                <a:latin typeface="Times New Roman" panose="02020603050405020304" pitchFamily="18" charset="0"/>
-                <a:cs typeface="Times New Roman" panose="02020603050405020304" pitchFamily="18" charset="0"/>
-              </a:rPr>
-              <a:t>Dễ quản lý chương trinh.</a:t>
-            </a:r>
-          </a:p>
-          <a:p>
-            <a:pPr marL="457200" indent="-457200">
-              <a:buFontTx/>
-              <a:buChar char="-"/>
-            </a:pPr>
-            <a:endParaRPr lang="vi-VN" sz="3200" dirty="0" smtClean="0">
-              <a:latin typeface="Times New Roman" panose="02020603050405020304" pitchFamily="18" charset="0"/>
-              <a:cs typeface="Times New Roman" panose="02020603050405020304" pitchFamily="18" charset="0"/>
-            </a:endParaRPr>
-          </a:p>
-          <a:p>
-            <a:pPr marL="457200" indent="-457200">
-              <a:buFontTx/>
-              <a:buChar char="-"/>
-            </a:pPr>
-            <a:r>
-              <a:rPr lang="vi-VN" sz="3200" dirty="0">
-                <a:latin typeface="Times New Roman" panose="02020603050405020304" pitchFamily="18" charset="0"/>
-                <a:cs typeface="Times New Roman" panose="02020603050405020304" pitchFamily="18" charset="0"/>
-              </a:rPr>
-              <a:t>Rõ ràng, tường minh từng chức năng.</a:t>
-            </a:r>
-          </a:p>
-          <a:p>
-            <a:pPr marL="457200" indent="-457200">
-              <a:buFontTx/>
-              <a:buChar char="-"/>
-            </a:pPr>
-            <a:endParaRPr lang="vi-VN" sz="3200" dirty="0">
-              <a:latin typeface="Times New Roman" panose="02020603050405020304" pitchFamily="18" charset="0"/>
-              <a:cs typeface="Times New Roman" panose="02020603050405020304" pitchFamily="18" charset="0"/>
-            </a:endParaRPr>
-          </a:p>
-          <a:p>
-            <a:pPr marL="457200" indent="-457200">
-              <a:buFontTx/>
-              <a:buChar char="-"/>
-            </a:pPr>
-            <a:r>
-              <a:rPr lang="vi-VN" sz="3200" dirty="0" smtClean="0">
-                <a:latin typeface="Times New Roman" panose="02020603050405020304" pitchFamily="18" charset="0"/>
-                <a:cs typeface="Times New Roman" panose="02020603050405020304" pitchFamily="18" charset="0"/>
-              </a:rPr>
-              <a:t>Có thể tái sử dụng lại code.</a:t>
-            </a:r>
-          </a:p>
-          <a:p>
-            <a:pPr marL="457200" indent="-457200">
-              <a:buFontTx/>
-              <a:buChar char="-"/>
-            </a:pPr>
-            <a:endParaRPr lang="vi-VN" sz="3200" dirty="0" smtClean="0">
-              <a:latin typeface="Times New Roman" panose="02020603050405020304" pitchFamily="18" charset="0"/>
-              <a:cs typeface="Times New Roman" panose="02020603050405020304" pitchFamily="18" charset="0"/>
-            </a:endParaRPr>
-          </a:p>
-        </p:txBody>
-      </p:sp>
+      </p:pic>
     </p:spTree>
     <p:extLst>
       <p:ext uri="{BB962C8B-B14F-4D97-AF65-F5344CB8AC3E}">
-        <p14:creationId xmlns:p14="http://schemas.microsoft.com/office/powerpoint/2010/main" val="3735349219"/>
+        <p14:creationId xmlns:p14="http://schemas.microsoft.com/office/powerpoint/2010/main" val="4268283281"/>
       </p:ext>
     </p:extLst>
   </p:cSld>
   <p:clrMapOvr>
     <a:masterClrMapping/>
   </p:clrMapOvr>
+  <p:transition spd="slow">
+    <p:push dir="u"/>
+  </p:transition>
   <p:timing>
     <p:tnLst>
       <p:par>
-        <p:cTn id="1" dur="indefinite" restart="never" nodeType="tmRoot"/>
+        <p:cTn id="1" dur="indefinite" restart="never" nodeType="tmRoot">
+          <p:childTnLst>
+            <p:seq concurrent="1" nextAc="seek">
+              <p:cTn id="2" dur="indefinite" nodeType="mainSeq">
+                <p:childTnLst>
+                  <p:par>
+                    <p:cTn id="3" fill="hold">
+                      <p:stCondLst>
+                        <p:cond delay="indefinite"/>
+                      </p:stCondLst>
+                      <p:childTnLst>
+                        <p:par>
+                          <p:cTn id="4" fill="hold">
+                            <p:stCondLst>
+                              <p:cond delay="0"/>
+                            </p:stCondLst>
+                            <p:childTnLst>
+                              <p:par>
+                                <p:cTn id="5" presetID="21" presetClass="entr" presetSubtype="1" fill="hold" nodeType="clickEffect">
+                                  <p:stCondLst>
+                                    <p:cond delay="0"/>
+                                  </p:stCondLst>
+                                  <p:childTnLst>
+                                    <p:set>
+                                      <p:cBhvr>
+                                        <p:cTn id="6" dur="1" fill="hold">
+                                          <p:stCondLst>
+                                            <p:cond delay="0"/>
+                                          </p:stCondLst>
+                                        </p:cTn>
+                                        <p:tgtEl>
+                                          <p:spTgt spid="3"/>
+                                        </p:tgtEl>
+                                        <p:attrNameLst>
+                                          <p:attrName>style.visibility</p:attrName>
+                                        </p:attrNameLst>
+                                      </p:cBhvr>
+                                      <p:to>
+                                        <p:strVal val="visible"/>
+                                      </p:to>
+                                    </p:set>
+                                    <p:animEffect transition="in" filter="wheel(1)">
+                                      <p:cBhvr>
+                                        <p:cTn id="7" dur="2000"/>
+                                        <p:tgtEl>
+                                          <p:spTgt spid="3"/>
+                                        </p:tgtEl>
+                                      </p:cBhvr>
+                                    </p:animEffect>
+                                  </p:childTnLst>
+                                </p:cTn>
+                              </p:par>
+                            </p:childTnLst>
+                          </p:cTn>
+                        </p:par>
+                      </p:childTnLst>
+                    </p:cTn>
+                  </p:par>
+                </p:childTnLst>
+              </p:cTn>
+              <p:prevCondLst>
+                <p:cond evt="onPrev" delay="0">
+                  <p:tgtEl>
+                    <p:sldTgt/>
+                  </p:tgtEl>
+                </p:cond>
+              </p:prevCondLst>
+              <p:nextCondLst>
+                <p:cond evt="onNext" delay="0">
+                  <p:tgtEl>
+                    <p:sldTgt/>
+                  </p:tgtEl>
+                </p:cond>
+              </p:nextCondLst>
+            </p:seq>
+          </p:childTnLst>
+        </p:cTn>
       </p:par>
     </p:tnLst>
   </p:timing>
@@ -6416,8 +6347,8 @@
         </p:nvSpPr>
         <p:spPr>
           <a:xfrm>
-            <a:off x="3857625" y="1609725"/>
-            <a:ext cx="3019425" cy="381000"/>
+            <a:off x="3405051" y="113212"/>
+            <a:ext cx="6017622" cy="938719"/>
           </a:xfrm>
           <a:prstGeom prst="rect">
             <a:avLst/>
@@ -6430,64 +6361,214 @@
           </a:bodyPr>
           <a:lstStyle/>
           <a:p>
-            <a:endParaRPr lang="en-US" dirty="0"/>
-          </a:p>
-        </p:txBody>
-      </p:sp>
-      <p:sp>
-        <p:nvSpPr>
-          <p:cNvPr id="3" name="TextBox 2"/>
-          <p:cNvSpPr txBox="1"/>
+            <a:r>
+              <a:rPr lang="vi-VN" sz="5500" dirty="0" smtClean="0">
+                <a:latin typeface="Times New Roman" panose="02020603050405020304" pitchFamily="18" charset="0"/>
+                <a:cs typeface="Times New Roman" panose="02020603050405020304" pitchFamily="18" charset="0"/>
+              </a:rPr>
+              <a:t>Ví dụ minh họa </a:t>
+            </a:r>
+            <a:endParaRPr lang="en-US" sz="5500" dirty="0">
+              <a:latin typeface="Times New Roman" panose="02020603050405020304" pitchFamily="18" charset="0"/>
+              <a:cs typeface="Times New Roman" panose="02020603050405020304" pitchFamily="18" charset="0"/>
+            </a:endParaRPr>
+          </a:p>
+        </p:txBody>
+      </p:sp>
+      <p:pic>
+        <p:nvPicPr>
+          <p:cNvPr id="3" name="Picture 2"/>
+          <p:cNvPicPr>
+            <a:picLocks noChangeAspect="1"/>
+          </p:cNvPicPr>
           <p:nvPr/>
-        </p:nvSpPr>
+        </p:nvPicPr>
+        <p:blipFill>
+          <a:blip r:embed="rId2"/>
+          <a:stretch>
+            <a:fillRect/>
+          </a:stretch>
+        </p:blipFill>
         <p:spPr>
           <a:xfrm>
-            <a:off x="2462349" y="344210"/>
-            <a:ext cx="8181975" cy="1938992"/>
+            <a:off x="1106397" y="1183413"/>
+            <a:ext cx="9439275" cy="2714625"/>
           </a:xfrm>
           <a:prstGeom prst="rect">
             <a:avLst/>
           </a:prstGeom>
-          <a:noFill/>
         </p:spPr>
-        <p:txBody>
-          <a:bodyPr wrap="square" rtlCol="0">
-            <a:spAutoFit/>
-          </a:bodyPr>
-          <a:lstStyle/>
-          <a:p>
-            <a:r>
-              <a:rPr lang="vi-VN" sz="6000" dirty="0" smtClean="0">
-                <a:latin typeface="+mj-lt"/>
-                <a:cs typeface="Times New Roman" panose="02020603050405020304" pitchFamily="18" charset="0"/>
-              </a:rPr>
-              <a:t>Hàm trông như thế nào ?</a:t>
-            </a:r>
-            <a:endParaRPr lang="en-US" sz="6000" dirty="0">
-              <a:latin typeface="+mj-lt"/>
-            </a:endParaRPr>
-          </a:p>
-          <a:p>
-            <a:endParaRPr lang="en-US" sz="6000" dirty="0">
-              <a:latin typeface="+mj-lt"/>
-            </a:endParaRPr>
-          </a:p>
-        </p:txBody>
-      </p:sp>
+      </p:pic>
+      <p:pic>
+        <p:nvPicPr>
+          <p:cNvPr id="4" name="Picture 3"/>
+          <p:cNvPicPr>
+            <a:picLocks noChangeAspect="1"/>
+          </p:cNvPicPr>
+          <p:nvPr/>
+        </p:nvPicPr>
+        <p:blipFill>
+          <a:blip r:embed="rId3"/>
+          <a:stretch>
+            <a:fillRect/>
+          </a:stretch>
+        </p:blipFill>
+        <p:spPr>
+          <a:xfrm>
+            <a:off x="1106396" y="4198755"/>
+            <a:ext cx="9439275" cy="2257425"/>
+          </a:xfrm>
+          <a:prstGeom prst="rect">
+            <a:avLst/>
+          </a:prstGeom>
+        </p:spPr>
+      </p:pic>
     </p:spTree>
     <p:extLst>
       <p:ext uri="{BB962C8B-B14F-4D97-AF65-F5344CB8AC3E}">
-        <p14:creationId xmlns:p14="http://schemas.microsoft.com/office/powerpoint/2010/main" val="552916216"/>
+        <p14:creationId xmlns:p14="http://schemas.microsoft.com/office/powerpoint/2010/main" val="2363950236"/>
       </p:ext>
     </p:extLst>
   </p:cSld>
   <p:clrMapOvr>
     <a:masterClrMapping/>
   </p:clrMapOvr>
+  <p:transition spd="slow">
+    <p:push dir="u"/>
+  </p:transition>
   <p:timing>
     <p:tnLst>
       <p:par>
-        <p:cTn id="1" dur="indefinite" restart="never" nodeType="tmRoot"/>
+        <p:cTn id="1" dur="indefinite" restart="never" nodeType="tmRoot">
+          <p:childTnLst>
+            <p:seq concurrent="1" nextAc="seek">
+              <p:cTn id="2" dur="indefinite" nodeType="mainSeq">
+                <p:childTnLst>
+                  <p:par>
+                    <p:cTn id="3" fill="hold">
+                      <p:stCondLst>
+                        <p:cond delay="indefinite"/>
+                      </p:stCondLst>
+                      <p:childTnLst>
+                        <p:par>
+                          <p:cTn id="4" fill="hold">
+                            <p:stCondLst>
+                              <p:cond delay="0"/>
+                            </p:stCondLst>
+                            <p:childTnLst>
+                              <p:par>
+                                <p:cTn id="5" presetID="16" presetClass="entr" presetSubtype="21" fill="hold" nodeType="clickEffect">
+                                  <p:stCondLst>
+                                    <p:cond delay="0"/>
+                                  </p:stCondLst>
+                                  <p:childTnLst>
+                                    <p:set>
+                                      <p:cBhvr>
+                                        <p:cTn id="6" dur="1" fill="hold">
+                                          <p:stCondLst>
+                                            <p:cond delay="0"/>
+                                          </p:stCondLst>
+                                        </p:cTn>
+                                        <p:tgtEl>
+                                          <p:spTgt spid="3"/>
+                                        </p:tgtEl>
+                                        <p:attrNameLst>
+                                          <p:attrName>style.visibility</p:attrName>
+                                        </p:attrNameLst>
+                                      </p:cBhvr>
+                                      <p:to>
+                                        <p:strVal val="visible"/>
+                                      </p:to>
+                                    </p:set>
+                                    <p:animEffect transition="in" filter="barn(inVertical)">
+                                      <p:cBhvr>
+                                        <p:cTn id="7" dur="500"/>
+                                        <p:tgtEl>
+                                          <p:spTgt spid="3"/>
+                                        </p:tgtEl>
+                                      </p:cBhvr>
+                                    </p:animEffect>
+                                  </p:childTnLst>
+                                </p:cTn>
+                              </p:par>
+                            </p:childTnLst>
+                          </p:cTn>
+                        </p:par>
+                      </p:childTnLst>
+                    </p:cTn>
+                  </p:par>
+                  <p:par>
+                    <p:cTn id="8" fill="hold">
+                      <p:stCondLst>
+                        <p:cond delay="indefinite"/>
+                      </p:stCondLst>
+                      <p:childTnLst>
+                        <p:par>
+                          <p:cTn id="9" fill="hold">
+                            <p:stCondLst>
+                              <p:cond delay="0"/>
+                            </p:stCondLst>
+                            <p:childTnLst>
+                              <p:par>
+                                <p:cTn id="10" presetID="16" presetClass="entr" presetSubtype="21" fill="hold" nodeType="clickEffect">
+                                  <p:stCondLst>
+                                    <p:cond delay="0"/>
+                                  </p:stCondLst>
+                                  <p:childTnLst>
+                                    <p:set>
+                                      <p:cBhvr>
+                                        <p:cTn id="11" dur="1" fill="hold">
+                                          <p:stCondLst>
+                                            <p:cond delay="0"/>
+                                          </p:stCondLst>
+                                        </p:cTn>
+                                        <p:tgtEl>
+                                          <p:spTgt spid="4"/>
+                                        </p:tgtEl>
+                                        <p:attrNameLst>
+                                          <p:attrName>style.visibility</p:attrName>
+                                        </p:attrNameLst>
+                                      </p:cBhvr>
+                                      <p:to>
+                                        <p:strVal val="visible"/>
+                                      </p:to>
+                                    </p:set>
+                                    <p:animEffect transition="in" filter="barn(inVertical)">
+                                      <p:cBhvr>
+                                        <p:cTn id="12" dur="500"/>
+                                        <p:tgtEl>
+                                          <p:spTgt spid="4"/>
+                                        </p:tgtEl>
+                                      </p:cBhvr>
+                                    </p:animEffect>
+                                  </p:childTnLst>
+                                </p:cTn>
+                              </p:par>
+                            </p:childTnLst>
+                          </p:cTn>
+                        </p:par>
+                      </p:childTnLst>
+                    </p:cTn>
+                  </p:par>
+                </p:childTnLst>
+              </p:cTn>
+              <p:prevCondLst>
+                <p:cond evt="onPrev" delay="0">
+                  <p:tgtEl>
+                    <p:sldTgt/>
+                  </p:tgtEl>
+                </p:cond>
+              </p:prevCondLst>
+              <p:nextCondLst>
+                <p:cond evt="onNext" delay="0">
+                  <p:tgtEl>
+                    <p:sldTgt/>
+                  </p:tgtEl>
+                </p:cond>
+              </p:nextCondLst>
+            </p:seq>
+          </p:childTnLst>
+        </p:cTn>
       </p:par>
     </p:tnLst>
   </p:timing>
@@ -6513,14 +6594,52 @@
       </p:grpSpPr>
       <p:sp>
         <p:nvSpPr>
-          <p:cNvPr id="2" name="TextBox 1"/>
+          <p:cNvPr id="4" name="Rectangle 3"/>
+          <p:cNvSpPr/>
+          <p:nvPr/>
+        </p:nvSpPr>
+        <p:spPr>
+          <a:xfrm>
+            <a:off x="2389124" y="1952744"/>
+            <a:ext cx="7614585" cy="1169551"/>
+          </a:xfrm>
+          <a:prstGeom prst="rect">
+            <a:avLst/>
+          </a:prstGeom>
+        </p:spPr>
+        <p:txBody>
+          <a:bodyPr wrap="none">
+            <a:spAutoFit/>
+          </a:bodyPr>
+          <a:lstStyle/>
+          <a:p>
+            <a:r>
+              <a:rPr lang="vi-VN" sz="7000" dirty="0">
+                <a:latin typeface="+mj-lt"/>
+                <a:cs typeface="Arial" panose="020B0604020202020204" pitchFamily="34" charset="0"/>
+              </a:rPr>
+              <a:t>Thanks for </a:t>
+            </a:r>
+            <a:r>
+              <a:rPr lang="vi-VN" sz="7000" dirty="0" smtClean="0">
+                <a:latin typeface="+mj-lt"/>
+                <a:cs typeface="Arial" panose="020B0604020202020204" pitchFamily="34" charset="0"/>
+              </a:rPr>
+              <a:t>watching</a:t>
+            </a:r>
+          </a:p>
+        </p:txBody>
+      </p:sp>
+      <p:sp>
+        <p:nvSpPr>
+          <p:cNvPr id="6" name="TextBox 5"/>
           <p:cNvSpPr txBox="1"/>
           <p:nvPr/>
         </p:nvSpPr>
         <p:spPr>
           <a:xfrm>
-            <a:off x="3857625" y="1609725"/>
-            <a:ext cx="3019425" cy="381000"/>
+            <a:off x="4001588" y="5530185"/>
+            <a:ext cx="9283338" cy="707886"/>
           </a:xfrm>
           <a:prstGeom prst="rect">
             <a:avLst/>
@@ -6533,80 +6652,67 @@
           </a:bodyPr>
           <a:lstStyle/>
           <a:p>
-            <a:endParaRPr lang="en-US" dirty="0"/>
-          </a:p>
-        </p:txBody>
-      </p:sp>
-      <p:sp>
-        <p:nvSpPr>
-          <p:cNvPr id="3" name="TextBox 2"/>
-          <p:cNvSpPr txBox="1"/>
-          <p:nvPr/>
-        </p:nvSpPr>
-        <p:spPr>
-          <a:xfrm>
-            <a:off x="2462349" y="344210"/>
-            <a:ext cx="8181975" cy="1938992"/>
-          </a:xfrm>
-          <a:prstGeom prst="rect">
-            <a:avLst/>
-          </a:prstGeom>
-          <a:noFill/>
-        </p:spPr>
-        <p:txBody>
-          <a:bodyPr wrap="square" rtlCol="0">
-            <a:spAutoFit/>
-          </a:bodyPr>
-          <a:lstStyle/>
-          <a:p>
-            <a:r>
-              <a:rPr lang="vi-VN" sz="6000" dirty="0" smtClean="0">
-                <a:latin typeface="+mj-lt"/>
-                <a:cs typeface="Times New Roman" panose="02020603050405020304" pitchFamily="18" charset="0"/>
+            <a:r>
+              <a:rPr lang="vi-VN" sz="2000" dirty="0" smtClean="0"/>
+              <a:t>Email: </a:t>
+            </a:r>
+            <a:r>
+              <a:rPr lang="vi-VN" sz="2000" dirty="0" smtClean="0">
+                <a:solidFill>
+                  <a:schemeClr val="bg2">
+                    <a:lumMod val="40000"/>
+                    <a:lumOff val="60000"/>
+                  </a:schemeClr>
+                </a:solidFill>
               </a:rPr>
-              <a:t>Hàm trông như thế nào ?</a:t>
-            </a:r>
-            <a:endParaRPr lang="en-US" sz="6000" dirty="0">
-              <a:latin typeface="+mj-lt"/>
-            </a:endParaRPr>
-          </a:p>
-          <a:p>
-            <a:endParaRPr lang="en-US" sz="6000" dirty="0">
-              <a:latin typeface="+mj-lt"/>
-            </a:endParaRPr>
-          </a:p>
-        </p:txBody>
-      </p:sp>
-      <p:sp>
-        <p:nvSpPr>
-          <p:cNvPr id="4" name="TextBox 3"/>
-          <p:cNvSpPr txBox="1"/>
-          <p:nvPr/>
-        </p:nvSpPr>
-        <p:spPr>
-          <a:xfrm>
-            <a:off x="1361157" y="1800225"/>
-            <a:ext cx="2385589" cy="584775"/>
-          </a:xfrm>
-          <a:prstGeom prst="rect">
-            <a:avLst/>
-          </a:prstGeom>
-          <a:noFill/>
-        </p:spPr>
-        <p:txBody>
-          <a:bodyPr wrap="none" rtlCol="0">
-            <a:spAutoFit/>
-          </a:bodyPr>
-          <a:lstStyle/>
-          <a:p>
-            <a:r>
-              <a:rPr lang="vi-VN" sz="3200" dirty="0" smtClean="0">
-                <a:latin typeface="+mj-lt"/>
+              <a:t>linhty1802@gmail.com</a:t>
+            </a:r>
+          </a:p>
+          <a:p>
+            <a:r>
+              <a:rPr lang="vi-VN" sz="2000" dirty="0" smtClean="0"/>
+              <a:t>GitHub: </a:t>
+            </a:r>
+            <a:r>
+              <a:rPr lang="en-US" sz="2000" dirty="0" smtClean="0">
+                <a:solidFill>
+                  <a:schemeClr val="bg2">
+                    <a:lumMod val="40000"/>
+                    <a:lumOff val="60000"/>
+                  </a:schemeClr>
+                </a:solidFill>
               </a:rPr>
-              <a:t>Một số ví dụ:</a:t>
-            </a:r>
-            <a:endParaRPr lang="en-US" sz="3200" dirty="0">
-              <a:latin typeface="+mj-lt"/>
+              <a:t>https</a:t>
+            </a:r>
+            <a:r>
+              <a:rPr lang="en-US" sz="2000" dirty="0">
+                <a:solidFill>
+                  <a:schemeClr val="bg2">
+                    <a:lumMod val="40000"/>
+                    <a:lumOff val="60000"/>
+                  </a:schemeClr>
+                </a:solidFill>
+              </a:rPr>
+              <a:t>://</a:t>
+            </a:r>
+            <a:r>
+              <a:rPr lang="en-US" sz="2000" dirty="0" smtClean="0">
+                <a:solidFill>
+                  <a:schemeClr val="bg2">
+                    <a:lumMod val="40000"/>
+                    <a:lumOff val="60000"/>
+                  </a:schemeClr>
+                </a:solidFill>
+              </a:rPr>
+              <a:t>github.com/quocTuan02/demo/tree/master/C</a:t>
+            </a:r>
+            <a:endParaRPr lang="en-US" sz="2000" dirty="0">
+              <a:solidFill>
+                <a:schemeClr val="bg2">
+                  <a:lumMod val="40000"/>
+                  <a:lumOff val="60000"/>
+                </a:schemeClr>
+              </a:solidFill>
             </a:endParaRPr>
           </a:p>
         </p:txBody>
@@ -6614,13 +6720,25 @@
     </p:spTree>
     <p:extLst>
       <p:ext uri="{BB962C8B-B14F-4D97-AF65-F5344CB8AC3E}">
-        <p14:creationId xmlns:p14="http://schemas.microsoft.com/office/powerpoint/2010/main" val="869137865"/>
+        <p14:creationId xmlns:p14="http://schemas.microsoft.com/office/powerpoint/2010/main" val="3770654126"/>
       </p:ext>
     </p:extLst>
   </p:cSld>
   <p:clrMapOvr>
     <a:masterClrMapping/>
   </p:clrMapOvr>
+  <mc:AlternateContent xmlns:mc="http://schemas.openxmlformats.org/markup-compatibility/2006">
+    <mc:Choice xmlns:p14="http://schemas.microsoft.com/office/powerpoint/2010/main" Requires="p14">
+      <p:transition spd="slow" p14:dur="1500">
+        <p:split orient="vert"/>
+      </p:transition>
+    </mc:Choice>
+    <mc:Fallback>
+      <p:transition spd="slow">
+        <p:split orient="vert"/>
+      </p:transition>
+    </mc:Fallback>
+  </mc:AlternateContent>
   <p:timing>
     <p:tnLst>
       <p:par>
@@ -6631,7 +6749,7 @@
 </p:sld>
 </file>
 
-<file path=ppt/slides/slide13.xml><?xml version="1.0" encoding="utf-8"?>
+<file path=ppt/slides/slide2.xml><?xml version="1.0" encoding="utf-8"?>
 <p:sld xmlns:a="http://schemas.openxmlformats.org/drawingml/2006/main" xmlns:r="http://schemas.openxmlformats.org/officeDocument/2006/relationships" xmlns:p="http://schemas.openxmlformats.org/presentationml/2006/main">
   <p:cSld>
     <p:spTree>
@@ -6650,14 +6768,14 @@
       </p:grpSpPr>
       <p:sp>
         <p:nvSpPr>
-          <p:cNvPr id="2" name="TextBox 1"/>
+          <p:cNvPr id="6" name="TextBox 5"/>
           <p:cNvSpPr txBox="1"/>
           <p:nvPr/>
         </p:nvSpPr>
         <p:spPr>
           <a:xfrm>
-            <a:off x="3857625" y="1609725"/>
-            <a:ext cx="3019425" cy="381000"/>
+            <a:off x="1280160" y="2638697"/>
+            <a:ext cx="6818811" cy="3862596"/>
           </a:xfrm>
           <a:prstGeom prst="rect">
             <a:avLst/>
@@ -6670,20 +6788,112 @@
           </a:bodyPr>
           <a:lstStyle/>
           <a:p>
-            <a:endParaRPr lang="en-US" dirty="0"/>
-          </a:p>
-        </p:txBody>
-      </p:sp>
-      <p:sp>
-        <p:nvSpPr>
-          <p:cNvPr id="3" name="TextBox 2"/>
+            <a:pPr marL="457200" indent="-457200">
+              <a:buFontTx/>
+              <a:buChar char="-"/>
+            </a:pPr>
+            <a:r>
+              <a:rPr lang="vi-VN" sz="3500" dirty="0" smtClean="0">
+                <a:latin typeface="Times New Roman" panose="02020603050405020304" pitchFamily="18" charset="0"/>
+                <a:cs typeface="Times New Roman" panose="02020603050405020304" pitchFamily="18" charset="0"/>
+              </a:rPr>
+              <a:t>Hàm là gì ?</a:t>
+            </a:r>
+          </a:p>
+          <a:p>
+            <a:pPr marL="457200" indent="-457200">
+              <a:buFontTx/>
+              <a:buChar char="-"/>
+            </a:pPr>
+            <a:r>
+              <a:rPr lang="vi-VN" sz="3500" dirty="0">
+                <a:latin typeface="Times New Roman" panose="02020603050405020304" pitchFamily="18" charset="0"/>
+                <a:cs typeface="Times New Roman" panose="02020603050405020304" pitchFamily="18" charset="0"/>
+              </a:rPr>
+              <a:t>D</a:t>
+            </a:r>
+            <a:r>
+              <a:rPr lang="vi-VN" sz="3500" dirty="0" smtClean="0">
+                <a:latin typeface="Times New Roman" panose="02020603050405020304" pitchFamily="18" charset="0"/>
+                <a:cs typeface="Times New Roman" panose="02020603050405020304" pitchFamily="18" charset="0"/>
+              </a:rPr>
+              <a:t>ùng để làm gì ?</a:t>
+            </a:r>
+          </a:p>
+          <a:p>
+            <a:pPr marL="457200" indent="-457200">
+              <a:buFontTx/>
+              <a:buChar char="-"/>
+            </a:pPr>
+            <a:r>
+              <a:rPr lang="vi-VN" sz="3500" dirty="0" smtClean="0">
+                <a:latin typeface="Times New Roman" panose="02020603050405020304" pitchFamily="18" charset="0"/>
+                <a:cs typeface="Times New Roman" panose="02020603050405020304" pitchFamily="18" charset="0"/>
+              </a:rPr>
+              <a:t>Nó như thế nào ?</a:t>
+            </a:r>
+          </a:p>
+          <a:p>
+            <a:pPr marL="457200" indent="-457200">
+              <a:buFontTx/>
+              <a:buChar char="-"/>
+            </a:pPr>
+            <a:r>
+              <a:rPr lang="vi-VN" sz="3500" dirty="0" smtClean="0">
+                <a:latin typeface="Times New Roman" panose="02020603050405020304" pitchFamily="18" charset="0"/>
+                <a:cs typeface="Times New Roman" panose="02020603050405020304" pitchFamily="18" charset="0"/>
+              </a:rPr>
+              <a:t>Phân loai hàm ?</a:t>
+            </a:r>
+          </a:p>
+          <a:p>
+            <a:pPr marL="457200" indent="-457200">
+              <a:buFontTx/>
+              <a:buChar char="-"/>
+            </a:pPr>
+            <a:r>
+              <a:rPr lang="vi-VN" sz="3500" dirty="0" smtClean="0">
+                <a:latin typeface="Times New Roman" panose="02020603050405020304" pitchFamily="18" charset="0"/>
+                <a:cs typeface="Times New Roman" panose="02020603050405020304" pitchFamily="18" charset="0"/>
+              </a:rPr>
+              <a:t>Làm sao để sử dụng được ?</a:t>
+            </a:r>
+          </a:p>
+          <a:p>
+            <a:pPr marL="457200" indent="-457200">
+              <a:buFontTx/>
+              <a:buChar char="-"/>
+            </a:pPr>
+            <a:r>
+              <a:rPr lang="vi-VN" sz="3500" dirty="0" smtClean="0">
+                <a:latin typeface="Times New Roman" panose="02020603050405020304" pitchFamily="18" charset="0"/>
+                <a:cs typeface="Times New Roman" panose="02020603050405020304" pitchFamily="18" charset="0"/>
+              </a:rPr>
+              <a:t>Ví dụ minh họa .</a:t>
+            </a:r>
+          </a:p>
+          <a:p>
+            <a:pPr marL="457200" indent="-457200">
+              <a:buFontTx/>
+              <a:buChar char="-"/>
+            </a:pPr>
+            <a:endParaRPr lang="en-US" sz="3500" dirty="0">
+              <a:latin typeface="Times New Roman" panose="02020603050405020304" pitchFamily="18" charset="0"/>
+              <a:cs typeface="Times New Roman" panose="02020603050405020304" pitchFamily="18" charset="0"/>
+            </a:endParaRPr>
+          </a:p>
+        </p:txBody>
+      </p:sp>
+      <p:sp>
+        <p:nvSpPr>
+          <p:cNvPr id="10" name="TextBox 9"/>
           <p:cNvSpPr txBox="1"/>
           <p:nvPr/>
         </p:nvSpPr>
         <p:spPr>
           <a:xfrm>
-            <a:off x="2462349" y="344210"/>
-            <a:ext cx="8181975" cy="1938992"/>
+            <a:off x="2850607" y="542834"/>
+            <a:ext cx="6130834" cy="1015663"/>
           </a:xfrm>
           <a:prstGeom prst="rect">
             <a:avLst/>
@@ -6699,100 +6909,682 @@
             <a:r>
               <a:rPr lang="vi-VN" sz="6000" dirty="0" smtClean="0">
                 <a:latin typeface="+mj-lt"/>
-                <a:cs typeface="Times New Roman" panose="02020603050405020304" pitchFamily="18" charset="0"/>
               </a:rPr>
-              <a:t>Hàm trông như thế nào ?</a:t>
-            </a:r>
-            <a:endParaRPr lang="en-US" sz="6000" dirty="0">
-              <a:latin typeface="+mj-lt"/>
-            </a:endParaRPr>
-          </a:p>
-          <a:p>
-            <a:endParaRPr lang="en-US" sz="6000" dirty="0">
-              <a:latin typeface="+mj-lt"/>
-            </a:endParaRPr>
-          </a:p>
-        </p:txBody>
-      </p:sp>
-      <p:sp>
-        <p:nvSpPr>
-          <p:cNvPr id="4" name="TextBox 3"/>
-          <p:cNvSpPr txBox="1"/>
-          <p:nvPr/>
-        </p:nvSpPr>
-        <p:spPr>
-          <a:xfrm>
-            <a:off x="1361157" y="1800225"/>
-            <a:ext cx="2385589" cy="584775"/>
-          </a:xfrm>
-          <a:prstGeom prst="rect">
-            <a:avLst/>
-          </a:prstGeom>
-          <a:noFill/>
-        </p:spPr>
-        <p:txBody>
-          <a:bodyPr wrap="none" rtlCol="0">
-            <a:spAutoFit/>
-          </a:bodyPr>
-          <a:lstStyle/>
-          <a:p>
-            <a:r>
-              <a:rPr lang="vi-VN" sz="3200" dirty="0" smtClean="0">
-                <a:latin typeface="+mj-lt"/>
-              </a:rPr>
-              <a:t>Một số ví dụ:</a:t>
-            </a:r>
-            <a:endParaRPr lang="en-US" sz="3200" dirty="0">
-              <a:latin typeface="+mj-lt"/>
-            </a:endParaRPr>
-          </a:p>
-        </p:txBody>
-      </p:sp>
-      <p:pic>
-        <p:nvPicPr>
-          <p:cNvPr id="5" name="Picture 4"/>
-          <p:cNvPicPr>
-            <a:picLocks noChangeAspect="1"/>
-          </p:cNvPicPr>
-          <p:nvPr/>
-        </p:nvPicPr>
-        <p:blipFill>
-          <a:blip r:embed="rId2"/>
-          <a:stretch>
-            <a:fillRect/>
-          </a:stretch>
-        </p:blipFill>
-        <p:spPr>
-          <a:xfrm>
-            <a:off x="1602377" y="2673042"/>
-            <a:ext cx="3048000" cy="1411278"/>
-          </a:xfrm>
-          <a:prstGeom prst="rect">
-            <a:avLst/>
-          </a:prstGeom>
-        </p:spPr>
-      </p:pic>
+              <a:t>HÀM   </a:t>
+            </a:r>
+            <a:r>
+              <a:rPr lang="vi-VN" sz="4000" dirty="0" smtClean="0"/>
+              <a:t>( Funstion )</a:t>
+            </a:r>
+            <a:endParaRPr lang="en-US" sz="4000" dirty="0"/>
+          </a:p>
+        </p:txBody>
+      </p:sp>
     </p:spTree>
     <p:extLst>
       <p:ext uri="{BB962C8B-B14F-4D97-AF65-F5344CB8AC3E}">
-        <p14:creationId xmlns:p14="http://schemas.microsoft.com/office/powerpoint/2010/main" val="3257076966"/>
+        <p14:creationId xmlns:p14="http://schemas.microsoft.com/office/powerpoint/2010/main" val="3242646746"/>
       </p:ext>
     </p:extLst>
   </p:cSld>
   <p:clrMapOvr>
     <a:masterClrMapping/>
   </p:clrMapOvr>
+  <p:transition spd="slow">
+    <p:push dir="u"/>
+  </p:transition>
   <p:timing>
     <p:tnLst>
       <p:par>
-        <p:cTn id="1" dur="indefinite" restart="never" nodeType="tmRoot"/>
+        <p:cTn id="1" dur="indefinite" restart="never" nodeType="tmRoot">
+          <p:childTnLst>
+            <p:seq concurrent="1" nextAc="seek">
+              <p:cTn id="2" dur="indefinite" nodeType="mainSeq">
+                <p:childTnLst>
+                  <p:par>
+                    <p:cTn id="3" fill="hold">
+                      <p:stCondLst>
+                        <p:cond delay="indefinite"/>
+                      </p:stCondLst>
+                      <p:childTnLst>
+                        <p:par>
+                          <p:cTn id="4" fill="hold">
+                            <p:stCondLst>
+                              <p:cond delay="0"/>
+                            </p:stCondLst>
+                            <p:childTnLst>
+                              <p:par>
+                                <p:cTn id="5" presetID="2" presetClass="entr" presetSubtype="4" fill="hold" nodeType="clickEffect">
+                                  <p:stCondLst>
+                                    <p:cond delay="0"/>
+                                  </p:stCondLst>
+                                  <p:childTnLst>
+                                    <p:set>
+                                      <p:cBhvr>
+                                        <p:cTn id="6" dur="1" fill="hold">
+                                          <p:stCondLst>
+                                            <p:cond delay="0"/>
+                                          </p:stCondLst>
+                                        </p:cTn>
+                                        <p:tgtEl>
+                                          <p:spTgt spid="6">
+                                            <p:txEl>
+                                              <p:pRg st="0" end="0"/>
+                                            </p:txEl>
+                                          </p:spTgt>
+                                        </p:tgtEl>
+                                        <p:attrNameLst>
+                                          <p:attrName>style.visibility</p:attrName>
+                                        </p:attrNameLst>
+                                      </p:cBhvr>
+                                      <p:to>
+                                        <p:strVal val="visible"/>
+                                      </p:to>
+                                    </p:set>
+                                    <p:anim calcmode="lin" valueType="num">
+                                      <p:cBhvr additive="base">
+                                        <p:cTn id="7" dur="500" fill="hold"/>
+                                        <p:tgtEl>
+                                          <p:spTgt spid="6">
+                                            <p:txEl>
+                                              <p:pRg st="0" end="0"/>
+                                            </p:txEl>
+                                          </p:spTgt>
+                                        </p:tgtEl>
+                                        <p:attrNameLst>
+                                          <p:attrName>ppt_x</p:attrName>
+                                        </p:attrNameLst>
+                                      </p:cBhvr>
+                                      <p:tavLst>
+                                        <p:tav tm="0">
+                                          <p:val>
+                                            <p:strVal val="#ppt_x"/>
+                                          </p:val>
+                                        </p:tav>
+                                        <p:tav tm="100000">
+                                          <p:val>
+                                            <p:strVal val="#ppt_x"/>
+                                          </p:val>
+                                        </p:tav>
+                                      </p:tavLst>
+                                    </p:anim>
+                                    <p:anim calcmode="lin" valueType="num">
+                                      <p:cBhvr additive="base">
+                                        <p:cTn id="8" dur="500" fill="hold"/>
+                                        <p:tgtEl>
+                                          <p:spTgt spid="6">
+                                            <p:txEl>
+                                              <p:pRg st="0" end="0"/>
+                                            </p:txEl>
+                                          </p:spTgt>
+                                        </p:tgtEl>
+                                        <p:attrNameLst>
+                                          <p:attrName>ppt_y</p:attrName>
+                                        </p:attrNameLst>
+                                      </p:cBhvr>
+                                      <p:tavLst>
+                                        <p:tav tm="0">
+                                          <p:val>
+                                            <p:strVal val="1+#ppt_h/2"/>
+                                          </p:val>
+                                        </p:tav>
+                                        <p:tav tm="100000">
+                                          <p:val>
+                                            <p:strVal val="#ppt_y"/>
+                                          </p:val>
+                                        </p:tav>
+                                      </p:tavLst>
+                                    </p:anim>
+                                  </p:childTnLst>
+                                </p:cTn>
+                              </p:par>
+                            </p:childTnLst>
+                          </p:cTn>
+                        </p:par>
+                      </p:childTnLst>
+                    </p:cTn>
+                  </p:par>
+                  <p:par>
+                    <p:cTn id="9" fill="hold">
+                      <p:stCondLst>
+                        <p:cond delay="indefinite"/>
+                      </p:stCondLst>
+                      <p:childTnLst>
+                        <p:par>
+                          <p:cTn id="10" fill="hold">
+                            <p:stCondLst>
+                              <p:cond delay="0"/>
+                            </p:stCondLst>
+                            <p:childTnLst>
+                              <p:par>
+                                <p:cTn id="11" presetID="2" presetClass="entr" presetSubtype="4" fill="hold" nodeType="clickEffect">
+                                  <p:stCondLst>
+                                    <p:cond delay="0"/>
+                                  </p:stCondLst>
+                                  <p:childTnLst>
+                                    <p:set>
+                                      <p:cBhvr>
+                                        <p:cTn id="12" dur="1" fill="hold">
+                                          <p:stCondLst>
+                                            <p:cond delay="0"/>
+                                          </p:stCondLst>
+                                        </p:cTn>
+                                        <p:tgtEl>
+                                          <p:spTgt spid="6">
+                                            <p:txEl>
+                                              <p:pRg st="1" end="1"/>
+                                            </p:txEl>
+                                          </p:spTgt>
+                                        </p:tgtEl>
+                                        <p:attrNameLst>
+                                          <p:attrName>style.visibility</p:attrName>
+                                        </p:attrNameLst>
+                                      </p:cBhvr>
+                                      <p:to>
+                                        <p:strVal val="visible"/>
+                                      </p:to>
+                                    </p:set>
+                                    <p:anim calcmode="lin" valueType="num">
+                                      <p:cBhvr additive="base">
+                                        <p:cTn id="13" dur="500" fill="hold"/>
+                                        <p:tgtEl>
+                                          <p:spTgt spid="6">
+                                            <p:txEl>
+                                              <p:pRg st="1" end="1"/>
+                                            </p:txEl>
+                                          </p:spTgt>
+                                        </p:tgtEl>
+                                        <p:attrNameLst>
+                                          <p:attrName>ppt_x</p:attrName>
+                                        </p:attrNameLst>
+                                      </p:cBhvr>
+                                      <p:tavLst>
+                                        <p:tav tm="0">
+                                          <p:val>
+                                            <p:strVal val="#ppt_x"/>
+                                          </p:val>
+                                        </p:tav>
+                                        <p:tav tm="100000">
+                                          <p:val>
+                                            <p:strVal val="#ppt_x"/>
+                                          </p:val>
+                                        </p:tav>
+                                      </p:tavLst>
+                                    </p:anim>
+                                    <p:anim calcmode="lin" valueType="num">
+                                      <p:cBhvr additive="base">
+                                        <p:cTn id="14" dur="500" fill="hold"/>
+                                        <p:tgtEl>
+                                          <p:spTgt spid="6">
+                                            <p:txEl>
+                                              <p:pRg st="1" end="1"/>
+                                            </p:txEl>
+                                          </p:spTgt>
+                                        </p:tgtEl>
+                                        <p:attrNameLst>
+                                          <p:attrName>ppt_y</p:attrName>
+                                        </p:attrNameLst>
+                                      </p:cBhvr>
+                                      <p:tavLst>
+                                        <p:tav tm="0">
+                                          <p:val>
+                                            <p:strVal val="1+#ppt_h/2"/>
+                                          </p:val>
+                                        </p:tav>
+                                        <p:tav tm="100000">
+                                          <p:val>
+                                            <p:strVal val="#ppt_y"/>
+                                          </p:val>
+                                        </p:tav>
+                                      </p:tavLst>
+                                    </p:anim>
+                                  </p:childTnLst>
+                                </p:cTn>
+                              </p:par>
+                            </p:childTnLst>
+                          </p:cTn>
+                        </p:par>
+                      </p:childTnLst>
+                    </p:cTn>
+                  </p:par>
+                  <p:par>
+                    <p:cTn id="15" fill="hold">
+                      <p:stCondLst>
+                        <p:cond delay="indefinite"/>
+                      </p:stCondLst>
+                      <p:childTnLst>
+                        <p:par>
+                          <p:cTn id="16" fill="hold">
+                            <p:stCondLst>
+                              <p:cond delay="0"/>
+                            </p:stCondLst>
+                            <p:childTnLst>
+                              <p:par>
+                                <p:cTn id="17" presetID="2" presetClass="entr" presetSubtype="4" fill="hold" nodeType="clickEffect">
+                                  <p:stCondLst>
+                                    <p:cond delay="0"/>
+                                  </p:stCondLst>
+                                  <p:childTnLst>
+                                    <p:set>
+                                      <p:cBhvr>
+                                        <p:cTn id="18" dur="1" fill="hold">
+                                          <p:stCondLst>
+                                            <p:cond delay="0"/>
+                                          </p:stCondLst>
+                                        </p:cTn>
+                                        <p:tgtEl>
+                                          <p:spTgt spid="6">
+                                            <p:txEl>
+                                              <p:pRg st="2" end="2"/>
+                                            </p:txEl>
+                                          </p:spTgt>
+                                        </p:tgtEl>
+                                        <p:attrNameLst>
+                                          <p:attrName>style.visibility</p:attrName>
+                                        </p:attrNameLst>
+                                      </p:cBhvr>
+                                      <p:to>
+                                        <p:strVal val="visible"/>
+                                      </p:to>
+                                    </p:set>
+                                    <p:anim calcmode="lin" valueType="num">
+                                      <p:cBhvr additive="base">
+                                        <p:cTn id="19" dur="500" fill="hold"/>
+                                        <p:tgtEl>
+                                          <p:spTgt spid="6">
+                                            <p:txEl>
+                                              <p:pRg st="2" end="2"/>
+                                            </p:txEl>
+                                          </p:spTgt>
+                                        </p:tgtEl>
+                                        <p:attrNameLst>
+                                          <p:attrName>ppt_x</p:attrName>
+                                        </p:attrNameLst>
+                                      </p:cBhvr>
+                                      <p:tavLst>
+                                        <p:tav tm="0">
+                                          <p:val>
+                                            <p:strVal val="#ppt_x"/>
+                                          </p:val>
+                                        </p:tav>
+                                        <p:tav tm="100000">
+                                          <p:val>
+                                            <p:strVal val="#ppt_x"/>
+                                          </p:val>
+                                        </p:tav>
+                                      </p:tavLst>
+                                    </p:anim>
+                                    <p:anim calcmode="lin" valueType="num">
+                                      <p:cBhvr additive="base">
+                                        <p:cTn id="20" dur="500" fill="hold"/>
+                                        <p:tgtEl>
+                                          <p:spTgt spid="6">
+                                            <p:txEl>
+                                              <p:pRg st="2" end="2"/>
+                                            </p:txEl>
+                                          </p:spTgt>
+                                        </p:tgtEl>
+                                        <p:attrNameLst>
+                                          <p:attrName>ppt_y</p:attrName>
+                                        </p:attrNameLst>
+                                      </p:cBhvr>
+                                      <p:tavLst>
+                                        <p:tav tm="0">
+                                          <p:val>
+                                            <p:strVal val="1+#ppt_h/2"/>
+                                          </p:val>
+                                        </p:tav>
+                                        <p:tav tm="100000">
+                                          <p:val>
+                                            <p:strVal val="#ppt_y"/>
+                                          </p:val>
+                                        </p:tav>
+                                      </p:tavLst>
+                                    </p:anim>
+                                  </p:childTnLst>
+                                </p:cTn>
+                              </p:par>
+                            </p:childTnLst>
+                          </p:cTn>
+                        </p:par>
+                      </p:childTnLst>
+                    </p:cTn>
+                  </p:par>
+                  <p:par>
+                    <p:cTn id="21" fill="hold">
+                      <p:stCondLst>
+                        <p:cond delay="indefinite"/>
+                      </p:stCondLst>
+                      <p:childTnLst>
+                        <p:par>
+                          <p:cTn id="22" fill="hold">
+                            <p:stCondLst>
+                              <p:cond delay="0"/>
+                            </p:stCondLst>
+                            <p:childTnLst>
+                              <p:par>
+                                <p:cTn id="23" presetID="2" presetClass="entr" presetSubtype="4" fill="hold" nodeType="clickEffect">
+                                  <p:stCondLst>
+                                    <p:cond delay="0"/>
+                                  </p:stCondLst>
+                                  <p:childTnLst>
+                                    <p:set>
+                                      <p:cBhvr>
+                                        <p:cTn id="24" dur="1" fill="hold">
+                                          <p:stCondLst>
+                                            <p:cond delay="0"/>
+                                          </p:stCondLst>
+                                        </p:cTn>
+                                        <p:tgtEl>
+                                          <p:spTgt spid="6">
+                                            <p:txEl>
+                                              <p:pRg st="3" end="3"/>
+                                            </p:txEl>
+                                          </p:spTgt>
+                                        </p:tgtEl>
+                                        <p:attrNameLst>
+                                          <p:attrName>style.visibility</p:attrName>
+                                        </p:attrNameLst>
+                                      </p:cBhvr>
+                                      <p:to>
+                                        <p:strVal val="visible"/>
+                                      </p:to>
+                                    </p:set>
+                                    <p:anim calcmode="lin" valueType="num">
+                                      <p:cBhvr additive="base">
+                                        <p:cTn id="25" dur="500" fill="hold"/>
+                                        <p:tgtEl>
+                                          <p:spTgt spid="6">
+                                            <p:txEl>
+                                              <p:pRg st="3" end="3"/>
+                                            </p:txEl>
+                                          </p:spTgt>
+                                        </p:tgtEl>
+                                        <p:attrNameLst>
+                                          <p:attrName>ppt_x</p:attrName>
+                                        </p:attrNameLst>
+                                      </p:cBhvr>
+                                      <p:tavLst>
+                                        <p:tav tm="0">
+                                          <p:val>
+                                            <p:strVal val="#ppt_x"/>
+                                          </p:val>
+                                        </p:tav>
+                                        <p:tav tm="100000">
+                                          <p:val>
+                                            <p:strVal val="#ppt_x"/>
+                                          </p:val>
+                                        </p:tav>
+                                      </p:tavLst>
+                                    </p:anim>
+                                    <p:anim calcmode="lin" valueType="num">
+                                      <p:cBhvr additive="base">
+                                        <p:cTn id="26" dur="500" fill="hold"/>
+                                        <p:tgtEl>
+                                          <p:spTgt spid="6">
+                                            <p:txEl>
+                                              <p:pRg st="3" end="3"/>
+                                            </p:txEl>
+                                          </p:spTgt>
+                                        </p:tgtEl>
+                                        <p:attrNameLst>
+                                          <p:attrName>ppt_y</p:attrName>
+                                        </p:attrNameLst>
+                                      </p:cBhvr>
+                                      <p:tavLst>
+                                        <p:tav tm="0">
+                                          <p:val>
+                                            <p:strVal val="1+#ppt_h/2"/>
+                                          </p:val>
+                                        </p:tav>
+                                        <p:tav tm="100000">
+                                          <p:val>
+                                            <p:strVal val="#ppt_y"/>
+                                          </p:val>
+                                        </p:tav>
+                                      </p:tavLst>
+                                    </p:anim>
+                                  </p:childTnLst>
+                                </p:cTn>
+                              </p:par>
+                            </p:childTnLst>
+                          </p:cTn>
+                        </p:par>
+                      </p:childTnLst>
+                    </p:cTn>
+                  </p:par>
+                  <p:par>
+                    <p:cTn id="27" fill="hold">
+                      <p:stCondLst>
+                        <p:cond delay="indefinite"/>
+                      </p:stCondLst>
+                      <p:childTnLst>
+                        <p:par>
+                          <p:cTn id="28" fill="hold">
+                            <p:stCondLst>
+                              <p:cond delay="0"/>
+                            </p:stCondLst>
+                            <p:childTnLst>
+                              <p:par>
+                                <p:cTn id="29" presetID="2" presetClass="entr" presetSubtype="4" fill="hold" nodeType="clickEffect">
+                                  <p:stCondLst>
+                                    <p:cond delay="0"/>
+                                  </p:stCondLst>
+                                  <p:childTnLst>
+                                    <p:set>
+                                      <p:cBhvr>
+                                        <p:cTn id="30" dur="1" fill="hold">
+                                          <p:stCondLst>
+                                            <p:cond delay="0"/>
+                                          </p:stCondLst>
+                                        </p:cTn>
+                                        <p:tgtEl>
+                                          <p:spTgt spid="6">
+                                            <p:txEl>
+                                              <p:pRg st="4" end="4"/>
+                                            </p:txEl>
+                                          </p:spTgt>
+                                        </p:tgtEl>
+                                        <p:attrNameLst>
+                                          <p:attrName>style.visibility</p:attrName>
+                                        </p:attrNameLst>
+                                      </p:cBhvr>
+                                      <p:to>
+                                        <p:strVal val="visible"/>
+                                      </p:to>
+                                    </p:set>
+                                    <p:anim calcmode="lin" valueType="num">
+                                      <p:cBhvr additive="base">
+                                        <p:cTn id="31" dur="500" fill="hold"/>
+                                        <p:tgtEl>
+                                          <p:spTgt spid="6">
+                                            <p:txEl>
+                                              <p:pRg st="4" end="4"/>
+                                            </p:txEl>
+                                          </p:spTgt>
+                                        </p:tgtEl>
+                                        <p:attrNameLst>
+                                          <p:attrName>ppt_x</p:attrName>
+                                        </p:attrNameLst>
+                                      </p:cBhvr>
+                                      <p:tavLst>
+                                        <p:tav tm="0">
+                                          <p:val>
+                                            <p:strVal val="#ppt_x"/>
+                                          </p:val>
+                                        </p:tav>
+                                        <p:tav tm="100000">
+                                          <p:val>
+                                            <p:strVal val="#ppt_x"/>
+                                          </p:val>
+                                        </p:tav>
+                                      </p:tavLst>
+                                    </p:anim>
+                                    <p:anim calcmode="lin" valueType="num">
+                                      <p:cBhvr additive="base">
+                                        <p:cTn id="32" dur="500" fill="hold"/>
+                                        <p:tgtEl>
+                                          <p:spTgt spid="6">
+                                            <p:txEl>
+                                              <p:pRg st="4" end="4"/>
+                                            </p:txEl>
+                                          </p:spTgt>
+                                        </p:tgtEl>
+                                        <p:attrNameLst>
+                                          <p:attrName>ppt_y</p:attrName>
+                                        </p:attrNameLst>
+                                      </p:cBhvr>
+                                      <p:tavLst>
+                                        <p:tav tm="0">
+                                          <p:val>
+                                            <p:strVal val="1+#ppt_h/2"/>
+                                          </p:val>
+                                        </p:tav>
+                                        <p:tav tm="100000">
+                                          <p:val>
+                                            <p:strVal val="#ppt_y"/>
+                                          </p:val>
+                                        </p:tav>
+                                      </p:tavLst>
+                                    </p:anim>
+                                  </p:childTnLst>
+                                </p:cTn>
+                              </p:par>
+                            </p:childTnLst>
+                          </p:cTn>
+                        </p:par>
+                      </p:childTnLst>
+                    </p:cTn>
+                  </p:par>
+                  <p:par>
+                    <p:cTn id="33" fill="hold">
+                      <p:stCondLst>
+                        <p:cond delay="indefinite"/>
+                      </p:stCondLst>
+                      <p:childTnLst>
+                        <p:par>
+                          <p:cTn id="34" fill="hold">
+                            <p:stCondLst>
+                              <p:cond delay="0"/>
+                            </p:stCondLst>
+                            <p:childTnLst>
+                              <p:par>
+                                <p:cTn id="35" presetID="2" presetClass="entr" presetSubtype="4" fill="hold" nodeType="clickEffect">
+                                  <p:stCondLst>
+                                    <p:cond delay="0"/>
+                                  </p:stCondLst>
+                                  <p:childTnLst>
+                                    <p:set>
+                                      <p:cBhvr>
+                                        <p:cTn id="36" dur="1" fill="hold">
+                                          <p:stCondLst>
+                                            <p:cond delay="0"/>
+                                          </p:stCondLst>
+                                        </p:cTn>
+                                        <p:tgtEl>
+                                          <p:spTgt spid="6">
+                                            <p:txEl>
+                                              <p:pRg st="5" end="5"/>
+                                            </p:txEl>
+                                          </p:spTgt>
+                                        </p:tgtEl>
+                                        <p:attrNameLst>
+                                          <p:attrName>style.visibility</p:attrName>
+                                        </p:attrNameLst>
+                                      </p:cBhvr>
+                                      <p:to>
+                                        <p:strVal val="visible"/>
+                                      </p:to>
+                                    </p:set>
+                                    <p:anim calcmode="lin" valueType="num">
+                                      <p:cBhvr additive="base">
+                                        <p:cTn id="37" dur="500" fill="hold"/>
+                                        <p:tgtEl>
+                                          <p:spTgt spid="6">
+                                            <p:txEl>
+                                              <p:pRg st="5" end="5"/>
+                                            </p:txEl>
+                                          </p:spTgt>
+                                        </p:tgtEl>
+                                        <p:attrNameLst>
+                                          <p:attrName>ppt_x</p:attrName>
+                                        </p:attrNameLst>
+                                      </p:cBhvr>
+                                      <p:tavLst>
+                                        <p:tav tm="0">
+                                          <p:val>
+                                            <p:strVal val="#ppt_x"/>
+                                          </p:val>
+                                        </p:tav>
+                                        <p:tav tm="100000">
+                                          <p:val>
+                                            <p:strVal val="#ppt_x"/>
+                                          </p:val>
+                                        </p:tav>
+                                      </p:tavLst>
+                                    </p:anim>
+                                    <p:anim calcmode="lin" valueType="num">
+                                      <p:cBhvr additive="base">
+                                        <p:cTn id="38" dur="500" fill="hold"/>
+                                        <p:tgtEl>
+                                          <p:spTgt spid="6">
+                                            <p:txEl>
+                                              <p:pRg st="5" end="5"/>
+                                            </p:txEl>
+                                          </p:spTgt>
+                                        </p:tgtEl>
+                                        <p:attrNameLst>
+                                          <p:attrName>ppt_y</p:attrName>
+                                        </p:attrNameLst>
+                                      </p:cBhvr>
+                                      <p:tavLst>
+                                        <p:tav tm="0">
+                                          <p:val>
+                                            <p:strVal val="1+#ppt_h/2"/>
+                                          </p:val>
+                                        </p:tav>
+                                        <p:tav tm="100000">
+                                          <p:val>
+                                            <p:strVal val="#ppt_y"/>
+                                          </p:val>
+                                        </p:tav>
+                                      </p:tavLst>
+                                    </p:anim>
+                                  </p:childTnLst>
+                                </p:cTn>
+                              </p:par>
+                            </p:childTnLst>
+                          </p:cTn>
+                        </p:par>
+                      </p:childTnLst>
+                    </p:cTn>
+                  </p:par>
+                </p:childTnLst>
+              </p:cTn>
+              <p:prevCondLst>
+                <p:cond evt="onPrev" delay="0">
+                  <p:tgtEl>
+                    <p:sldTgt/>
+                  </p:tgtEl>
+                </p:cond>
+              </p:prevCondLst>
+              <p:nextCondLst>
+                <p:cond evt="onNext" delay="0">
+                  <p:tgtEl>
+                    <p:sldTgt/>
+                  </p:tgtEl>
+                </p:cond>
+              </p:nextCondLst>
+            </p:seq>
+          </p:childTnLst>
+        </p:cTn>
       </p:par>
     </p:tnLst>
   </p:timing>
 </p:sld>
 </file>
 
-<file path=ppt/slides/slide14.xml><?xml version="1.0" encoding="utf-8"?>
+<file path=ppt/slides/slide3.xml><?xml version="1.0" encoding="utf-8"?>
 <p:sld xmlns:a="http://schemas.openxmlformats.org/drawingml/2006/main" xmlns:r="http://schemas.openxmlformats.org/officeDocument/2006/relationships" xmlns:p="http://schemas.openxmlformats.org/presentationml/2006/main">
   <p:cSld>
     <p:spTree>
@@ -6811,6 +7603,351 @@
       </p:grpSpPr>
       <p:sp>
         <p:nvSpPr>
+          <p:cNvPr id="4" name="TextBox 3"/>
+          <p:cNvSpPr txBox="1"/>
+          <p:nvPr/>
+        </p:nvSpPr>
+        <p:spPr>
+          <a:xfrm>
+            <a:off x="4040777" y="566057"/>
+            <a:ext cx="3727269" cy="1785104"/>
+          </a:xfrm>
+          <a:prstGeom prst="rect">
+            <a:avLst/>
+          </a:prstGeom>
+          <a:noFill/>
+        </p:spPr>
+        <p:txBody>
+          <a:bodyPr wrap="square" rtlCol="0">
+            <a:spAutoFit/>
+          </a:bodyPr>
+          <a:lstStyle/>
+          <a:p>
+            <a:r>
+              <a:rPr lang="vi-VN" sz="5500" dirty="0">
+                <a:latin typeface="Times New Roman" panose="02020603050405020304" pitchFamily="18" charset="0"/>
+                <a:cs typeface="Times New Roman" panose="02020603050405020304" pitchFamily="18" charset="0"/>
+              </a:rPr>
+              <a:t>Hàm là gì ?</a:t>
+            </a:r>
+          </a:p>
+          <a:p>
+            <a:endParaRPr lang="en-US" sz="5500" dirty="0"/>
+          </a:p>
+        </p:txBody>
+      </p:sp>
+      <p:sp>
+        <p:nvSpPr>
+          <p:cNvPr id="7" name="TextBox 6"/>
+          <p:cNvSpPr txBox="1"/>
+          <p:nvPr/>
+        </p:nvSpPr>
+        <p:spPr>
+          <a:xfrm>
+            <a:off x="1079862" y="2002971"/>
+            <a:ext cx="9562011" cy="3539430"/>
+          </a:xfrm>
+          <a:prstGeom prst="rect">
+            <a:avLst/>
+          </a:prstGeom>
+          <a:noFill/>
+        </p:spPr>
+        <p:txBody>
+          <a:bodyPr wrap="square" rtlCol="0">
+            <a:spAutoFit/>
+          </a:bodyPr>
+          <a:lstStyle/>
+          <a:p>
+            <a:r>
+              <a:rPr lang="vi-VN" sz="3200" dirty="0" smtClean="0"/>
+              <a:t>- Hàm là đoạn chương trình thực hiện trọn vẹn một công việc nhất định (cụ thể).</a:t>
+            </a:r>
+          </a:p>
+          <a:p>
+            <a:endParaRPr lang="vi-VN" sz="3200" dirty="0"/>
+          </a:p>
+          <a:p>
+            <a:r>
+              <a:rPr lang="vi-VN" sz="3200" dirty="0"/>
+              <a:t>- Ví dụ: chức năng cộng, trừ, nhân, chia. Chức năng tìm số lớn nhất, nhỏ nhất, hoặc đổi chổ hai phần tử...</a:t>
+            </a:r>
+          </a:p>
+          <a:p>
+            <a:endParaRPr lang="en-US" sz="3200" dirty="0"/>
+          </a:p>
+        </p:txBody>
+      </p:sp>
+    </p:spTree>
+    <p:extLst>
+      <p:ext uri="{BB962C8B-B14F-4D97-AF65-F5344CB8AC3E}">
+        <p14:creationId xmlns:p14="http://schemas.microsoft.com/office/powerpoint/2010/main" val="3920994399"/>
+      </p:ext>
+    </p:extLst>
+  </p:cSld>
+  <p:clrMapOvr>
+    <a:masterClrMapping/>
+  </p:clrMapOvr>
+  <p:transition spd="slow">
+    <p:push dir="u"/>
+  </p:transition>
+  <p:timing>
+    <p:tnLst>
+      <p:par>
+        <p:cTn id="1" dur="indefinite" restart="never" nodeType="tmRoot">
+          <p:childTnLst>
+            <p:seq concurrent="1" nextAc="seek">
+              <p:cTn id="2" dur="indefinite" nodeType="mainSeq">
+                <p:childTnLst>
+                  <p:par>
+                    <p:cTn id="3" fill="hold">
+                      <p:stCondLst>
+                        <p:cond delay="indefinite"/>
+                      </p:stCondLst>
+                      <p:childTnLst>
+                        <p:par>
+                          <p:cTn id="4" fill="hold">
+                            <p:stCondLst>
+                              <p:cond delay="0"/>
+                            </p:stCondLst>
+                            <p:childTnLst>
+                              <p:par>
+                                <p:cTn id="5" presetID="2" presetClass="entr" presetSubtype="4" fill="hold" nodeType="clickEffect">
+                                  <p:stCondLst>
+                                    <p:cond delay="0"/>
+                                  </p:stCondLst>
+                                  <p:childTnLst>
+                                    <p:set>
+                                      <p:cBhvr>
+                                        <p:cTn id="6" dur="1" fill="hold">
+                                          <p:stCondLst>
+                                            <p:cond delay="0"/>
+                                          </p:stCondLst>
+                                        </p:cTn>
+                                        <p:tgtEl>
+                                          <p:spTgt spid="7">
+                                            <p:txEl>
+                                              <p:pRg st="0" end="0"/>
+                                            </p:txEl>
+                                          </p:spTgt>
+                                        </p:tgtEl>
+                                        <p:attrNameLst>
+                                          <p:attrName>style.visibility</p:attrName>
+                                        </p:attrNameLst>
+                                      </p:cBhvr>
+                                      <p:to>
+                                        <p:strVal val="visible"/>
+                                      </p:to>
+                                    </p:set>
+                                    <p:anim calcmode="lin" valueType="num">
+                                      <p:cBhvr additive="base">
+                                        <p:cTn id="7" dur="500" fill="hold"/>
+                                        <p:tgtEl>
+                                          <p:spTgt spid="7">
+                                            <p:txEl>
+                                              <p:pRg st="0" end="0"/>
+                                            </p:txEl>
+                                          </p:spTgt>
+                                        </p:tgtEl>
+                                        <p:attrNameLst>
+                                          <p:attrName>ppt_x</p:attrName>
+                                        </p:attrNameLst>
+                                      </p:cBhvr>
+                                      <p:tavLst>
+                                        <p:tav tm="0">
+                                          <p:val>
+                                            <p:strVal val="#ppt_x"/>
+                                          </p:val>
+                                        </p:tav>
+                                        <p:tav tm="100000">
+                                          <p:val>
+                                            <p:strVal val="#ppt_x"/>
+                                          </p:val>
+                                        </p:tav>
+                                      </p:tavLst>
+                                    </p:anim>
+                                    <p:anim calcmode="lin" valueType="num">
+                                      <p:cBhvr additive="base">
+                                        <p:cTn id="8" dur="500" fill="hold"/>
+                                        <p:tgtEl>
+                                          <p:spTgt spid="7">
+                                            <p:txEl>
+                                              <p:pRg st="0" end="0"/>
+                                            </p:txEl>
+                                          </p:spTgt>
+                                        </p:tgtEl>
+                                        <p:attrNameLst>
+                                          <p:attrName>ppt_y</p:attrName>
+                                        </p:attrNameLst>
+                                      </p:cBhvr>
+                                      <p:tavLst>
+                                        <p:tav tm="0">
+                                          <p:val>
+                                            <p:strVal val="1+#ppt_h/2"/>
+                                          </p:val>
+                                        </p:tav>
+                                        <p:tav tm="100000">
+                                          <p:val>
+                                            <p:strVal val="#ppt_y"/>
+                                          </p:val>
+                                        </p:tav>
+                                      </p:tavLst>
+                                    </p:anim>
+                                  </p:childTnLst>
+                                </p:cTn>
+                              </p:par>
+                            </p:childTnLst>
+                          </p:cTn>
+                        </p:par>
+                      </p:childTnLst>
+                    </p:cTn>
+                  </p:par>
+                  <p:par>
+                    <p:cTn id="9" fill="hold">
+                      <p:stCondLst>
+                        <p:cond delay="indefinite"/>
+                      </p:stCondLst>
+                      <p:childTnLst>
+                        <p:par>
+                          <p:cTn id="10" fill="hold">
+                            <p:stCondLst>
+                              <p:cond delay="0"/>
+                            </p:stCondLst>
+                            <p:childTnLst>
+                              <p:par>
+                                <p:cTn id="11" presetID="2" presetClass="entr" presetSubtype="4" fill="hold" nodeType="clickEffect">
+                                  <p:stCondLst>
+                                    <p:cond delay="0"/>
+                                  </p:stCondLst>
+                                  <p:childTnLst>
+                                    <p:set>
+                                      <p:cBhvr>
+                                        <p:cTn id="12" dur="1" fill="hold">
+                                          <p:stCondLst>
+                                            <p:cond delay="0"/>
+                                          </p:stCondLst>
+                                        </p:cTn>
+                                        <p:tgtEl>
+                                          <p:spTgt spid="7">
+                                            <p:txEl>
+                                              <p:pRg st="2" end="2"/>
+                                            </p:txEl>
+                                          </p:spTgt>
+                                        </p:tgtEl>
+                                        <p:attrNameLst>
+                                          <p:attrName>style.visibility</p:attrName>
+                                        </p:attrNameLst>
+                                      </p:cBhvr>
+                                      <p:to>
+                                        <p:strVal val="visible"/>
+                                      </p:to>
+                                    </p:set>
+                                    <p:anim calcmode="lin" valueType="num">
+                                      <p:cBhvr additive="base">
+                                        <p:cTn id="13" dur="500" fill="hold"/>
+                                        <p:tgtEl>
+                                          <p:spTgt spid="7">
+                                            <p:txEl>
+                                              <p:pRg st="2" end="2"/>
+                                            </p:txEl>
+                                          </p:spTgt>
+                                        </p:tgtEl>
+                                        <p:attrNameLst>
+                                          <p:attrName>ppt_x</p:attrName>
+                                        </p:attrNameLst>
+                                      </p:cBhvr>
+                                      <p:tavLst>
+                                        <p:tav tm="0">
+                                          <p:val>
+                                            <p:strVal val="#ppt_x"/>
+                                          </p:val>
+                                        </p:tav>
+                                        <p:tav tm="100000">
+                                          <p:val>
+                                            <p:strVal val="#ppt_x"/>
+                                          </p:val>
+                                        </p:tav>
+                                      </p:tavLst>
+                                    </p:anim>
+                                    <p:anim calcmode="lin" valueType="num">
+                                      <p:cBhvr additive="base">
+                                        <p:cTn id="14" dur="500" fill="hold"/>
+                                        <p:tgtEl>
+                                          <p:spTgt spid="7">
+                                            <p:txEl>
+                                              <p:pRg st="2" end="2"/>
+                                            </p:txEl>
+                                          </p:spTgt>
+                                        </p:tgtEl>
+                                        <p:attrNameLst>
+                                          <p:attrName>ppt_y</p:attrName>
+                                        </p:attrNameLst>
+                                      </p:cBhvr>
+                                      <p:tavLst>
+                                        <p:tav tm="0">
+                                          <p:val>
+                                            <p:strVal val="1+#ppt_h/2"/>
+                                          </p:val>
+                                        </p:tav>
+                                        <p:tav tm="100000">
+                                          <p:val>
+                                            <p:strVal val="#ppt_y"/>
+                                          </p:val>
+                                        </p:tav>
+                                      </p:tavLst>
+                                    </p:anim>
+                                  </p:childTnLst>
+                                </p:cTn>
+                              </p:par>
+                            </p:childTnLst>
+                          </p:cTn>
+                        </p:par>
+                      </p:childTnLst>
+                    </p:cTn>
+                  </p:par>
+                </p:childTnLst>
+              </p:cTn>
+              <p:prevCondLst>
+                <p:cond evt="onPrev" delay="0">
+                  <p:tgtEl>
+                    <p:sldTgt/>
+                  </p:tgtEl>
+                </p:cond>
+              </p:prevCondLst>
+              <p:nextCondLst>
+                <p:cond evt="onNext" delay="0">
+                  <p:tgtEl>
+                    <p:sldTgt/>
+                  </p:tgtEl>
+                </p:cond>
+              </p:nextCondLst>
+            </p:seq>
+          </p:childTnLst>
+        </p:cTn>
+      </p:par>
+    </p:tnLst>
+  </p:timing>
+</p:sld>
+</file>
+
+<file path=ppt/slides/slide4.xml><?xml version="1.0" encoding="utf-8"?>
+<p:sld xmlns:a="http://schemas.openxmlformats.org/drawingml/2006/main" xmlns:r="http://schemas.openxmlformats.org/officeDocument/2006/relationships" xmlns:p="http://schemas.openxmlformats.org/presentationml/2006/main">
+  <p:cSld>
+    <p:spTree>
+      <p:nvGrpSpPr>
+        <p:cNvPr id="1" name=""/>
+        <p:cNvGrpSpPr/>
+        <p:nvPr/>
+      </p:nvGrpSpPr>
+      <p:grpSpPr>
+        <a:xfrm>
+          <a:off x="0" y="0"/>
+          <a:ext cx="0" cy="0"/>
+          <a:chOff x="0" y="0"/>
+          <a:chExt cx="0" cy="0"/>
+        </a:xfrm>
+      </p:grpSpPr>
+      <p:sp>
+        <p:nvSpPr>
           <p:cNvPr id="2" name="TextBox 1"/>
           <p:cNvSpPr txBox="1"/>
           <p:nvPr/>
@@ -6862,7 +7999,21 @@
                 <a:latin typeface="+mj-lt"/>
                 <a:cs typeface="Times New Roman" panose="02020603050405020304" pitchFamily="18" charset="0"/>
               </a:rPr>
-              <a:t>Hàm trông như thế nào ?</a:t>
+              <a:t>Hàm dùng để làm </a:t>
+            </a:r>
+            <a:r>
+              <a:rPr lang="vi-VN" sz="6000" dirty="0">
+                <a:latin typeface="+mj-lt"/>
+                <a:cs typeface="Times New Roman" panose="02020603050405020304" pitchFamily="18" charset="0"/>
+              </a:rPr>
+              <a:t>gì </a:t>
+            </a:r>
+            <a:r>
+              <a:rPr lang="vi-VN" sz="6000" dirty="0" smtClean="0">
+                <a:latin typeface="+mj-lt"/>
+                <a:cs typeface="Times New Roman" panose="02020603050405020304" pitchFamily="18" charset="0"/>
+              </a:rPr>
+              <a:t>?</a:t>
             </a:r>
             <a:endParaRPr lang="en-US" sz="6000" dirty="0">
               <a:latin typeface="+mj-lt"/>
@@ -6877,14 +8028,14 @@
       </p:sp>
       <p:sp>
         <p:nvSpPr>
-          <p:cNvPr id="4" name="TextBox 3"/>
+          <p:cNvPr id="6" name="TextBox 5"/>
           <p:cNvSpPr txBox="1"/>
           <p:nvPr/>
         </p:nvSpPr>
         <p:spPr>
           <a:xfrm>
-            <a:off x="1361157" y="1800225"/>
-            <a:ext cx="2385589" cy="584775"/>
+            <a:off x="1097280" y="2082905"/>
+            <a:ext cx="10249989" cy="4524315"/>
           </a:xfrm>
           <a:prstGeom prst="rect">
             <a:avLst/>
@@ -6892,92 +8043,555 @@
           <a:noFill/>
         </p:spPr>
         <p:txBody>
-          <a:bodyPr wrap="none" rtlCol="0">
+          <a:bodyPr wrap="square" rtlCol="0">
             <a:spAutoFit/>
           </a:bodyPr>
           <a:lstStyle/>
           <a:p>
+            <a:pPr marL="457200" indent="-457200">
+              <a:buFontTx/>
+              <a:buChar char="-"/>
+            </a:pPr>
             <a:r>
               <a:rPr lang="vi-VN" sz="3200" dirty="0" smtClean="0">
-                <a:latin typeface="+mj-lt"/>
+                <a:cs typeface="Times New Roman" panose="02020603050405020304" pitchFamily="18" charset="0"/>
               </a:rPr>
-              <a:t>Một số ví dụ:</a:t>
-            </a:r>
-            <a:endParaRPr lang="en-US" sz="3200" dirty="0">
-              <a:latin typeface="+mj-lt"/>
+              <a:t>Hàm giúp tách một chương trinh ra thành các đoạn code nhỏ có chức năng cụ thể, hoàn chỉnh.</a:t>
+            </a:r>
+          </a:p>
+          <a:p>
+            <a:pPr marL="457200" indent="-457200">
+              <a:buFontTx/>
+              <a:buChar char="-"/>
+            </a:pPr>
+            <a:endParaRPr lang="vi-VN" sz="3200" dirty="0" smtClean="0">
+              <a:cs typeface="Times New Roman" panose="02020603050405020304" pitchFamily="18" charset="0"/>
             </a:endParaRPr>
           </a:p>
-        </p:txBody>
-      </p:sp>
-      <p:pic>
-        <p:nvPicPr>
-          <p:cNvPr id="5" name="Picture 4"/>
-          <p:cNvPicPr>
-            <a:picLocks noChangeAspect="1"/>
-          </p:cNvPicPr>
-          <p:nvPr/>
-        </p:nvPicPr>
-        <p:blipFill>
-          <a:blip r:embed="rId2"/>
-          <a:stretch>
-            <a:fillRect/>
-          </a:stretch>
-        </p:blipFill>
-        <p:spPr>
-          <a:xfrm>
-            <a:off x="1602377" y="2673042"/>
-            <a:ext cx="3048000" cy="1411278"/>
-          </a:xfrm>
-          <a:prstGeom prst="rect">
-            <a:avLst/>
-          </a:prstGeom>
-        </p:spPr>
-      </p:pic>
-      <p:pic>
-        <p:nvPicPr>
-          <p:cNvPr id="6" name="Picture 5"/>
-          <p:cNvPicPr>
-            <a:picLocks noChangeAspect="1"/>
-          </p:cNvPicPr>
-          <p:nvPr/>
-        </p:nvPicPr>
-        <p:blipFill>
-          <a:blip r:embed="rId3"/>
-          <a:stretch>
-            <a:fillRect/>
-          </a:stretch>
-        </p:blipFill>
-        <p:spPr>
-          <a:xfrm>
-            <a:off x="5780751" y="1990726"/>
-            <a:ext cx="4199271" cy="2198098"/>
-          </a:xfrm>
-          <a:prstGeom prst="rect">
-            <a:avLst/>
-          </a:prstGeom>
-        </p:spPr>
-      </p:pic>
+          <a:p>
+            <a:pPr marL="457200" indent="-457200">
+              <a:buFontTx/>
+              <a:buChar char="-"/>
+            </a:pPr>
+            <a:r>
+              <a:rPr lang="vi-VN" sz="3200" dirty="0" smtClean="0">
+                <a:cs typeface="Times New Roman" panose="02020603050405020304" pitchFamily="18" charset="0"/>
+              </a:rPr>
+              <a:t>Dễ quản lý chương trinh.</a:t>
+            </a:r>
+          </a:p>
+          <a:p>
+            <a:pPr marL="457200" indent="-457200">
+              <a:buFontTx/>
+              <a:buChar char="-"/>
+            </a:pPr>
+            <a:endParaRPr lang="vi-VN" sz="3200" dirty="0" smtClean="0">
+              <a:cs typeface="Times New Roman" panose="02020603050405020304" pitchFamily="18" charset="0"/>
+            </a:endParaRPr>
+          </a:p>
+          <a:p>
+            <a:pPr marL="457200" indent="-457200">
+              <a:buFontTx/>
+              <a:buChar char="-"/>
+            </a:pPr>
+            <a:r>
+              <a:rPr lang="vi-VN" sz="3200" dirty="0">
+                <a:cs typeface="Times New Roman" panose="02020603050405020304" pitchFamily="18" charset="0"/>
+              </a:rPr>
+              <a:t>Rõ ràng, tường minh từng chức năng.</a:t>
+            </a:r>
+          </a:p>
+          <a:p>
+            <a:pPr marL="457200" indent="-457200">
+              <a:buFontTx/>
+              <a:buChar char="-"/>
+            </a:pPr>
+            <a:endParaRPr lang="vi-VN" sz="3200" dirty="0">
+              <a:cs typeface="Times New Roman" panose="02020603050405020304" pitchFamily="18" charset="0"/>
+            </a:endParaRPr>
+          </a:p>
+          <a:p>
+            <a:pPr marL="457200" indent="-457200">
+              <a:buFontTx/>
+              <a:buChar char="-"/>
+            </a:pPr>
+            <a:r>
+              <a:rPr lang="vi-VN" sz="3200" dirty="0" smtClean="0">
+                <a:cs typeface="Times New Roman" panose="02020603050405020304" pitchFamily="18" charset="0"/>
+              </a:rPr>
+              <a:t>Có thể tái sử dụng lại code.</a:t>
+            </a:r>
+          </a:p>
+          <a:p>
+            <a:pPr marL="457200" indent="-457200">
+              <a:buFontTx/>
+              <a:buChar char="-"/>
+            </a:pPr>
+            <a:endParaRPr lang="vi-VN" sz="3200" dirty="0" smtClean="0">
+              <a:cs typeface="Times New Roman" panose="02020603050405020304" pitchFamily="18" charset="0"/>
+            </a:endParaRPr>
+          </a:p>
+        </p:txBody>
+      </p:sp>
     </p:spTree>
     <p:extLst>
       <p:ext uri="{BB962C8B-B14F-4D97-AF65-F5344CB8AC3E}">
-        <p14:creationId xmlns:p14="http://schemas.microsoft.com/office/powerpoint/2010/main" val="2833911581"/>
+        <p14:creationId xmlns:p14="http://schemas.microsoft.com/office/powerpoint/2010/main" val="3735349219"/>
       </p:ext>
     </p:extLst>
   </p:cSld>
   <p:clrMapOvr>
     <a:masterClrMapping/>
   </p:clrMapOvr>
+  <p:transition spd="slow">
+    <p:push dir="u"/>
+  </p:transition>
   <p:timing>
     <p:tnLst>
       <p:par>
-        <p:cTn id="1" dur="indefinite" restart="never" nodeType="tmRoot"/>
+        <p:cTn id="1" dur="indefinite" restart="never" nodeType="tmRoot">
+          <p:childTnLst>
+            <p:seq concurrent="1" nextAc="seek">
+              <p:cTn id="2" dur="indefinite" nodeType="mainSeq">
+                <p:childTnLst>
+                  <p:par>
+                    <p:cTn id="3" fill="hold">
+                      <p:stCondLst>
+                        <p:cond delay="indefinite"/>
+                      </p:stCondLst>
+                      <p:childTnLst>
+                        <p:par>
+                          <p:cTn id="4" fill="hold">
+                            <p:stCondLst>
+                              <p:cond delay="0"/>
+                            </p:stCondLst>
+                            <p:childTnLst>
+                              <p:par>
+                                <p:cTn id="5" presetID="2" presetClass="entr" presetSubtype="4" fill="hold" nodeType="clickEffect">
+                                  <p:stCondLst>
+                                    <p:cond delay="0"/>
+                                  </p:stCondLst>
+                                  <p:childTnLst>
+                                    <p:set>
+                                      <p:cBhvr>
+                                        <p:cTn id="6" dur="1" fill="hold">
+                                          <p:stCondLst>
+                                            <p:cond delay="0"/>
+                                          </p:stCondLst>
+                                        </p:cTn>
+                                        <p:tgtEl>
+                                          <p:spTgt spid="6">
+                                            <p:txEl>
+                                              <p:pRg st="0" end="0"/>
+                                            </p:txEl>
+                                          </p:spTgt>
+                                        </p:tgtEl>
+                                        <p:attrNameLst>
+                                          <p:attrName>style.visibility</p:attrName>
+                                        </p:attrNameLst>
+                                      </p:cBhvr>
+                                      <p:to>
+                                        <p:strVal val="visible"/>
+                                      </p:to>
+                                    </p:set>
+                                    <p:anim calcmode="lin" valueType="num">
+                                      <p:cBhvr additive="base">
+                                        <p:cTn id="7" dur="500" fill="hold"/>
+                                        <p:tgtEl>
+                                          <p:spTgt spid="6">
+                                            <p:txEl>
+                                              <p:pRg st="0" end="0"/>
+                                            </p:txEl>
+                                          </p:spTgt>
+                                        </p:tgtEl>
+                                        <p:attrNameLst>
+                                          <p:attrName>ppt_x</p:attrName>
+                                        </p:attrNameLst>
+                                      </p:cBhvr>
+                                      <p:tavLst>
+                                        <p:tav tm="0">
+                                          <p:val>
+                                            <p:strVal val="#ppt_x"/>
+                                          </p:val>
+                                        </p:tav>
+                                        <p:tav tm="100000">
+                                          <p:val>
+                                            <p:strVal val="#ppt_x"/>
+                                          </p:val>
+                                        </p:tav>
+                                      </p:tavLst>
+                                    </p:anim>
+                                    <p:anim calcmode="lin" valueType="num">
+                                      <p:cBhvr additive="base">
+                                        <p:cTn id="8" dur="500" fill="hold"/>
+                                        <p:tgtEl>
+                                          <p:spTgt spid="6">
+                                            <p:txEl>
+                                              <p:pRg st="0" end="0"/>
+                                            </p:txEl>
+                                          </p:spTgt>
+                                        </p:tgtEl>
+                                        <p:attrNameLst>
+                                          <p:attrName>ppt_y</p:attrName>
+                                        </p:attrNameLst>
+                                      </p:cBhvr>
+                                      <p:tavLst>
+                                        <p:tav tm="0">
+                                          <p:val>
+                                            <p:strVal val="1+#ppt_h/2"/>
+                                          </p:val>
+                                        </p:tav>
+                                        <p:tav tm="100000">
+                                          <p:val>
+                                            <p:strVal val="#ppt_y"/>
+                                          </p:val>
+                                        </p:tav>
+                                      </p:tavLst>
+                                    </p:anim>
+                                  </p:childTnLst>
+                                </p:cTn>
+                              </p:par>
+                            </p:childTnLst>
+                          </p:cTn>
+                        </p:par>
+                      </p:childTnLst>
+                    </p:cTn>
+                  </p:par>
+                  <p:par>
+                    <p:cTn id="9" fill="hold">
+                      <p:stCondLst>
+                        <p:cond delay="indefinite"/>
+                      </p:stCondLst>
+                      <p:childTnLst>
+                        <p:par>
+                          <p:cTn id="10" fill="hold">
+                            <p:stCondLst>
+                              <p:cond delay="0"/>
+                            </p:stCondLst>
+                            <p:childTnLst>
+                              <p:par>
+                                <p:cTn id="11" presetID="2" presetClass="entr" presetSubtype="4" fill="hold" nodeType="clickEffect">
+                                  <p:stCondLst>
+                                    <p:cond delay="0"/>
+                                  </p:stCondLst>
+                                  <p:childTnLst>
+                                    <p:set>
+                                      <p:cBhvr>
+                                        <p:cTn id="12" dur="1" fill="hold">
+                                          <p:stCondLst>
+                                            <p:cond delay="0"/>
+                                          </p:stCondLst>
+                                        </p:cTn>
+                                        <p:tgtEl>
+                                          <p:spTgt spid="6">
+                                            <p:txEl>
+                                              <p:pRg st="2" end="2"/>
+                                            </p:txEl>
+                                          </p:spTgt>
+                                        </p:tgtEl>
+                                        <p:attrNameLst>
+                                          <p:attrName>style.visibility</p:attrName>
+                                        </p:attrNameLst>
+                                      </p:cBhvr>
+                                      <p:to>
+                                        <p:strVal val="visible"/>
+                                      </p:to>
+                                    </p:set>
+                                    <p:anim calcmode="lin" valueType="num">
+                                      <p:cBhvr additive="base">
+                                        <p:cTn id="13" dur="500" fill="hold"/>
+                                        <p:tgtEl>
+                                          <p:spTgt spid="6">
+                                            <p:txEl>
+                                              <p:pRg st="2" end="2"/>
+                                            </p:txEl>
+                                          </p:spTgt>
+                                        </p:tgtEl>
+                                        <p:attrNameLst>
+                                          <p:attrName>ppt_x</p:attrName>
+                                        </p:attrNameLst>
+                                      </p:cBhvr>
+                                      <p:tavLst>
+                                        <p:tav tm="0">
+                                          <p:val>
+                                            <p:strVal val="#ppt_x"/>
+                                          </p:val>
+                                        </p:tav>
+                                        <p:tav tm="100000">
+                                          <p:val>
+                                            <p:strVal val="#ppt_x"/>
+                                          </p:val>
+                                        </p:tav>
+                                      </p:tavLst>
+                                    </p:anim>
+                                    <p:anim calcmode="lin" valueType="num">
+                                      <p:cBhvr additive="base">
+                                        <p:cTn id="14" dur="500" fill="hold"/>
+                                        <p:tgtEl>
+                                          <p:spTgt spid="6">
+                                            <p:txEl>
+                                              <p:pRg st="2" end="2"/>
+                                            </p:txEl>
+                                          </p:spTgt>
+                                        </p:tgtEl>
+                                        <p:attrNameLst>
+                                          <p:attrName>ppt_y</p:attrName>
+                                        </p:attrNameLst>
+                                      </p:cBhvr>
+                                      <p:tavLst>
+                                        <p:tav tm="0">
+                                          <p:val>
+                                            <p:strVal val="1+#ppt_h/2"/>
+                                          </p:val>
+                                        </p:tav>
+                                        <p:tav tm="100000">
+                                          <p:val>
+                                            <p:strVal val="#ppt_y"/>
+                                          </p:val>
+                                        </p:tav>
+                                      </p:tavLst>
+                                    </p:anim>
+                                  </p:childTnLst>
+                                </p:cTn>
+                              </p:par>
+                            </p:childTnLst>
+                          </p:cTn>
+                        </p:par>
+                      </p:childTnLst>
+                    </p:cTn>
+                  </p:par>
+                  <p:par>
+                    <p:cTn id="15" fill="hold">
+                      <p:stCondLst>
+                        <p:cond delay="indefinite"/>
+                      </p:stCondLst>
+                      <p:childTnLst>
+                        <p:par>
+                          <p:cTn id="16" fill="hold">
+                            <p:stCondLst>
+                              <p:cond delay="0"/>
+                            </p:stCondLst>
+                            <p:childTnLst>
+                              <p:par>
+                                <p:cTn id="17" presetID="2" presetClass="entr" presetSubtype="4" fill="hold" nodeType="clickEffect">
+                                  <p:stCondLst>
+                                    <p:cond delay="0"/>
+                                  </p:stCondLst>
+                                  <p:childTnLst>
+                                    <p:set>
+                                      <p:cBhvr>
+                                        <p:cTn id="18" dur="1" fill="hold">
+                                          <p:stCondLst>
+                                            <p:cond delay="0"/>
+                                          </p:stCondLst>
+                                        </p:cTn>
+                                        <p:tgtEl>
+                                          <p:spTgt spid="6">
+                                            <p:txEl>
+                                              <p:pRg st="4" end="4"/>
+                                            </p:txEl>
+                                          </p:spTgt>
+                                        </p:tgtEl>
+                                        <p:attrNameLst>
+                                          <p:attrName>style.visibility</p:attrName>
+                                        </p:attrNameLst>
+                                      </p:cBhvr>
+                                      <p:to>
+                                        <p:strVal val="visible"/>
+                                      </p:to>
+                                    </p:set>
+                                    <p:anim calcmode="lin" valueType="num">
+                                      <p:cBhvr additive="base">
+                                        <p:cTn id="19" dur="500" fill="hold"/>
+                                        <p:tgtEl>
+                                          <p:spTgt spid="6">
+                                            <p:txEl>
+                                              <p:pRg st="4" end="4"/>
+                                            </p:txEl>
+                                          </p:spTgt>
+                                        </p:tgtEl>
+                                        <p:attrNameLst>
+                                          <p:attrName>ppt_x</p:attrName>
+                                        </p:attrNameLst>
+                                      </p:cBhvr>
+                                      <p:tavLst>
+                                        <p:tav tm="0">
+                                          <p:val>
+                                            <p:strVal val="#ppt_x"/>
+                                          </p:val>
+                                        </p:tav>
+                                        <p:tav tm="100000">
+                                          <p:val>
+                                            <p:strVal val="#ppt_x"/>
+                                          </p:val>
+                                        </p:tav>
+                                      </p:tavLst>
+                                    </p:anim>
+                                    <p:anim calcmode="lin" valueType="num">
+                                      <p:cBhvr additive="base">
+                                        <p:cTn id="20" dur="500" fill="hold"/>
+                                        <p:tgtEl>
+                                          <p:spTgt spid="6">
+                                            <p:txEl>
+                                              <p:pRg st="4" end="4"/>
+                                            </p:txEl>
+                                          </p:spTgt>
+                                        </p:tgtEl>
+                                        <p:attrNameLst>
+                                          <p:attrName>ppt_y</p:attrName>
+                                        </p:attrNameLst>
+                                      </p:cBhvr>
+                                      <p:tavLst>
+                                        <p:tav tm="0">
+                                          <p:val>
+                                            <p:strVal val="1+#ppt_h/2"/>
+                                          </p:val>
+                                        </p:tav>
+                                        <p:tav tm="100000">
+                                          <p:val>
+                                            <p:strVal val="#ppt_y"/>
+                                          </p:val>
+                                        </p:tav>
+                                      </p:tavLst>
+                                    </p:anim>
+                                  </p:childTnLst>
+                                </p:cTn>
+                              </p:par>
+                            </p:childTnLst>
+                          </p:cTn>
+                        </p:par>
+                      </p:childTnLst>
+                    </p:cTn>
+                  </p:par>
+                  <p:par>
+                    <p:cTn id="21" fill="hold">
+                      <p:stCondLst>
+                        <p:cond delay="indefinite"/>
+                      </p:stCondLst>
+                      <p:childTnLst>
+                        <p:par>
+                          <p:cTn id="22" fill="hold">
+                            <p:stCondLst>
+                              <p:cond delay="0"/>
+                            </p:stCondLst>
+                            <p:childTnLst>
+                              <p:par>
+                                <p:cTn id="23" presetID="2" presetClass="entr" presetSubtype="4" fill="hold" nodeType="clickEffect">
+                                  <p:stCondLst>
+                                    <p:cond delay="0"/>
+                                  </p:stCondLst>
+                                  <p:childTnLst>
+                                    <p:set>
+                                      <p:cBhvr>
+                                        <p:cTn id="24" dur="1" fill="hold">
+                                          <p:stCondLst>
+                                            <p:cond delay="0"/>
+                                          </p:stCondLst>
+                                        </p:cTn>
+                                        <p:tgtEl>
+                                          <p:spTgt spid="6">
+                                            <p:txEl>
+                                              <p:pRg st="6" end="6"/>
+                                            </p:txEl>
+                                          </p:spTgt>
+                                        </p:tgtEl>
+                                        <p:attrNameLst>
+                                          <p:attrName>style.visibility</p:attrName>
+                                        </p:attrNameLst>
+                                      </p:cBhvr>
+                                      <p:to>
+                                        <p:strVal val="visible"/>
+                                      </p:to>
+                                    </p:set>
+                                    <p:anim calcmode="lin" valueType="num">
+                                      <p:cBhvr additive="base">
+                                        <p:cTn id="25" dur="500" fill="hold"/>
+                                        <p:tgtEl>
+                                          <p:spTgt spid="6">
+                                            <p:txEl>
+                                              <p:pRg st="6" end="6"/>
+                                            </p:txEl>
+                                          </p:spTgt>
+                                        </p:tgtEl>
+                                        <p:attrNameLst>
+                                          <p:attrName>ppt_x</p:attrName>
+                                        </p:attrNameLst>
+                                      </p:cBhvr>
+                                      <p:tavLst>
+                                        <p:tav tm="0">
+                                          <p:val>
+                                            <p:strVal val="#ppt_x"/>
+                                          </p:val>
+                                        </p:tav>
+                                        <p:tav tm="100000">
+                                          <p:val>
+                                            <p:strVal val="#ppt_x"/>
+                                          </p:val>
+                                        </p:tav>
+                                      </p:tavLst>
+                                    </p:anim>
+                                    <p:anim calcmode="lin" valueType="num">
+                                      <p:cBhvr additive="base">
+                                        <p:cTn id="26" dur="500" fill="hold"/>
+                                        <p:tgtEl>
+                                          <p:spTgt spid="6">
+                                            <p:txEl>
+                                              <p:pRg st="6" end="6"/>
+                                            </p:txEl>
+                                          </p:spTgt>
+                                        </p:tgtEl>
+                                        <p:attrNameLst>
+                                          <p:attrName>ppt_y</p:attrName>
+                                        </p:attrNameLst>
+                                      </p:cBhvr>
+                                      <p:tavLst>
+                                        <p:tav tm="0">
+                                          <p:val>
+                                            <p:strVal val="1+#ppt_h/2"/>
+                                          </p:val>
+                                        </p:tav>
+                                        <p:tav tm="100000">
+                                          <p:val>
+                                            <p:strVal val="#ppt_y"/>
+                                          </p:val>
+                                        </p:tav>
+                                      </p:tavLst>
+                                    </p:anim>
+                                  </p:childTnLst>
+                                </p:cTn>
+                              </p:par>
+                            </p:childTnLst>
+                          </p:cTn>
+                        </p:par>
+                      </p:childTnLst>
+                    </p:cTn>
+                  </p:par>
+                </p:childTnLst>
+              </p:cTn>
+              <p:prevCondLst>
+                <p:cond evt="onPrev" delay="0">
+                  <p:tgtEl>
+                    <p:sldTgt/>
+                  </p:tgtEl>
+                </p:cond>
+              </p:prevCondLst>
+              <p:nextCondLst>
+                <p:cond evt="onNext" delay="0">
+                  <p:tgtEl>
+                    <p:sldTgt/>
+                  </p:tgtEl>
+                </p:cond>
+              </p:nextCondLst>
+            </p:seq>
+          </p:childTnLst>
+        </p:cTn>
       </p:par>
     </p:tnLst>
   </p:timing>
 </p:sld>
 </file>
 
-<file path=ppt/slides/slide15.xml><?xml version="1.0" encoding="utf-8"?>
+<file path=ppt/slides/slide5.xml><?xml version="1.0" encoding="utf-8"?>
 <p:sld xmlns:a="http://schemas.openxmlformats.org/drawingml/2006/main" xmlns:r="http://schemas.openxmlformats.org/officeDocument/2006/relationships" xmlns:p="http://schemas.openxmlformats.org/presentationml/2006/main">
   <p:cSld>
     <p:spTree>
@@ -7176,17 +8790,434 @@
   <p:clrMapOvr>
     <a:masterClrMapping/>
   </p:clrMapOvr>
+  <p:transition spd="slow">
+    <p:push dir="u"/>
+  </p:transition>
   <p:timing>
     <p:tnLst>
       <p:par>
-        <p:cTn id="1" dur="indefinite" restart="never" nodeType="tmRoot"/>
+        <p:cTn id="1" dur="indefinite" restart="never" nodeType="tmRoot">
+          <p:childTnLst>
+            <p:seq concurrent="1" nextAc="seek">
+              <p:cTn id="2" dur="indefinite" nodeType="mainSeq">
+                <p:childTnLst>
+                  <p:par>
+                    <p:cTn id="3" fill="hold">
+                      <p:stCondLst>
+                        <p:cond delay="indefinite"/>
+                      </p:stCondLst>
+                      <p:childTnLst>
+                        <p:par>
+                          <p:cTn id="4" fill="hold">
+                            <p:stCondLst>
+                              <p:cond delay="0"/>
+                            </p:stCondLst>
+                            <p:childTnLst>
+                              <p:par>
+                                <p:cTn id="5" presetID="2" presetClass="entr" presetSubtype="4" fill="hold" grpId="0" nodeType="clickEffect">
+                                  <p:stCondLst>
+                                    <p:cond delay="0"/>
+                                  </p:stCondLst>
+                                  <p:childTnLst>
+                                    <p:set>
+                                      <p:cBhvr>
+                                        <p:cTn id="6" dur="1" fill="hold">
+                                          <p:stCondLst>
+                                            <p:cond delay="0"/>
+                                          </p:stCondLst>
+                                        </p:cTn>
+                                        <p:tgtEl>
+                                          <p:spTgt spid="4"/>
+                                        </p:tgtEl>
+                                        <p:attrNameLst>
+                                          <p:attrName>style.visibility</p:attrName>
+                                        </p:attrNameLst>
+                                      </p:cBhvr>
+                                      <p:to>
+                                        <p:strVal val="visible"/>
+                                      </p:to>
+                                    </p:set>
+                                    <p:anim calcmode="lin" valueType="num">
+                                      <p:cBhvr additive="base">
+                                        <p:cTn id="7" dur="500" fill="hold"/>
+                                        <p:tgtEl>
+                                          <p:spTgt spid="4"/>
+                                        </p:tgtEl>
+                                        <p:attrNameLst>
+                                          <p:attrName>ppt_x</p:attrName>
+                                        </p:attrNameLst>
+                                      </p:cBhvr>
+                                      <p:tavLst>
+                                        <p:tav tm="0">
+                                          <p:val>
+                                            <p:strVal val="#ppt_x"/>
+                                          </p:val>
+                                        </p:tav>
+                                        <p:tav tm="100000">
+                                          <p:val>
+                                            <p:strVal val="#ppt_x"/>
+                                          </p:val>
+                                        </p:tav>
+                                      </p:tavLst>
+                                    </p:anim>
+                                    <p:anim calcmode="lin" valueType="num">
+                                      <p:cBhvr additive="base">
+                                        <p:cTn id="8" dur="500" fill="hold"/>
+                                        <p:tgtEl>
+                                          <p:spTgt spid="4"/>
+                                        </p:tgtEl>
+                                        <p:attrNameLst>
+                                          <p:attrName>ppt_y</p:attrName>
+                                        </p:attrNameLst>
+                                      </p:cBhvr>
+                                      <p:tavLst>
+                                        <p:tav tm="0">
+                                          <p:val>
+                                            <p:strVal val="1+#ppt_h/2"/>
+                                          </p:val>
+                                        </p:tav>
+                                        <p:tav tm="100000">
+                                          <p:val>
+                                            <p:strVal val="#ppt_y"/>
+                                          </p:val>
+                                        </p:tav>
+                                      </p:tavLst>
+                                    </p:anim>
+                                  </p:childTnLst>
+                                </p:cTn>
+                              </p:par>
+                            </p:childTnLst>
+                          </p:cTn>
+                        </p:par>
+                      </p:childTnLst>
+                    </p:cTn>
+                  </p:par>
+                  <p:par>
+                    <p:cTn id="9" fill="hold">
+                      <p:stCondLst>
+                        <p:cond delay="indefinite"/>
+                      </p:stCondLst>
+                      <p:childTnLst>
+                        <p:par>
+                          <p:cTn id="10" fill="hold">
+                            <p:stCondLst>
+                              <p:cond delay="0"/>
+                            </p:stCondLst>
+                            <p:childTnLst>
+                              <p:par>
+                                <p:cTn id="11" presetID="31" presetClass="entr" presetSubtype="0" fill="hold" nodeType="clickEffect">
+                                  <p:stCondLst>
+                                    <p:cond delay="0"/>
+                                  </p:stCondLst>
+                                  <p:childTnLst>
+                                    <p:set>
+                                      <p:cBhvr>
+                                        <p:cTn id="12" dur="1" fill="hold">
+                                          <p:stCondLst>
+                                            <p:cond delay="0"/>
+                                          </p:stCondLst>
+                                        </p:cTn>
+                                        <p:tgtEl>
+                                          <p:spTgt spid="5"/>
+                                        </p:tgtEl>
+                                        <p:attrNameLst>
+                                          <p:attrName>style.visibility</p:attrName>
+                                        </p:attrNameLst>
+                                      </p:cBhvr>
+                                      <p:to>
+                                        <p:strVal val="visible"/>
+                                      </p:to>
+                                    </p:set>
+                                    <p:anim calcmode="lin" valueType="num">
+                                      <p:cBhvr>
+                                        <p:cTn id="13" dur="1000" fill="hold"/>
+                                        <p:tgtEl>
+                                          <p:spTgt spid="5"/>
+                                        </p:tgtEl>
+                                        <p:attrNameLst>
+                                          <p:attrName>ppt_w</p:attrName>
+                                        </p:attrNameLst>
+                                      </p:cBhvr>
+                                      <p:tavLst>
+                                        <p:tav tm="0">
+                                          <p:val>
+                                            <p:fltVal val="0"/>
+                                          </p:val>
+                                        </p:tav>
+                                        <p:tav tm="100000">
+                                          <p:val>
+                                            <p:strVal val="#ppt_w"/>
+                                          </p:val>
+                                        </p:tav>
+                                      </p:tavLst>
+                                    </p:anim>
+                                    <p:anim calcmode="lin" valueType="num">
+                                      <p:cBhvr>
+                                        <p:cTn id="14" dur="1000" fill="hold"/>
+                                        <p:tgtEl>
+                                          <p:spTgt spid="5"/>
+                                        </p:tgtEl>
+                                        <p:attrNameLst>
+                                          <p:attrName>ppt_h</p:attrName>
+                                        </p:attrNameLst>
+                                      </p:cBhvr>
+                                      <p:tavLst>
+                                        <p:tav tm="0">
+                                          <p:val>
+                                            <p:fltVal val="0"/>
+                                          </p:val>
+                                        </p:tav>
+                                        <p:tav tm="100000">
+                                          <p:val>
+                                            <p:strVal val="#ppt_h"/>
+                                          </p:val>
+                                        </p:tav>
+                                      </p:tavLst>
+                                    </p:anim>
+                                    <p:anim calcmode="lin" valueType="num">
+                                      <p:cBhvr>
+                                        <p:cTn id="15" dur="1000" fill="hold"/>
+                                        <p:tgtEl>
+                                          <p:spTgt spid="5"/>
+                                        </p:tgtEl>
+                                        <p:attrNameLst>
+                                          <p:attrName>style.rotation</p:attrName>
+                                        </p:attrNameLst>
+                                      </p:cBhvr>
+                                      <p:tavLst>
+                                        <p:tav tm="0">
+                                          <p:val>
+                                            <p:fltVal val="90"/>
+                                          </p:val>
+                                        </p:tav>
+                                        <p:tav tm="100000">
+                                          <p:val>
+                                            <p:fltVal val="0"/>
+                                          </p:val>
+                                        </p:tav>
+                                      </p:tavLst>
+                                    </p:anim>
+                                    <p:animEffect transition="in" filter="fade">
+                                      <p:cBhvr>
+                                        <p:cTn id="16" dur="1000"/>
+                                        <p:tgtEl>
+                                          <p:spTgt spid="5"/>
+                                        </p:tgtEl>
+                                      </p:cBhvr>
+                                    </p:animEffect>
+                                  </p:childTnLst>
+                                </p:cTn>
+                              </p:par>
+                            </p:childTnLst>
+                          </p:cTn>
+                        </p:par>
+                      </p:childTnLst>
+                    </p:cTn>
+                  </p:par>
+                  <p:par>
+                    <p:cTn id="17" fill="hold">
+                      <p:stCondLst>
+                        <p:cond delay="indefinite"/>
+                      </p:stCondLst>
+                      <p:childTnLst>
+                        <p:par>
+                          <p:cTn id="18" fill="hold">
+                            <p:stCondLst>
+                              <p:cond delay="0"/>
+                            </p:stCondLst>
+                            <p:childTnLst>
+                              <p:par>
+                                <p:cTn id="19" presetID="31" presetClass="entr" presetSubtype="0" fill="hold" nodeType="clickEffect">
+                                  <p:stCondLst>
+                                    <p:cond delay="0"/>
+                                  </p:stCondLst>
+                                  <p:childTnLst>
+                                    <p:set>
+                                      <p:cBhvr>
+                                        <p:cTn id="20" dur="1" fill="hold">
+                                          <p:stCondLst>
+                                            <p:cond delay="0"/>
+                                          </p:stCondLst>
+                                        </p:cTn>
+                                        <p:tgtEl>
+                                          <p:spTgt spid="6"/>
+                                        </p:tgtEl>
+                                        <p:attrNameLst>
+                                          <p:attrName>style.visibility</p:attrName>
+                                        </p:attrNameLst>
+                                      </p:cBhvr>
+                                      <p:to>
+                                        <p:strVal val="visible"/>
+                                      </p:to>
+                                    </p:set>
+                                    <p:anim calcmode="lin" valueType="num">
+                                      <p:cBhvr>
+                                        <p:cTn id="21" dur="1000" fill="hold"/>
+                                        <p:tgtEl>
+                                          <p:spTgt spid="6"/>
+                                        </p:tgtEl>
+                                        <p:attrNameLst>
+                                          <p:attrName>ppt_w</p:attrName>
+                                        </p:attrNameLst>
+                                      </p:cBhvr>
+                                      <p:tavLst>
+                                        <p:tav tm="0">
+                                          <p:val>
+                                            <p:fltVal val="0"/>
+                                          </p:val>
+                                        </p:tav>
+                                        <p:tav tm="100000">
+                                          <p:val>
+                                            <p:strVal val="#ppt_w"/>
+                                          </p:val>
+                                        </p:tav>
+                                      </p:tavLst>
+                                    </p:anim>
+                                    <p:anim calcmode="lin" valueType="num">
+                                      <p:cBhvr>
+                                        <p:cTn id="22" dur="1000" fill="hold"/>
+                                        <p:tgtEl>
+                                          <p:spTgt spid="6"/>
+                                        </p:tgtEl>
+                                        <p:attrNameLst>
+                                          <p:attrName>ppt_h</p:attrName>
+                                        </p:attrNameLst>
+                                      </p:cBhvr>
+                                      <p:tavLst>
+                                        <p:tav tm="0">
+                                          <p:val>
+                                            <p:fltVal val="0"/>
+                                          </p:val>
+                                        </p:tav>
+                                        <p:tav tm="100000">
+                                          <p:val>
+                                            <p:strVal val="#ppt_h"/>
+                                          </p:val>
+                                        </p:tav>
+                                      </p:tavLst>
+                                    </p:anim>
+                                    <p:anim calcmode="lin" valueType="num">
+                                      <p:cBhvr>
+                                        <p:cTn id="23" dur="1000" fill="hold"/>
+                                        <p:tgtEl>
+                                          <p:spTgt spid="6"/>
+                                        </p:tgtEl>
+                                        <p:attrNameLst>
+                                          <p:attrName>style.rotation</p:attrName>
+                                        </p:attrNameLst>
+                                      </p:cBhvr>
+                                      <p:tavLst>
+                                        <p:tav tm="0">
+                                          <p:val>
+                                            <p:fltVal val="90"/>
+                                          </p:val>
+                                        </p:tav>
+                                        <p:tav tm="100000">
+                                          <p:val>
+                                            <p:fltVal val="0"/>
+                                          </p:val>
+                                        </p:tav>
+                                      </p:tavLst>
+                                    </p:anim>
+                                    <p:animEffect transition="in" filter="fade">
+                                      <p:cBhvr>
+                                        <p:cTn id="24" dur="1000"/>
+                                        <p:tgtEl>
+                                          <p:spTgt spid="6"/>
+                                        </p:tgtEl>
+                                      </p:cBhvr>
+                                    </p:animEffect>
+                                  </p:childTnLst>
+                                </p:cTn>
+                              </p:par>
+                            </p:childTnLst>
+                          </p:cTn>
+                        </p:par>
+                      </p:childTnLst>
+                    </p:cTn>
+                  </p:par>
+                  <p:par>
+                    <p:cTn id="25" fill="hold">
+                      <p:stCondLst>
+                        <p:cond delay="indefinite"/>
+                      </p:stCondLst>
+                      <p:childTnLst>
+                        <p:par>
+                          <p:cTn id="26" fill="hold">
+                            <p:stCondLst>
+                              <p:cond delay="0"/>
+                            </p:stCondLst>
+                            <p:childTnLst>
+                              <p:par>
+                                <p:cTn id="27" presetID="14" presetClass="entr" presetSubtype="10" fill="hold" nodeType="clickEffect">
+                                  <p:stCondLst>
+                                    <p:cond delay="0"/>
+                                  </p:stCondLst>
+                                  <p:childTnLst>
+                                    <p:set>
+                                      <p:cBhvr>
+                                        <p:cTn id="28" dur="1" fill="hold">
+                                          <p:stCondLst>
+                                            <p:cond delay="0"/>
+                                          </p:stCondLst>
+                                        </p:cTn>
+                                        <p:tgtEl>
+                                          <p:spTgt spid="9"/>
+                                        </p:tgtEl>
+                                        <p:attrNameLst>
+                                          <p:attrName>style.visibility</p:attrName>
+                                        </p:attrNameLst>
+                                      </p:cBhvr>
+                                      <p:to>
+                                        <p:strVal val="visible"/>
+                                      </p:to>
+                                    </p:set>
+                                    <p:animEffect transition="in" filter="randombar(horizontal)">
+                                      <p:cBhvr>
+                                        <p:cTn id="29" dur="500"/>
+                                        <p:tgtEl>
+                                          <p:spTgt spid="9"/>
+                                        </p:tgtEl>
+                                      </p:cBhvr>
+                                    </p:animEffect>
+                                  </p:childTnLst>
+                                </p:cTn>
+                              </p:par>
+                            </p:childTnLst>
+                          </p:cTn>
+                        </p:par>
+                      </p:childTnLst>
+                    </p:cTn>
+                  </p:par>
+                </p:childTnLst>
+              </p:cTn>
+              <p:prevCondLst>
+                <p:cond evt="onPrev" delay="0">
+                  <p:tgtEl>
+                    <p:sldTgt/>
+                  </p:tgtEl>
+                </p:cond>
+              </p:prevCondLst>
+              <p:nextCondLst>
+                <p:cond evt="onNext" delay="0">
+                  <p:tgtEl>
+                    <p:sldTgt/>
+                  </p:tgtEl>
+                </p:cond>
+              </p:nextCondLst>
+            </p:seq>
+          </p:childTnLst>
+        </p:cTn>
       </p:par>
     </p:tnLst>
+    <p:bldLst>
+      <p:bldP spid="4" grpId="0"/>
+    </p:bldLst>
   </p:timing>
 </p:sld>
 </file>
 
-<file path=ppt/slides/slide16.xml><?xml version="1.0" encoding="utf-8"?>
+<file path=ppt/slides/slide6.xml><?xml version="1.0" encoding="utf-8"?>
 <p:sld xmlns:a="http://schemas.openxmlformats.org/drawingml/2006/main" xmlns:r="http://schemas.openxmlformats.org/officeDocument/2006/relationships" xmlns:p="http://schemas.openxmlformats.org/presentationml/2006/main">
   <p:cSld>
     <p:spTree>
@@ -7238,27 +9269,877 @@
           </a:p>
         </p:txBody>
       </p:sp>
+      <p:sp>
+        <p:nvSpPr>
+          <p:cNvPr id="3" name="TextBox 2"/>
+          <p:cNvSpPr txBox="1"/>
+          <p:nvPr/>
+        </p:nvSpPr>
+        <p:spPr>
+          <a:xfrm>
+            <a:off x="705394" y="1645921"/>
+            <a:ext cx="11303725" cy="4955203"/>
+          </a:xfrm>
+          <a:prstGeom prst="rect">
+            <a:avLst/>
+          </a:prstGeom>
+          <a:noFill/>
+        </p:spPr>
+        <p:txBody>
+          <a:bodyPr wrap="square" rtlCol="0">
+            <a:spAutoFit/>
+          </a:bodyPr>
+          <a:lstStyle/>
+          <a:p>
+            <a:pPr marL="457200" indent="-457200">
+              <a:buFontTx/>
+              <a:buChar char="-"/>
+            </a:pPr>
+            <a:r>
+              <a:rPr lang="vi-VN" sz="2800" dirty="0" smtClean="0"/>
+              <a:t>Ta phân biệt hai khái niệm: khai báo là khai báo nguyên mẫu. Còn định nghĩa là viết nội dung cụ thể của hàm.</a:t>
+            </a:r>
+          </a:p>
+          <a:p>
+            <a:pPr marL="457200" indent="-457200">
+              <a:buFontTx/>
+              <a:buChar char="-"/>
+            </a:pPr>
+            <a:endParaRPr lang="vi-VN" sz="2800" dirty="0" smtClean="0">
+              <a:latin typeface="+mj-lt"/>
+            </a:endParaRPr>
+          </a:p>
+          <a:p>
+            <a:pPr marL="457200" indent="-457200">
+              <a:buFontTx/>
+              <a:buChar char="-"/>
+            </a:pPr>
+            <a:r>
+              <a:rPr lang="vi-VN" sz="2800" dirty="0" smtClean="0"/>
+              <a:t>Khai báo: </a:t>
+            </a:r>
+          </a:p>
+          <a:p>
+            <a:pPr lvl="2"/>
+            <a:r>
+              <a:rPr lang="vi-VN" sz="2400" dirty="0" smtClean="0">
+                <a:solidFill>
+                  <a:srgbClr val="FFFF00"/>
+                </a:solidFill>
+              </a:rPr>
+              <a:t>Kiểu_trả_về</a:t>
+            </a:r>
+            <a:r>
+              <a:rPr lang="vi-VN" sz="2400" dirty="0" smtClean="0"/>
+              <a:t>  </a:t>
+            </a:r>
+            <a:r>
+              <a:rPr lang="vi-VN" sz="2400" dirty="0">
+                <a:solidFill>
+                  <a:schemeClr val="accent2">
+                    <a:lumMod val="75000"/>
+                  </a:schemeClr>
+                </a:solidFill>
+              </a:rPr>
+              <a:t>t</a:t>
+            </a:r>
+            <a:r>
+              <a:rPr lang="vi-VN" sz="2400" dirty="0" smtClean="0">
+                <a:solidFill>
+                  <a:schemeClr val="accent2">
+                    <a:lumMod val="75000"/>
+                  </a:schemeClr>
+                </a:solidFill>
+              </a:rPr>
+              <a:t>ên_hàm</a:t>
+            </a:r>
+            <a:r>
+              <a:rPr lang="vi-VN" sz="2400" dirty="0" smtClean="0"/>
+              <a:t>( khai báo </a:t>
+            </a:r>
+            <a:r>
+              <a:rPr lang="vi-VN" sz="2400" dirty="0" smtClean="0">
+                <a:solidFill>
+                  <a:schemeClr val="accent6">
+                    <a:lumMod val="75000"/>
+                  </a:schemeClr>
+                </a:solidFill>
+              </a:rPr>
+              <a:t>danh_sách_tham_số</a:t>
+            </a:r>
+            <a:r>
+              <a:rPr lang="vi-VN" sz="2400" dirty="0" smtClean="0"/>
+              <a:t> ) ;</a:t>
+            </a:r>
+          </a:p>
+          <a:p>
+            <a:pPr marL="457200" indent="-457200">
+              <a:buFontTx/>
+              <a:buChar char="-"/>
+            </a:pPr>
+            <a:endParaRPr lang="vi-VN" sz="2400" dirty="0"/>
+          </a:p>
+          <a:p>
+            <a:pPr marL="457200" indent="-457200">
+              <a:buFontTx/>
+              <a:buChar char="-"/>
+            </a:pPr>
+            <a:r>
+              <a:rPr lang="vi-VN" sz="2800" dirty="0" smtClean="0"/>
+              <a:t>Định nghĩa: </a:t>
+            </a:r>
+          </a:p>
+          <a:p>
+            <a:pPr lvl="1"/>
+            <a:r>
+              <a:rPr lang="vi-VN" sz="2400" dirty="0" smtClean="0">
+                <a:solidFill>
+                  <a:srgbClr val="FFFF00"/>
+                </a:solidFill>
+              </a:rPr>
+              <a:t>	Kiểu_trả_về</a:t>
+            </a:r>
+            <a:r>
+              <a:rPr lang="vi-VN" sz="2400" dirty="0" smtClean="0"/>
+              <a:t>  </a:t>
+            </a:r>
+            <a:r>
+              <a:rPr lang="vi-VN" sz="2400" dirty="0">
+                <a:solidFill>
+                  <a:schemeClr val="accent2">
+                    <a:lumMod val="75000"/>
+                  </a:schemeClr>
+                </a:solidFill>
+              </a:rPr>
+              <a:t>tên_hàm</a:t>
+            </a:r>
+            <a:r>
+              <a:rPr lang="vi-VN" sz="2400" dirty="0" smtClean="0"/>
+              <a:t>( khai báo </a:t>
+            </a:r>
+            <a:r>
+              <a:rPr lang="vi-VN" sz="2400" dirty="0">
+                <a:solidFill>
+                  <a:schemeClr val="accent6">
+                    <a:lumMod val="75000"/>
+                  </a:schemeClr>
+                </a:solidFill>
+              </a:rPr>
+              <a:t>danh_sách_tham_số</a:t>
+            </a:r>
+            <a:r>
+              <a:rPr lang="vi-VN" sz="2400" dirty="0"/>
+              <a:t> </a:t>
+            </a:r>
+            <a:r>
+              <a:rPr lang="vi-VN" sz="2800" dirty="0" smtClean="0"/>
+              <a:t>){</a:t>
+            </a:r>
+          </a:p>
+          <a:p>
+            <a:pPr lvl="1"/>
+            <a:r>
+              <a:rPr lang="vi-VN" sz="2800" dirty="0">
+                <a:latin typeface="+mj-lt"/>
+              </a:rPr>
+              <a:t>	</a:t>
+            </a:r>
+            <a:r>
+              <a:rPr lang="vi-VN" sz="2800" dirty="0" smtClean="0">
+                <a:latin typeface="+mj-lt"/>
+              </a:rPr>
+              <a:t>	</a:t>
+            </a:r>
+            <a:r>
+              <a:rPr lang="vi-VN" sz="2400" dirty="0" smtClean="0">
+                <a:solidFill>
+                  <a:schemeClr val="accent2">
+                    <a:lumMod val="75000"/>
+                  </a:schemeClr>
+                </a:solidFill>
+              </a:rPr>
+              <a:t>// khối lệnh</a:t>
+            </a:r>
+          </a:p>
+          <a:p>
+            <a:pPr lvl="1"/>
+            <a:r>
+              <a:rPr lang="vi-VN" sz="2400" dirty="0">
+                <a:solidFill>
+                  <a:schemeClr val="accent2">
+                    <a:lumMod val="75000"/>
+                  </a:schemeClr>
+                </a:solidFill>
+              </a:rPr>
+              <a:t>	</a:t>
+            </a:r>
+            <a:r>
+              <a:rPr lang="vi-VN" sz="2400" dirty="0" smtClean="0">
+                <a:solidFill>
+                  <a:schemeClr val="accent2">
+                    <a:lumMod val="75000"/>
+                  </a:schemeClr>
+                </a:solidFill>
+              </a:rPr>
+              <a:t>	</a:t>
+            </a:r>
+            <a:r>
+              <a:rPr lang="vi-VN" sz="2400" dirty="0" smtClean="0">
+                <a:solidFill>
+                  <a:schemeClr val="accent1">
+                    <a:lumMod val="75000"/>
+                  </a:schemeClr>
+                </a:solidFill>
+              </a:rPr>
+              <a:t>return </a:t>
+            </a:r>
+            <a:r>
+              <a:rPr lang="vi-VN" sz="2400" dirty="0" smtClean="0">
+                <a:solidFill>
+                  <a:srgbClr val="FFFF00"/>
+                </a:solidFill>
+              </a:rPr>
+              <a:t>Giá_trị </a:t>
+            </a:r>
+            <a:r>
+              <a:rPr lang="vi-VN" sz="2400" dirty="0" smtClean="0"/>
+              <a:t>; </a:t>
+            </a:r>
+            <a:r>
+              <a:rPr lang="vi-VN" sz="2400" dirty="0" smtClean="0">
+                <a:solidFill>
+                  <a:srgbClr val="00B0F0"/>
+                </a:solidFill>
+              </a:rPr>
+              <a:t>// nếu kiểu_trả_về là void thì không cần câu lệnh này	</a:t>
+            </a:r>
+          </a:p>
+          <a:p>
+            <a:pPr lvl="1"/>
+            <a:r>
+              <a:rPr lang="vi-VN" sz="2400" dirty="0" smtClean="0">
+                <a:latin typeface="+mj-lt"/>
+              </a:rPr>
+              <a:t>	}</a:t>
+            </a:r>
+            <a:endParaRPr lang="vi-VN" sz="2800" dirty="0" smtClean="0"/>
+          </a:p>
+          <a:p>
+            <a:pPr marL="457200" indent="-457200">
+              <a:buFontTx/>
+              <a:buChar char="-"/>
+            </a:pPr>
+            <a:endParaRPr lang="vi-VN" sz="2400" dirty="0" smtClean="0"/>
+          </a:p>
+        </p:txBody>
+      </p:sp>
     </p:spTree>
     <p:extLst>
       <p:ext uri="{BB962C8B-B14F-4D97-AF65-F5344CB8AC3E}">
-        <p14:creationId xmlns:p14="http://schemas.microsoft.com/office/powerpoint/2010/main" val="3591998733"/>
+        <p14:creationId xmlns:p14="http://schemas.microsoft.com/office/powerpoint/2010/main" val="4282984350"/>
       </p:ext>
     </p:extLst>
   </p:cSld>
   <p:clrMapOvr>
     <a:masterClrMapping/>
   </p:clrMapOvr>
+  <p:transition spd="slow">
+    <p:push dir="u"/>
+  </p:transition>
   <p:timing>
     <p:tnLst>
       <p:par>
-        <p:cTn id="1" dur="indefinite" restart="never" nodeType="tmRoot"/>
+        <p:cTn id="1" dur="indefinite" restart="never" nodeType="tmRoot">
+          <p:childTnLst>
+            <p:seq concurrent="1" nextAc="seek">
+              <p:cTn id="2" dur="indefinite" nodeType="mainSeq">
+                <p:childTnLst>
+                  <p:par>
+                    <p:cTn id="3" fill="hold">
+                      <p:stCondLst>
+                        <p:cond delay="indefinite"/>
+                      </p:stCondLst>
+                      <p:childTnLst>
+                        <p:par>
+                          <p:cTn id="4" fill="hold">
+                            <p:stCondLst>
+                              <p:cond delay="0"/>
+                            </p:stCondLst>
+                            <p:childTnLst>
+                              <p:par>
+                                <p:cTn id="5" presetID="2" presetClass="entr" presetSubtype="4" fill="hold" nodeType="clickEffect">
+                                  <p:stCondLst>
+                                    <p:cond delay="0"/>
+                                  </p:stCondLst>
+                                  <p:childTnLst>
+                                    <p:set>
+                                      <p:cBhvr>
+                                        <p:cTn id="6" dur="1" fill="hold">
+                                          <p:stCondLst>
+                                            <p:cond delay="0"/>
+                                          </p:stCondLst>
+                                        </p:cTn>
+                                        <p:tgtEl>
+                                          <p:spTgt spid="3">
+                                            <p:txEl>
+                                              <p:pRg st="0" end="0"/>
+                                            </p:txEl>
+                                          </p:spTgt>
+                                        </p:tgtEl>
+                                        <p:attrNameLst>
+                                          <p:attrName>style.visibility</p:attrName>
+                                        </p:attrNameLst>
+                                      </p:cBhvr>
+                                      <p:to>
+                                        <p:strVal val="visible"/>
+                                      </p:to>
+                                    </p:set>
+                                    <p:anim calcmode="lin" valueType="num">
+                                      <p:cBhvr additive="base">
+                                        <p:cTn id="7" dur="500" fill="hold"/>
+                                        <p:tgtEl>
+                                          <p:spTgt spid="3">
+                                            <p:txEl>
+                                              <p:pRg st="0" end="0"/>
+                                            </p:txEl>
+                                          </p:spTgt>
+                                        </p:tgtEl>
+                                        <p:attrNameLst>
+                                          <p:attrName>ppt_x</p:attrName>
+                                        </p:attrNameLst>
+                                      </p:cBhvr>
+                                      <p:tavLst>
+                                        <p:tav tm="0">
+                                          <p:val>
+                                            <p:strVal val="#ppt_x"/>
+                                          </p:val>
+                                        </p:tav>
+                                        <p:tav tm="100000">
+                                          <p:val>
+                                            <p:strVal val="#ppt_x"/>
+                                          </p:val>
+                                        </p:tav>
+                                      </p:tavLst>
+                                    </p:anim>
+                                    <p:anim calcmode="lin" valueType="num">
+                                      <p:cBhvr additive="base">
+                                        <p:cTn id="8" dur="500" fill="hold"/>
+                                        <p:tgtEl>
+                                          <p:spTgt spid="3">
+                                            <p:txEl>
+                                              <p:pRg st="0" end="0"/>
+                                            </p:txEl>
+                                          </p:spTgt>
+                                        </p:tgtEl>
+                                        <p:attrNameLst>
+                                          <p:attrName>ppt_y</p:attrName>
+                                        </p:attrNameLst>
+                                      </p:cBhvr>
+                                      <p:tavLst>
+                                        <p:tav tm="0">
+                                          <p:val>
+                                            <p:strVal val="1+#ppt_h/2"/>
+                                          </p:val>
+                                        </p:tav>
+                                        <p:tav tm="100000">
+                                          <p:val>
+                                            <p:strVal val="#ppt_y"/>
+                                          </p:val>
+                                        </p:tav>
+                                      </p:tavLst>
+                                    </p:anim>
+                                  </p:childTnLst>
+                                </p:cTn>
+                              </p:par>
+                            </p:childTnLst>
+                          </p:cTn>
+                        </p:par>
+                      </p:childTnLst>
+                    </p:cTn>
+                  </p:par>
+                  <p:par>
+                    <p:cTn id="9" fill="hold">
+                      <p:stCondLst>
+                        <p:cond delay="indefinite"/>
+                      </p:stCondLst>
+                      <p:childTnLst>
+                        <p:par>
+                          <p:cTn id="10" fill="hold">
+                            <p:stCondLst>
+                              <p:cond delay="0"/>
+                            </p:stCondLst>
+                            <p:childTnLst>
+                              <p:par>
+                                <p:cTn id="11" presetID="2" presetClass="entr" presetSubtype="4" fill="hold" nodeType="clickEffect">
+                                  <p:stCondLst>
+                                    <p:cond delay="0"/>
+                                  </p:stCondLst>
+                                  <p:childTnLst>
+                                    <p:set>
+                                      <p:cBhvr>
+                                        <p:cTn id="12" dur="1" fill="hold">
+                                          <p:stCondLst>
+                                            <p:cond delay="0"/>
+                                          </p:stCondLst>
+                                        </p:cTn>
+                                        <p:tgtEl>
+                                          <p:spTgt spid="3">
+                                            <p:txEl>
+                                              <p:pRg st="2" end="2"/>
+                                            </p:txEl>
+                                          </p:spTgt>
+                                        </p:tgtEl>
+                                        <p:attrNameLst>
+                                          <p:attrName>style.visibility</p:attrName>
+                                        </p:attrNameLst>
+                                      </p:cBhvr>
+                                      <p:to>
+                                        <p:strVal val="visible"/>
+                                      </p:to>
+                                    </p:set>
+                                    <p:anim calcmode="lin" valueType="num">
+                                      <p:cBhvr additive="base">
+                                        <p:cTn id="13" dur="500" fill="hold"/>
+                                        <p:tgtEl>
+                                          <p:spTgt spid="3">
+                                            <p:txEl>
+                                              <p:pRg st="2" end="2"/>
+                                            </p:txEl>
+                                          </p:spTgt>
+                                        </p:tgtEl>
+                                        <p:attrNameLst>
+                                          <p:attrName>ppt_x</p:attrName>
+                                        </p:attrNameLst>
+                                      </p:cBhvr>
+                                      <p:tavLst>
+                                        <p:tav tm="0">
+                                          <p:val>
+                                            <p:strVal val="#ppt_x"/>
+                                          </p:val>
+                                        </p:tav>
+                                        <p:tav tm="100000">
+                                          <p:val>
+                                            <p:strVal val="#ppt_x"/>
+                                          </p:val>
+                                        </p:tav>
+                                      </p:tavLst>
+                                    </p:anim>
+                                    <p:anim calcmode="lin" valueType="num">
+                                      <p:cBhvr additive="base">
+                                        <p:cTn id="14" dur="500" fill="hold"/>
+                                        <p:tgtEl>
+                                          <p:spTgt spid="3">
+                                            <p:txEl>
+                                              <p:pRg st="2" end="2"/>
+                                            </p:txEl>
+                                          </p:spTgt>
+                                        </p:tgtEl>
+                                        <p:attrNameLst>
+                                          <p:attrName>ppt_y</p:attrName>
+                                        </p:attrNameLst>
+                                      </p:cBhvr>
+                                      <p:tavLst>
+                                        <p:tav tm="0">
+                                          <p:val>
+                                            <p:strVal val="1+#ppt_h/2"/>
+                                          </p:val>
+                                        </p:tav>
+                                        <p:tav tm="100000">
+                                          <p:val>
+                                            <p:strVal val="#ppt_y"/>
+                                          </p:val>
+                                        </p:tav>
+                                      </p:tavLst>
+                                    </p:anim>
+                                  </p:childTnLst>
+                                </p:cTn>
+                              </p:par>
+                            </p:childTnLst>
+                          </p:cTn>
+                        </p:par>
+                      </p:childTnLst>
+                    </p:cTn>
+                  </p:par>
+                  <p:par>
+                    <p:cTn id="15" fill="hold">
+                      <p:stCondLst>
+                        <p:cond delay="indefinite"/>
+                      </p:stCondLst>
+                      <p:childTnLst>
+                        <p:par>
+                          <p:cTn id="16" fill="hold">
+                            <p:stCondLst>
+                              <p:cond delay="0"/>
+                            </p:stCondLst>
+                            <p:childTnLst>
+                              <p:par>
+                                <p:cTn id="17" presetID="6" presetClass="entr" presetSubtype="16" fill="hold" nodeType="clickEffect">
+                                  <p:stCondLst>
+                                    <p:cond delay="0"/>
+                                  </p:stCondLst>
+                                  <p:childTnLst>
+                                    <p:set>
+                                      <p:cBhvr>
+                                        <p:cTn id="18" dur="1" fill="hold">
+                                          <p:stCondLst>
+                                            <p:cond delay="0"/>
+                                          </p:stCondLst>
+                                        </p:cTn>
+                                        <p:tgtEl>
+                                          <p:spTgt spid="3">
+                                            <p:txEl>
+                                              <p:pRg st="3" end="3"/>
+                                            </p:txEl>
+                                          </p:spTgt>
+                                        </p:tgtEl>
+                                        <p:attrNameLst>
+                                          <p:attrName>style.visibility</p:attrName>
+                                        </p:attrNameLst>
+                                      </p:cBhvr>
+                                      <p:to>
+                                        <p:strVal val="visible"/>
+                                      </p:to>
+                                    </p:set>
+                                    <p:animEffect transition="in" filter="circle(in)">
+                                      <p:cBhvr>
+                                        <p:cTn id="19" dur="2000"/>
+                                        <p:tgtEl>
+                                          <p:spTgt spid="3">
+                                            <p:txEl>
+                                              <p:pRg st="3" end="3"/>
+                                            </p:txEl>
+                                          </p:spTgt>
+                                        </p:tgtEl>
+                                      </p:cBhvr>
+                                    </p:animEffect>
+                                  </p:childTnLst>
+                                </p:cTn>
+                              </p:par>
+                            </p:childTnLst>
+                          </p:cTn>
+                        </p:par>
+                      </p:childTnLst>
+                    </p:cTn>
+                  </p:par>
+                  <p:par>
+                    <p:cTn id="20" fill="hold">
+                      <p:stCondLst>
+                        <p:cond delay="indefinite"/>
+                      </p:stCondLst>
+                      <p:childTnLst>
+                        <p:par>
+                          <p:cTn id="21" fill="hold">
+                            <p:stCondLst>
+                              <p:cond delay="0"/>
+                            </p:stCondLst>
+                            <p:childTnLst>
+                              <p:par>
+                                <p:cTn id="22" presetID="2" presetClass="entr" presetSubtype="4" fill="hold" nodeType="clickEffect">
+                                  <p:stCondLst>
+                                    <p:cond delay="0"/>
+                                  </p:stCondLst>
+                                  <p:childTnLst>
+                                    <p:set>
+                                      <p:cBhvr>
+                                        <p:cTn id="23" dur="1" fill="hold">
+                                          <p:stCondLst>
+                                            <p:cond delay="0"/>
+                                          </p:stCondLst>
+                                        </p:cTn>
+                                        <p:tgtEl>
+                                          <p:spTgt spid="3">
+                                            <p:txEl>
+                                              <p:pRg st="5" end="5"/>
+                                            </p:txEl>
+                                          </p:spTgt>
+                                        </p:tgtEl>
+                                        <p:attrNameLst>
+                                          <p:attrName>style.visibility</p:attrName>
+                                        </p:attrNameLst>
+                                      </p:cBhvr>
+                                      <p:to>
+                                        <p:strVal val="visible"/>
+                                      </p:to>
+                                    </p:set>
+                                    <p:anim calcmode="lin" valueType="num">
+                                      <p:cBhvr additive="base">
+                                        <p:cTn id="24" dur="500" fill="hold"/>
+                                        <p:tgtEl>
+                                          <p:spTgt spid="3">
+                                            <p:txEl>
+                                              <p:pRg st="5" end="5"/>
+                                            </p:txEl>
+                                          </p:spTgt>
+                                        </p:tgtEl>
+                                        <p:attrNameLst>
+                                          <p:attrName>ppt_x</p:attrName>
+                                        </p:attrNameLst>
+                                      </p:cBhvr>
+                                      <p:tavLst>
+                                        <p:tav tm="0">
+                                          <p:val>
+                                            <p:strVal val="#ppt_x"/>
+                                          </p:val>
+                                        </p:tav>
+                                        <p:tav tm="100000">
+                                          <p:val>
+                                            <p:strVal val="#ppt_x"/>
+                                          </p:val>
+                                        </p:tav>
+                                      </p:tavLst>
+                                    </p:anim>
+                                    <p:anim calcmode="lin" valueType="num">
+                                      <p:cBhvr additive="base">
+                                        <p:cTn id="25" dur="500" fill="hold"/>
+                                        <p:tgtEl>
+                                          <p:spTgt spid="3">
+                                            <p:txEl>
+                                              <p:pRg st="5" end="5"/>
+                                            </p:txEl>
+                                          </p:spTgt>
+                                        </p:tgtEl>
+                                        <p:attrNameLst>
+                                          <p:attrName>ppt_y</p:attrName>
+                                        </p:attrNameLst>
+                                      </p:cBhvr>
+                                      <p:tavLst>
+                                        <p:tav tm="0">
+                                          <p:val>
+                                            <p:strVal val="1+#ppt_h/2"/>
+                                          </p:val>
+                                        </p:tav>
+                                        <p:tav tm="100000">
+                                          <p:val>
+                                            <p:strVal val="#ppt_y"/>
+                                          </p:val>
+                                        </p:tav>
+                                      </p:tavLst>
+                                    </p:anim>
+                                  </p:childTnLst>
+                                </p:cTn>
+                              </p:par>
+                            </p:childTnLst>
+                          </p:cTn>
+                        </p:par>
+                      </p:childTnLst>
+                    </p:cTn>
+                  </p:par>
+                  <p:par>
+                    <p:cTn id="26" fill="hold">
+                      <p:stCondLst>
+                        <p:cond delay="indefinite"/>
+                      </p:stCondLst>
+                      <p:childTnLst>
+                        <p:par>
+                          <p:cTn id="27" fill="hold">
+                            <p:stCondLst>
+                              <p:cond delay="0"/>
+                            </p:stCondLst>
+                            <p:childTnLst>
+                              <p:par>
+                                <p:cTn id="28" presetID="6" presetClass="entr" presetSubtype="16" fill="hold" nodeType="clickEffect">
+                                  <p:stCondLst>
+                                    <p:cond delay="0"/>
+                                  </p:stCondLst>
+                                  <p:childTnLst>
+                                    <p:set>
+                                      <p:cBhvr>
+                                        <p:cTn id="29" dur="1" fill="hold">
+                                          <p:stCondLst>
+                                            <p:cond delay="0"/>
+                                          </p:stCondLst>
+                                        </p:cTn>
+                                        <p:tgtEl>
+                                          <p:spTgt spid="3">
+                                            <p:txEl>
+                                              <p:pRg st="6" end="6"/>
+                                            </p:txEl>
+                                          </p:spTgt>
+                                        </p:tgtEl>
+                                        <p:attrNameLst>
+                                          <p:attrName>style.visibility</p:attrName>
+                                        </p:attrNameLst>
+                                      </p:cBhvr>
+                                      <p:to>
+                                        <p:strVal val="visible"/>
+                                      </p:to>
+                                    </p:set>
+                                    <p:animEffect transition="in" filter="circle(in)">
+                                      <p:cBhvr>
+                                        <p:cTn id="30" dur="2000"/>
+                                        <p:tgtEl>
+                                          <p:spTgt spid="3">
+                                            <p:txEl>
+                                              <p:pRg st="6" end="6"/>
+                                            </p:txEl>
+                                          </p:spTgt>
+                                        </p:tgtEl>
+                                      </p:cBhvr>
+                                    </p:animEffect>
+                                  </p:childTnLst>
+                                </p:cTn>
+                              </p:par>
+                              <p:par>
+                                <p:cTn id="31" presetID="6" presetClass="entr" presetSubtype="16" fill="hold" nodeType="withEffect">
+                                  <p:stCondLst>
+                                    <p:cond delay="0"/>
+                                  </p:stCondLst>
+                                  <p:childTnLst>
+                                    <p:set>
+                                      <p:cBhvr>
+                                        <p:cTn id="32" dur="1" fill="hold">
+                                          <p:stCondLst>
+                                            <p:cond delay="0"/>
+                                          </p:stCondLst>
+                                        </p:cTn>
+                                        <p:tgtEl>
+                                          <p:spTgt spid="3">
+                                            <p:txEl>
+                                              <p:pRg st="7" end="7"/>
+                                            </p:txEl>
+                                          </p:spTgt>
+                                        </p:tgtEl>
+                                        <p:attrNameLst>
+                                          <p:attrName>style.visibility</p:attrName>
+                                        </p:attrNameLst>
+                                      </p:cBhvr>
+                                      <p:to>
+                                        <p:strVal val="visible"/>
+                                      </p:to>
+                                    </p:set>
+                                    <p:animEffect transition="in" filter="circle(in)">
+                                      <p:cBhvr>
+                                        <p:cTn id="33" dur="2000"/>
+                                        <p:tgtEl>
+                                          <p:spTgt spid="3">
+                                            <p:txEl>
+                                              <p:pRg st="7" end="7"/>
+                                            </p:txEl>
+                                          </p:spTgt>
+                                        </p:tgtEl>
+                                      </p:cBhvr>
+                                    </p:animEffect>
+                                  </p:childTnLst>
+                                </p:cTn>
+                              </p:par>
+                              <p:par>
+                                <p:cTn id="34" presetID="6" presetClass="entr" presetSubtype="16" fill="hold" nodeType="withEffect">
+                                  <p:stCondLst>
+                                    <p:cond delay="0"/>
+                                  </p:stCondLst>
+                                  <p:childTnLst>
+                                    <p:set>
+                                      <p:cBhvr>
+                                        <p:cTn id="35" dur="1" fill="hold">
+                                          <p:stCondLst>
+                                            <p:cond delay="0"/>
+                                          </p:stCondLst>
+                                        </p:cTn>
+                                        <p:tgtEl>
+                                          <p:spTgt spid="3">
+                                            <p:txEl>
+                                              <p:pRg st="8" end="8"/>
+                                            </p:txEl>
+                                          </p:spTgt>
+                                        </p:tgtEl>
+                                        <p:attrNameLst>
+                                          <p:attrName>style.visibility</p:attrName>
+                                        </p:attrNameLst>
+                                      </p:cBhvr>
+                                      <p:to>
+                                        <p:strVal val="visible"/>
+                                      </p:to>
+                                    </p:set>
+                                    <p:animEffect transition="in" filter="circle(in)">
+                                      <p:cBhvr>
+                                        <p:cTn id="36" dur="2000"/>
+                                        <p:tgtEl>
+                                          <p:spTgt spid="3">
+                                            <p:txEl>
+                                              <p:pRg st="8" end="8"/>
+                                            </p:txEl>
+                                          </p:spTgt>
+                                        </p:tgtEl>
+                                      </p:cBhvr>
+                                    </p:animEffect>
+                                  </p:childTnLst>
+                                </p:cTn>
+                              </p:par>
+                              <p:par>
+                                <p:cTn id="37" presetID="6" presetClass="entr" presetSubtype="16" fill="hold" nodeType="withEffect">
+                                  <p:stCondLst>
+                                    <p:cond delay="0"/>
+                                  </p:stCondLst>
+                                  <p:childTnLst>
+                                    <p:set>
+                                      <p:cBhvr>
+                                        <p:cTn id="38" dur="1" fill="hold">
+                                          <p:stCondLst>
+                                            <p:cond delay="0"/>
+                                          </p:stCondLst>
+                                        </p:cTn>
+                                        <p:tgtEl>
+                                          <p:spTgt spid="3">
+                                            <p:txEl>
+                                              <p:pRg st="9" end="9"/>
+                                            </p:txEl>
+                                          </p:spTgt>
+                                        </p:tgtEl>
+                                        <p:attrNameLst>
+                                          <p:attrName>style.visibility</p:attrName>
+                                        </p:attrNameLst>
+                                      </p:cBhvr>
+                                      <p:to>
+                                        <p:strVal val="visible"/>
+                                      </p:to>
+                                    </p:set>
+                                    <p:animEffect transition="in" filter="circle(in)">
+                                      <p:cBhvr>
+                                        <p:cTn id="39" dur="2000"/>
+                                        <p:tgtEl>
+                                          <p:spTgt spid="3">
+                                            <p:txEl>
+                                              <p:pRg st="9" end="9"/>
+                                            </p:txEl>
+                                          </p:spTgt>
+                                        </p:tgtEl>
+                                      </p:cBhvr>
+                                    </p:animEffect>
+                                  </p:childTnLst>
+                                </p:cTn>
+                              </p:par>
+                            </p:childTnLst>
+                          </p:cTn>
+                        </p:par>
+                      </p:childTnLst>
+                    </p:cTn>
+                  </p:par>
+                </p:childTnLst>
+              </p:cTn>
+              <p:prevCondLst>
+                <p:cond evt="onPrev" delay="0">
+                  <p:tgtEl>
+                    <p:sldTgt/>
+                  </p:tgtEl>
+                </p:cond>
+              </p:prevCondLst>
+              <p:nextCondLst>
+                <p:cond evt="onNext" delay="0">
+                  <p:tgtEl>
+                    <p:sldTgt/>
+                  </p:tgtEl>
+                </p:cond>
+              </p:nextCondLst>
+            </p:seq>
+          </p:childTnLst>
+        </p:cTn>
       </p:par>
     </p:tnLst>
   </p:timing>
 </p:sld>
 </file>
 
-<file path=ppt/slides/slide17.xml><?xml version="1.0" encoding="utf-8"?>
+<file path=ppt/slides/slide7.xml><?xml version="1.0" encoding="utf-8"?>
 <p:sld xmlns:a="http://schemas.openxmlformats.org/drawingml/2006/main" xmlns:r="http://schemas.openxmlformats.org/officeDocument/2006/relationships" xmlns:p="http://schemas.openxmlformats.org/presentationml/2006/main">
   <p:cSld>
     <p:spTree>
@@ -7318,8 +10199,8 @@
         </p:nvSpPr>
         <p:spPr>
           <a:xfrm>
-            <a:off x="705395" y="1654630"/>
-            <a:ext cx="10850879" cy="1384995"/>
+            <a:off x="731519" y="1489165"/>
+            <a:ext cx="10633166" cy="4832092"/>
           </a:xfrm>
           <a:prstGeom prst="rect">
             <a:avLst/>
@@ -7332,24 +10213,166 @@
           </a:bodyPr>
           <a:lstStyle/>
           <a:p>
-            <a:pPr marL="457200" indent="-457200">
+            <a:r>
+              <a:rPr lang="vi-VN" sz="2800" dirty="0" smtClean="0">
+                <a:cs typeface="Times New Roman" panose="02020603050405020304" pitchFamily="18" charset="0"/>
+              </a:rPr>
+              <a:t>Trong đó:</a:t>
+            </a:r>
+          </a:p>
+          <a:p>
+            <a:pPr marL="342900" indent="-342900">
               <a:buFontTx/>
               <a:buChar char="-"/>
             </a:pPr>
             <a:r>
               <a:rPr lang="vi-VN" sz="2800" dirty="0" smtClean="0">
-                <a:latin typeface="+mj-lt"/>
+                <a:solidFill>
+                  <a:srgbClr val="FFFF00"/>
+                </a:solidFill>
               </a:rPr>
-              <a:t>Ta phân biệt hai khái niệm: khai báo là khai báo nguyên mẫu. Còn định nghĩa là viết nội dung cụ thể của hàm.</a:t>
-            </a:r>
-          </a:p>
-          <a:p>
-            <a:pPr marL="457200" indent="-457200">
+              <a:t>Kiểu_trả_về:  </a:t>
+            </a:r>
+            <a:r>
+              <a:rPr lang="vi-VN" sz="2800" dirty="0" smtClean="0"/>
+              <a:t>là kiểu hợp lệ trong ngôn ngữ C, thường là void, kiểu cơ bản ( nguyên thủy ), kiểu con trỏ, ... </a:t>
+            </a:r>
+          </a:p>
+          <a:p>
+            <a:pPr marL="342900" indent="-342900">
               <a:buFontTx/>
               <a:buChar char="-"/>
             </a:pPr>
+            <a:endParaRPr lang="vi-VN" sz="2800" dirty="0" smtClean="0"/>
+          </a:p>
+          <a:p>
+            <a:pPr marL="342900" indent="-342900">
+              <a:buFontTx/>
+              <a:buChar char="-"/>
+            </a:pPr>
+            <a:r>
+              <a:rPr lang="vi-VN" sz="2800" dirty="0" smtClean="0">
+                <a:solidFill>
+                  <a:srgbClr val="00B0F0"/>
+                </a:solidFill>
+                <a:cs typeface="Times New Roman" panose="02020603050405020304" pitchFamily="18" charset="0"/>
+              </a:rPr>
+              <a:t>Tên_hàm:</a:t>
+            </a:r>
+            <a:r>
+              <a:rPr lang="vi-VN" sz="2800" dirty="0" smtClean="0">
+                <a:solidFill>
+                  <a:srgbClr val="FFFF00"/>
+                </a:solidFill>
+                <a:cs typeface="Times New Roman" panose="02020603050405020304" pitchFamily="18" charset="0"/>
+              </a:rPr>
+              <a:t> </a:t>
+            </a:r>
+            <a:r>
+              <a:rPr lang="vi-VN" sz="2800" dirty="0" smtClean="0">
+                <a:cs typeface="Times New Roman" panose="02020603050405020304" pitchFamily="18" charset="0"/>
+              </a:rPr>
+              <a:t>do người dùng tự đặt, liên quan đến chứ năng của hàm, tránh các keyword, theo quy tắc CamelCase.</a:t>
+            </a:r>
+          </a:p>
+          <a:p>
+            <a:pPr marL="342900" indent="-342900">
+              <a:buFontTx/>
+              <a:buChar char="-"/>
+            </a:pPr>
+            <a:endParaRPr lang="vi-VN" sz="2800" dirty="0" smtClean="0">
+              <a:cs typeface="Times New Roman" panose="02020603050405020304" pitchFamily="18" charset="0"/>
+            </a:endParaRPr>
+          </a:p>
+          <a:p>
+            <a:pPr marL="342900" indent="-342900">
+              <a:buFontTx/>
+              <a:buChar char="-"/>
+            </a:pPr>
+            <a:r>
+              <a:rPr lang="vi-VN" sz="2800" dirty="0" smtClean="0">
+                <a:solidFill>
+                  <a:schemeClr val="accent6">
+                    <a:lumMod val="75000"/>
+                  </a:schemeClr>
+                </a:solidFill>
+                <a:cs typeface="Times New Roman" panose="02020603050405020304" pitchFamily="18" charset="0"/>
+              </a:rPr>
+              <a:t>Danh_sách_tham_số:</a:t>
+            </a:r>
+            <a:r>
+              <a:rPr lang="vi-VN" sz="2800" dirty="0">
+                <a:solidFill>
+                  <a:srgbClr val="FFFF00"/>
+                </a:solidFill>
+                <a:cs typeface="Times New Roman" panose="02020603050405020304" pitchFamily="18" charset="0"/>
+              </a:rPr>
+              <a:t> </a:t>
+            </a:r>
+            <a:r>
+              <a:rPr lang="vi-VN" sz="2800" dirty="0" smtClean="0">
+                <a:cs typeface="Times New Roman" panose="02020603050405020304" pitchFamily="18" charset="0"/>
+              </a:rPr>
+              <a:t>không bắt buộc, các </a:t>
+            </a:r>
+            <a:r>
+              <a:rPr lang="vi-VN" sz="2800" dirty="0" smtClean="0">
+                <a:solidFill>
+                  <a:schemeClr val="accent6">
+                    <a:lumMod val="75000"/>
+                  </a:schemeClr>
+                </a:solidFill>
+                <a:cs typeface="Times New Roman" panose="02020603050405020304" pitchFamily="18" charset="0"/>
+              </a:rPr>
+              <a:t>tham_số</a:t>
+            </a:r>
+            <a:r>
+              <a:rPr lang="vi-VN" sz="2800" dirty="0" smtClean="0">
+                <a:cs typeface="Times New Roman" panose="02020603050405020304" pitchFamily="18" charset="0"/>
+              </a:rPr>
+              <a:t> có thể có hoặc không tùy thuộc vào mục đích sử dụng của hàm đó.</a:t>
+            </a:r>
+          </a:p>
+          <a:p>
+            <a:pPr marL="342900" indent="-342900">
+              <a:buFontTx/>
+              <a:buChar char="-"/>
+            </a:pPr>
+            <a:endParaRPr lang="vi-VN" sz="2800" dirty="0">
+              <a:cs typeface="Times New Roman" panose="02020603050405020304" pitchFamily="18" charset="0"/>
+            </a:endParaRPr>
+          </a:p>
+          <a:p>
+            <a:pPr marL="342900" indent="-342900">
+              <a:buFontTx/>
+              <a:buChar char="-"/>
+            </a:pPr>
+            <a:r>
+              <a:rPr lang="vi-VN" sz="2800" dirty="0" smtClean="0">
+                <a:solidFill>
+                  <a:srgbClr val="00B050"/>
+                </a:solidFill>
+                <a:cs typeface="Times New Roman" panose="02020603050405020304" pitchFamily="18" charset="0"/>
+              </a:rPr>
+              <a:t>Thân  hàm</a:t>
+            </a:r>
+            <a:r>
+              <a:rPr lang="vi-VN" sz="2800" dirty="0">
+                <a:solidFill>
+                  <a:srgbClr val="00B050"/>
+                </a:solidFill>
+                <a:cs typeface="Times New Roman" panose="02020603050405020304" pitchFamily="18" charset="0"/>
+              </a:rPr>
+              <a:t>:</a:t>
+            </a:r>
+            <a:r>
+              <a:rPr lang="vi-VN" sz="2800" dirty="0" smtClean="0">
+                <a:cs typeface="Times New Roman" panose="02020603050405020304" pitchFamily="18" charset="0"/>
+              </a:rPr>
+              <a:t> gồm các câu lệnh thực hiện chức năng của hàm.</a:t>
+            </a:r>
             <a:endParaRPr lang="en-US" sz="2800" dirty="0">
-              <a:latin typeface="+mj-lt"/>
+              <a:cs typeface="Times New Roman" panose="02020603050405020304" pitchFamily="18" charset="0"/>
             </a:endParaRPr>
           </a:p>
         </p:txBody>
@@ -7357,24 +10380,523 @@
     </p:spTree>
     <p:extLst>
       <p:ext uri="{BB962C8B-B14F-4D97-AF65-F5344CB8AC3E}">
-        <p14:creationId xmlns:p14="http://schemas.microsoft.com/office/powerpoint/2010/main" val="3372604415"/>
+        <p14:creationId xmlns:p14="http://schemas.microsoft.com/office/powerpoint/2010/main" val="841032752"/>
       </p:ext>
     </p:extLst>
   </p:cSld>
   <p:clrMapOvr>
     <a:masterClrMapping/>
   </p:clrMapOvr>
+  <p:transition spd="slow">
+    <p:push dir="u"/>
+  </p:transition>
   <p:timing>
     <p:tnLst>
       <p:par>
-        <p:cTn id="1" dur="indefinite" restart="never" nodeType="tmRoot"/>
+        <p:cTn id="1" dur="indefinite" restart="never" nodeType="tmRoot">
+          <p:childTnLst>
+            <p:seq concurrent="1" nextAc="seek">
+              <p:cTn id="2" dur="indefinite" nodeType="mainSeq">
+                <p:childTnLst>
+                  <p:par>
+                    <p:cTn id="3" fill="hold">
+                      <p:stCondLst>
+                        <p:cond delay="indefinite"/>
+                      </p:stCondLst>
+                      <p:childTnLst>
+                        <p:par>
+                          <p:cTn id="4" fill="hold">
+                            <p:stCondLst>
+                              <p:cond delay="0"/>
+                            </p:stCondLst>
+                            <p:childTnLst>
+                              <p:par>
+                                <p:cTn id="5" presetID="10" presetClass="entr" presetSubtype="0" fill="hold" nodeType="clickEffect">
+                                  <p:stCondLst>
+                                    <p:cond delay="0"/>
+                                  </p:stCondLst>
+                                  <p:childTnLst>
+                                    <p:set>
+                                      <p:cBhvr>
+                                        <p:cTn id="6" dur="1" fill="hold">
+                                          <p:stCondLst>
+                                            <p:cond delay="0"/>
+                                          </p:stCondLst>
+                                        </p:cTn>
+                                        <p:tgtEl>
+                                          <p:spTgt spid="3">
+                                            <p:txEl>
+                                              <p:pRg st="0" end="0"/>
+                                            </p:txEl>
+                                          </p:spTgt>
+                                        </p:tgtEl>
+                                        <p:attrNameLst>
+                                          <p:attrName>style.visibility</p:attrName>
+                                        </p:attrNameLst>
+                                      </p:cBhvr>
+                                      <p:to>
+                                        <p:strVal val="visible"/>
+                                      </p:to>
+                                    </p:set>
+                                    <p:animEffect transition="in" filter="fade">
+                                      <p:cBhvr>
+                                        <p:cTn id="7" dur="500"/>
+                                        <p:tgtEl>
+                                          <p:spTgt spid="3">
+                                            <p:txEl>
+                                              <p:pRg st="0" end="0"/>
+                                            </p:txEl>
+                                          </p:spTgt>
+                                        </p:tgtEl>
+                                      </p:cBhvr>
+                                    </p:animEffect>
+                                  </p:childTnLst>
+                                </p:cTn>
+                              </p:par>
+                            </p:childTnLst>
+                          </p:cTn>
+                        </p:par>
+                      </p:childTnLst>
+                    </p:cTn>
+                  </p:par>
+                  <p:par>
+                    <p:cTn id="8" fill="hold">
+                      <p:stCondLst>
+                        <p:cond delay="indefinite"/>
+                      </p:stCondLst>
+                      <p:childTnLst>
+                        <p:par>
+                          <p:cTn id="9" fill="hold">
+                            <p:stCondLst>
+                              <p:cond delay="0"/>
+                            </p:stCondLst>
+                            <p:childTnLst>
+                              <p:par>
+                                <p:cTn id="10" presetID="2" presetClass="entr" presetSubtype="4" fill="hold" nodeType="clickEffect">
+                                  <p:stCondLst>
+                                    <p:cond delay="0"/>
+                                  </p:stCondLst>
+                                  <p:childTnLst>
+                                    <p:set>
+                                      <p:cBhvr>
+                                        <p:cTn id="11" dur="1" fill="hold">
+                                          <p:stCondLst>
+                                            <p:cond delay="0"/>
+                                          </p:stCondLst>
+                                        </p:cTn>
+                                        <p:tgtEl>
+                                          <p:spTgt spid="3">
+                                            <p:txEl>
+                                              <p:pRg st="1" end="1"/>
+                                            </p:txEl>
+                                          </p:spTgt>
+                                        </p:tgtEl>
+                                        <p:attrNameLst>
+                                          <p:attrName>style.visibility</p:attrName>
+                                        </p:attrNameLst>
+                                      </p:cBhvr>
+                                      <p:to>
+                                        <p:strVal val="visible"/>
+                                      </p:to>
+                                    </p:set>
+                                    <p:anim calcmode="lin" valueType="num">
+                                      <p:cBhvr additive="base">
+                                        <p:cTn id="12" dur="500" fill="hold"/>
+                                        <p:tgtEl>
+                                          <p:spTgt spid="3">
+                                            <p:txEl>
+                                              <p:pRg st="1" end="1"/>
+                                            </p:txEl>
+                                          </p:spTgt>
+                                        </p:tgtEl>
+                                        <p:attrNameLst>
+                                          <p:attrName>ppt_x</p:attrName>
+                                        </p:attrNameLst>
+                                      </p:cBhvr>
+                                      <p:tavLst>
+                                        <p:tav tm="0">
+                                          <p:val>
+                                            <p:strVal val="#ppt_x"/>
+                                          </p:val>
+                                        </p:tav>
+                                        <p:tav tm="100000">
+                                          <p:val>
+                                            <p:strVal val="#ppt_x"/>
+                                          </p:val>
+                                        </p:tav>
+                                      </p:tavLst>
+                                    </p:anim>
+                                    <p:anim calcmode="lin" valueType="num">
+                                      <p:cBhvr additive="base">
+                                        <p:cTn id="13" dur="500" fill="hold"/>
+                                        <p:tgtEl>
+                                          <p:spTgt spid="3">
+                                            <p:txEl>
+                                              <p:pRg st="1" end="1"/>
+                                            </p:txEl>
+                                          </p:spTgt>
+                                        </p:tgtEl>
+                                        <p:attrNameLst>
+                                          <p:attrName>ppt_y</p:attrName>
+                                        </p:attrNameLst>
+                                      </p:cBhvr>
+                                      <p:tavLst>
+                                        <p:tav tm="0">
+                                          <p:val>
+                                            <p:strVal val="1+#ppt_h/2"/>
+                                          </p:val>
+                                        </p:tav>
+                                        <p:tav tm="100000">
+                                          <p:val>
+                                            <p:strVal val="#ppt_y"/>
+                                          </p:val>
+                                        </p:tav>
+                                      </p:tavLst>
+                                    </p:anim>
+                                  </p:childTnLst>
+                                </p:cTn>
+                              </p:par>
+                            </p:childTnLst>
+                          </p:cTn>
+                        </p:par>
+                      </p:childTnLst>
+                    </p:cTn>
+                  </p:par>
+                  <p:par>
+                    <p:cTn id="14" fill="hold">
+                      <p:stCondLst>
+                        <p:cond delay="indefinite"/>
+                      </p:stCondLst>
+                      <p:childTnLst>
+                        <p:par>
+                          <p:cTn id="15" fill="hold">
+                            <p:stCondLst>
+                              <p:cond delay="0"/>
+                            </p:stCondLst>
+                            <p:childTnLst>
+                              <p:par>
+                                <p:cTn id="16" presetID="2" presetClass="entr" presetSubtype="4" fill="hold" nodeType="clickEffect">
+                                  <p:stCondLst>
+                                    <p:cond delay="0"/>
+                                  </p:stCondLst>
+                                  <p:childTnLst>
+                                    <p:set>
+                                      <p:cBhvr>
+                                        <p:cTn id="17" dur="1" fill="hold">
+                                          <p:stCondLst>
+                                            <p:cond delay="0"/>
+                                          </p:stCondLst>
+                                        </p:cTn>
+                                        <p:tgtEl>
+                                          <p:spTgt spid="3">
+                                            <p:txEl>
+                                              <p:pRg st="3" end="3"/>
+                                            </p:txEl>
+                                          </p:spTgt>
+                                        </p:tgtEl>
+                                        <p:attrNameLst>
+                                          <p:attrName>style.visibility</p:attrName>
+                                        </p:attrNameLst>
+                                      </p:cBhvr>
+                                      <p:to>
+                                        <p:strVal val="visible"/>
+                                      </p:to>
+                                    </p:set>
+                                    <p:anim calcmode="lin" valueType="num">
+                                      <p:cBhvr additive="base">
+                                        <p:cTn id="18" dur="500" fill="hold"/>
+                                        <p:tgtEl>
+                                          <p:spTgt spid="3">
+                                            <p:txEl>
+                                              <p:pRg st="3" end="3"/>
+                                            </p:txEl>
+                                          </p:spTgt>
+                                        </p:tgtEl>
+                                        <p:attrNameLst>
+                                          <p:attrName>ppt_x</p:attrName>
+                                        </p:attrNameLst>
+                                      </p:cBhvr>
+                                      <p:tavLst>
+                                        <p:tav tm="0">
+                                          <p:val>
+                                            <p:strVal val="#ppt_x"/>
+                                          </p:val>
+                                        </p:tav>
+                                        <p:tav tm="100000">
+                                          <p:val>
+                                            <p:strVal val="#ppt_x"/>
+                                          </p:val>
+                                        </p:tav>
+                                      </p:tavLst>
+                                    </p:anim>
+                                    <p:anim calcmode="lin" valueType="num">
+                                      <p:cBhvr additive="base">
+                                        <p:cTn id="19" dur="500" fill="hold"/>
+                                        <p:tgtEl>
+                                          <p:spTgt spid="3">
+                                            <p:txEl>
+                                              <p:pRg st="3" end="3"/>
+                                            </p:txEl>
+                                          </p:spTgt>
+                                        </p:tgtEl>
+                                        <p:attrNameLst>
+                                          <p:attrName>ppt_y</p:attrName>
+                                        </p:attrNameLst>
+                                      </p:cBhvr>
+                                      <p:tavLst>
+                                        <p:tav tm="0">
+                                          <p:val>
+                                            <p:strVal val="1+#ppt_h/2"/>
+                                          </p:val>
+                                        </p:tav>
+                                        <p:tav tm="100000">
+                                          <p:val>
+                                            <p:strVal val="#ppt_y"/>
+                                          </p:val>
+                                        </p:tav>
+                                      </p:tavLst>
+                                    </p:anim>
+                                  </p:childTnLst>
+                                </p:cTn>
+                              </p:par>
+                            </p:childTnLst>
+                          </p:cTn>
+                        </p:par>
+                      </p:childTnLst>
+                    </p:cTn>
+                  </p:par>
+                  <p:par>
+                    <p:cTn id="20" fill="hold">
+                      <p:stCondLst>
+                        <p:cond delay="indefinite"/>
+                      </p:stCondLst>
+                      <p:childTnLst>
+                        <p:par>
+                          <p:cTn id="21" fill="hold">
+                            <p:stCondLst>
+                              <p:cond delay="0"/>
+                            </p:stCondLst>
+                            <p:childTnLst>
+                              <p:par>
+                                <p:cTn id="22" presetID="2" presetClass="entr" presetSubtype="4" fill="hold" nodeType="clickEffect">
+                                  <p:stCondLst>
+                                    <p:cond delay="0"/>
+                                  </p:stCondLst>
+                                  <p:childTnLst>
+                                    <p:set>
+                                      <p:cBhvr>
+                                        <p:cTn id="23" dur="1" fill="hold">
+                                          <p:stCondLst>
+                                            <p:cond delay="0"/>
+                                          </p:stCondLst>
+                                        </p:cTn>
+                                        <p:tgtEl>
+                                          <p:spTgt spid="3">
+                                            <p:txEl>
+                                              <p:pRg st="5" end="5"/>
+                                            </p:txEl>
+                                          </p:spTgt>
+                                        </p:tgtEl>
+                                        <p:attrNameLst>
+                                          <p:attrName>style.visibility</p:attrName>
+                                        </p:attrNameLst>
+                                      </p:cBhvr>
+                                      <p:to>
+                                        <p:strVal val="visible"/>
+                                      </p:to>
+                                    </p:set>
+                                    <p:anim calcmode="lin" valueType="num">
+                                      <p:cBhvr additive="base">
+                                        <p:cTn id="24" dur="500" fill="hold"/>
+                                        <p:tgtEl>
+                                          <p:spTgt spid="3">
+                                            <p:txEl>
+                                              <p:pRg st="5" end="5"/>
+                                            </p:txEl>
+                                          </p:spTgt>
+                                        </p:tgtEl>
+                                        <p:attrNameLst>
+                                          <p:attrName>ppt_x</p:attrName>
+                                        </p:attrNameLst>
+                                      </p:cBhvr>
+                                      <p:tavLst>
+                                        <p:tav tm="0">
+                                          <p:val>
+                                            <p:strVal val="#ppt_x"/>
+                                          </p:val>
+                                        </p:tav>
+                                        <p:tav tm="100000">
+                                          <p:val>
+                                            <p:strVal val="#ppt_x"/>
+                                          </p:val>
+                                        </p:tav>
+                                      </p:tavLst>
+                                    </p:anim>
+                                    <p:anim calcmode="lin" valueType="num">
+                                      <p:cBhvr additive="base">
+                                        <p:cTn id="25" dur="500" fill="hold"/>
+                                        <p:tgtEl>
+                                          <p:spTgt spid="3">
+                                            <p:txEl>
+                                              <p:pRg st="5" end="5"/>
+                                            </p:txEl>
+                                          </p:spTgt>
+                                        </p:tgtEl>
+                                        <p:attrNameLst>
+                                          <p:attrName>ppt_y</p:attrName>
+                                        </p:attrNameLst>
+                                      </p:cBhvr>
+                                      <p:tavLst>
+                                        <p:tav tm="0">
+                                          <p:val>
+                                            <p:strVal val="1+#ppt_h/2"/>
+                                          </p:val>
+                                        </p:tav>
+                                        <p:tav tm="100000">
+                                          <p:val>
+                                            <p:strVal val="#ppt_y"/>
+                                          </p:val>
+                                        </p:tav>
+                                      </p:tavLst>
+                                    </p:anim>
+                                  </p:childTnLst>
+                                </p:cTn>
+                              </p:par>
+                            </p:childTnLst>
+                          </p:cTn>
+                        </p:par>
+                      </p:childTnLst>
+                    </p:cTn>
+                  </p:par>
+                  <p:par>
+                    <p:cTn id="26" fill="hold">
+                      <p:stCondLst>
+                        <p:cond delay="indefinite"/>
+                      </p:stCondLst>
+                      <p:childTnLst>
+                        <p:par>
+                          <p:cTn id="27" fill="hold">
+                            <p:stCondLst>
+                              <p:cond delay="0"/>
+                            </p:stCondLst>
+                            <p:childTnLst>
+                              <p:par>
+                                <p:cTn id="28" presetID="2" presetClass="entr" presetSubtype="4" fill="hold" nodeType="clickEffect">
+                                  <p:stCondLst>
+                                    <p:cond delay="0"/>
+                                  </p:stCondLst>
+                                  <p:childTnLst>
+                                    <p:set>
+                                      <p:cBhvr>
+                                        <p:cTn id="29" dur="1" fill="hold">
+                                          <p:stCondLst>
+                                            <p:cond delay="0"/>
+                                          </p:stCondLst>
+                                        </p:cTn>
+                                        <p:tgtEl>
+                                          <p:spTgt spid="3">
+                                            <p:txEl>
+                                              <p:pRg st="7" end="7"/>
+                                            </p:txEl>
+                                          </p:spTgt>
+                                        </p:tgtEl>
+                                        <p:attrNameLst>
+                                          <p:attrName>style.visibility</p:attrName>
+                                        </p:attrNameLst>
+                                      </p:cBhvr>
+                                      <p:to>
+                                        <p:strVal val="visible"/>
+                                      </p:to>
+                                    </p:set>
+                                    <p:anim calcmode="lin" valueType="num">
+                                      <p:cBhvr additive="base">
+                                        <p:cTn id="30" dur="500" fill="hold"/>
+                                        <p:tgtEl>
+                                          <p:spTgt spid="3">
+                                            <p:txEl>
+                                              <p:pRg st="7" end="7"/>
+                                            </p:txEl>
+                                          </p:spTgt>
+                                        </p:tgtEl>
+                                        <p:attrNameLst>
+                                          <p:attrName>ppt_x</p:attrName>
+                                        </p:attrNameLst>
+                                      </p:cBhvr>
+                                      <p:tavLst>
+                                        <p:tav tm="0">
+                                          <p:val>
+                                            <p:strVal val="#ppt_x"/>
+                                          </p:val>
+                                        </p:tav>
+                                        <p:tav tm="100000">
+                                          <p:val>
+                                            <p:strVal val="#ppt_x"/>
+                                          </p:val>
+                                        </p:tav>
+                                      </p:tavLst>
+                                    </p:anim>
+                                    <p:anim calcmode="lin" valueType="num">
+                                      <p:cBhvr additive="base">
+                                        <p:cTn id="31" dur="500" fill="hold"/>
+                                        <p:tgtEl>
+                                          <p:spTgt spid="3">
+                                            <p:txEl>
+                                              <p:pRg st="7" end="7"/>
+                                            </p:txEl>
+                                          </p:spTgt>
+                                        </p:tgtEl>
+                                        <p:attrNameLst>
+                                          <p:attrName>ppt_y</p:attrName>
+                                        </p:attrNameLst>
+                                      </p:cBhvr>
+                                      <p:tavLst>
+                                        <p:tav tm="0">
+                                          <p:val>
+                                            <p:strVal val="1+#ppt_h/2"/>
+                                          </p:val>
+                                        </p:tav>
+                                        <p:tav tm="100000">
+                                          <p:val>
+                                            <p:strVal val="#ppt_y"/>
+                                          </p:val>
+                                        </p:tav>
+                                      </p:tavLst>
+                                    </p:anim>
+                                  </p:childTnLst>
+                                </p:cTn>
+                              </p:par>
+                            </p:childTnLst>
+                          </p:cTn>
+                        </p:par>
+                      </p:childTnLst>
+                    </p:cTn>
+                  </p:par>
+                </p:childTnLst>
+              </p:cTn>
+              <p:prevCondLst>
+                <p:cond evt="onPrev" delay="0">
+                  <p:tgtEl>
+                    <p:sldTgt/>
+                  </p:tgtEl>
+                </p:cond>
+              </p:prevCondLst>
+              <p:nextCondLst>
+                <p:cond evt="onNext" delay="0">
+                  <p:tgtEl>
+                    <p:sldTgt/>
+                  </p:tgtEl>
+                </p:cond>
+              </p:nextCondLst>
+            </p:seq>
+          </p:childTnLst>
+        </p:cTn>
       </p:par>
     </p:tnLst>
   </p:timing>
 </p:sld>
 </file>
 
-<file path=ppt/slides/slide18.xml><?xml version="1.0" encoding="utf-8"?>
+<file path=ppt/slides/slide8.xml><?xml version="1.0" encoding="utf-8"?>
 <p:sld xmlns:a="http://schemas.openxmlformats.org/drawingml/2006/main" xmlns:r="http://schemas.openxmlformats.org/officeDocument/2006/relationships" xmlns:p="http://schemas.openxmlformats.org/presentationml/2006/main">
   <p:cSld>
     <p:spTree>
@@ -7399,1559 +10921,6 @@
         </p:nvSpPr>
         <p:spPr>
           <a:xfrm>
-            <a:off x="1985555" y="269967"/>
-            <a:ext cx="7715794" cy="938719"/>
-          </a:xfrm>
-          <a:prstGeom prst="rect">
-            <a:avLst/>
-          </a:prstGeom>
-          <a:noFill/>
-        </p:spPr>
-        <p:txBody>
-          <a:bodyPr wrap="square" rtlCol="0">
-            <a:spAutoFit/>
-          </a:bodyPr>
-          <a:lstStyle/>
-          <a:p>
-            <a:pPr algn="ctr"/>
-            <a:r>
-              <a:rPr lang="vi-VN" sz="5500" dirty="0" smtClean="0">
-                <a:latin typeface="+mj-lt"/>
-              </a:rPr>
-              <a:t>Khai báo, Định Nghĩa</a:t>
-            </a:r>
-            <a:endParaRPr lang="en-US" sz="5500" dirty="0">
-              <a:latin typeface="+mj-lt"/>
-            </a:endParaRPr>
-          </a:p>
-        </p:txBody>
-      </p:sp>
-      <p:sp>
-        <p:nvSpPr>
-          <p:cNvPr id="3" name="TextBox 2"/>
-          <p:cNvSpPr txBox="1"/>
-          <p:nvPr/>
-        </p:nvSpPr>
-        <p:spPr>
-          <a:xfrm>
-            <a:off x="705395" y="1645921"/>
-            <a:ext cx="10877005" cy="2246769"/>
-          </a:xfrm>
-          <a:prstGeom prst="rect">
-            <a:avLst/>
-          </a:prstGeom>
-          <a:noFill/>
-        </p:spPr>
-        <p:txBody>
-          <a:bodyPr wrap="square" rtlCol="0">
-            <a:spAutoFit/>
-          </a:bodyPr>
-          <a:lstStyle/>
-          <a:p>
-            <a:pPr marL="457200" indent="-457200">
-              <a:buFontTx/>
-              <a:buChar char="-"/>
-            </a:pPr>
-            <a:r>
-              <a:rPr lang="vi-VN" sz="2800" dirty="0" smtClean="0">
-                <a:latin typeface="+mj-lt"/>
-              </a:rPr>
-              <a:t>Ta phân biệt hai khái niệm: khai báo là khai báo nguyên mẫu. Còn định nghĩa là viết nội dung cụ thể của hàm.</a:t>
-            </a:r>
-          </a:p>
-          <a:p>
-            <a:pPr marL="457200" indent="-457200">
-              <a:buFontTx/>
-              <a:buChar char="-"/>
-            </a:pPr>
-            <a:endParaRPr lang="vi-VN" sz="2800" dirty="0" smtClean="0">
-              <a:latin typeface="+mj-lt"/>
-            </a:endParaRPr>
-          </a:p>
-          <a:p>
-            <a:pPr marL="457200" indent="-457200">
-              <a:buFontTx/>
-              <a:buChar char="-"/>
-            </a:pPr>
-            <a:r>
-              <a:rPr lang="vi-VN" sz="2800" dirty="0" smtClean="0">
-                <a:latin typeface="+mj-lt"/>
-              </a:rPr>
-              <a:t>Khai báo: </a:t>
-            </a:r>
-          </a:p>
-          <a:p>
-            <a:pPr lvl="2"/>
-            <a:r>
-              <a:rPr lang="vi-VN" sz="2400" dirty="0" smtClean="0">
-                <a:solidFill>
-                  <a:srgbClr val="FFFF00"/>
-                </a:solidFill>
-              </a:rPr>
-              <a:t>Kiểu_trả_về</a:t>
-            </a:r>
-            <a:r>
-              <a:rPr lang="vi-VN" sz="2400" dirty="0" smtClean="0"/>
-              <a:t>  </a:t>
-            </a:r>
-            <a:r>
-              <a:rPr lang="vi-VN" sz="2400" dirty="0">
-                <a:solidFill>
-                  <a:schemeClr val="accent2">
-                    <a:lumMod val="75000"/>
-                  </a:schemeClr>
-                </a:solidFill>
-              </a:rPr>
-              <a:t>t</a:t>
-            </a:r>
-            <a:r>
-              <a:rPr lang="vi-VN" sz="2400" dirty="0" smtClean="0">
-                <a:solidFill>
-                  <a:schemeClr val="accent2">
-                    <a:lumMod val="75000"/>
-                  </a:schemeClr>
-                </a:solidFill>
-              </a:rPr>
-              <a:t>ên_hàm</a:t>
-            </a:r>
-            <a:r>
-              <a:rPr lang="vi-VN" sz="2400" dirty="0" smtClean="0"/>
-              <a:t>( khai báo </a:t>
-            </a:r>
-            <a:r>
-              <a:rPr lang="vi-VN" sz="2400" dirty="0" smtClean="0">
-                <a:solidFill>
-                  <a:schemeClr val="accent6">
-                    <a:lumMod val="75000"/>
-                  </a:schemeClr>
-                </a:solidFill>
-              </a:rPr>
-              <a:t>danh_sách_tham_số</a:t>
-            </a:r>
-            <a:r>
-              <a:rPr lang="vi-VN" sz="2400" dirty="0" smtClean="0"/>
-              <a:t> ) ;</a:t>
-            </a:r>
-          </a:p>
-        </p:txBody>
-      </p:sp>
-    </p:spTree>
-    <p:extLst>
-      <p:ext uri="{BB962C8B-B14F-4D97-AF65-F5344CB8AC3E}">
-        <p14:creationId xmlns:p14="http://schemas.microsoft.com/office/powerpoint/2010/main" val="99034964"/>
-      </p:ext>
-    </p:extLst>
-  </p:cSld>
-  <p:clrMapOvr>
-    <a:masterClrMapping/>
-  </p:clrMapOvr>
-  <p:timing>
-    <p:tnLst>
-      <p:par>
-        <p:cTn id="1" dur="indefinite" restart="never" nodeType="tmRoot"/>
-      </p:par>
-    </p:tnLst>
-  </p:timing>
-</p:sld>
-</file>
-
-<file path=ppt/slides/slide19.xml><?xml version="1.0" encoding="utf-8"?>
-<p:sld xmlns:a="http://schemas.openxmlformats.org/drawingml/2006/main" xmlns:r="http://schemas.openxmlformats.org/officeDocument/2006/relationships" xmlns:p="http://schemas.openxmlformats.org/presentationml/2006/main">
-  <p:cSld>
-    <p:spTree>
-      <p:nvGrpSpPr>
-        <p:cNvPr id="1" name=""/>
-        <p:cNvGrpSpPr/>
-        <p:nvPr/>
-      </p:nvGrpSpPr>
-      <p:grpSpPr>
-        <a:xfrm>
-          <a:off x="0" y="0"/>
-          <a:ext cx="0" cy="0"/>
-          <a:chOff x="0" y="0"/>
-          <a:chExt cx="0" cy="0"/>
-        </a:xfrm>
-      </p:grpSpPr>
-      <p:sp>
-        <p:nvSpPr>
-          <p:cNvPr id="2" name="TextBox 1"/>
-          <p:cNvSpPr txBox="1"/>
-          <p:nvPr/>
-        </p:nvSpPr>
-        <p:spPr>
-          <a:xfrm>
-            <a:off x="1985555" y="269967"/>
-            <a:ext cx="7715794" cy="938719"/>
-          </a:xfrm>
-          <a:prstGeom prst="rect">
-            <a:avLst/>
-          </a:prstGeom>
-          <a:noFill/>
-        </p:spPr>
-        <p:txBody>
-          <a:bodyPr wrap="square" rtlCol="0">
-            <a:spAutoFit/>
-          </a:bodyPr>
-          <a:lstStyle/>
-          <a:p>
-            <a:pPr algn="ctr"/>
-            <a:r>
-              <a:rPr lang="vi-VN" sz="5500" dirty="0" smtClean="0">
-                <a:latin typeface="+mj-lt"/>
-              </a:rPr>
-              <a:t>Khai báo, Định Nghĩa</a:t>
-            </a:r>
-            <a:endParaRPr lang="en-US" sz="5500" dirty="0">
-              <a:latin typeface="+mj-lt"/>
-            </a:endParaRPr>
-          </a:p>
-        </p:txBody>
-      </p:sp>
-      <p:sp>
-        <p:nvSpPr>
-          <p:cNvPr id="3" name="TextBox 2"/>
-          <p:cNvSpPr txBox="1"/>
-          <p:nvPr/>
-        </p:nvSpPr>
-        <p:spPr>
-          <a:xfrm>
-            <a:off x="705394" y="1645921"/>
-            <a:ext cx="11303725" cy="4955203"/>
-          </a:xfrm>
-          <a:prstGeom prst="rect">
-            <a:avLst/>
-          </a:prstGeom>
-          <a:noFill/>
-        </p:spPr>
-        <p:txBody>
-          <a:bodyPr wrap="square" rtlCol="0">
-            <a:spAutoFit/>
-          </a:bodyPr>
-          <a:lstStyle/>
-          <a:p>
-            <a:pPr marL="457200" indent="-457200">
-              <a:buFontTx/>
-              <a:buChar char="-"/>
-            </a:pPr>
-            <a:r>
-              <a:rPr lang="vi-VN" sz="2800" dirty="0" smtClean="0">
-                <a:latin typeface="+mj-lt"/>
-              </a:rPr>
-              <a:t>Ta phân biệt hai khái niệm: khai báo là khai báo nguyên mẫu. Còn định nghĩa là viết nội dung cụ thể của hàm.</a:t>
-            </a:r>
-          </a:p>
-          <a:p>
-            <a:pPr marL="457200" indent="-457200">
-              <a:buFontTx/>
-              <a:buChar char="-"/>
-            </a:pPr>
-            <a:endParaRPr lang="vi-VN" sz="2800" dirty="0" smtClean="0">
-              <a:latin typeface="+mj-lt"/>
-            </a:endParaRPr>
-          </a:p>
-          <a:p>
-            <a:pPr marL="457200" indent="-457200">
-              <a:buFontTx/>
-              <a:buChar char="-"/>
-            </a:pPr>
-            <a:r>
-              <a:rPr lang="vi-VN" sz="2800" dirty="0" smtClean="0">
-                <a:latin typeface="+mj-lt"/>
-              </a:rPr>
-              <a:t>Khai báo: </a:t>
-            </a:r>
-          </a:p>
-          <a:p>
-            <a:pPr lvl="2"/>
-            <a:r>
-              <a:rPr lang="vi-VN" sz="2400" dirty="0" smtClean="0">
-                <a:solidFill>
-                  <a:srgbClr val="FFFF00"/>
-                </a:solidFill>
-              </a:rPr>
-              <a:t>Kiểu_trả_về</a:t>
-            </a:r>
-            <a:r>
-              <a:rPr lang="vi-VN" sz="2400" dirty="0" smtClean="0"/>
-              <a:t>  </a:t>
-            </a:r>
-            <a:r>
-              <a:rPr lang="vi-VN" sz="2400" dirty="0">
-                <a:solidFill>
-                  <a:schemeClr val="accent2">
-                    <a:lumMod val="75000"/>
-                  </a:schemeClr>
-                </a:solidFill>
-              </a:rPr>
-              <a:t>t</a:t>
-            </a:r>
-            <a:r>
-              <a:rPr lang="vi-VN" sz="2400" dirty="0" smtClean="0">
-                <a:solidFill>
-                  <a:schemeClr val="accent2">
-                    <a:lumMod val="75000"/>
-                  </a:schemeClr>
-                </a:solidFill>
-              </a:rPr>
-              <a:t>ên_hàm</a:t>
-            </a:r>
-            <a:r>
-              <a:rPr lang="vi-VN" sz="2400" dirty="0" smtClean="0"/>
-              <a:t>( khai báo </a:t>
-            </a:r>
-            <a:r>
-              <a:rPr lang="vi-VN" sz="2400" dirty="0" smtClean="0">
-                <a:solidFill>
-                  <a:schemeClr val="accent6">
-                    <a:lumMod val="75000"/>
-                  </a:schemeClr>
-                </a:solidFill>
-              </a:rPr>
-              <a:t>danh_sách_tham_số</a:t>
-            </a:r>
-            <a:r>
-              <a:rPr lang="vi-VN" sz="2400" dirty="0" smtClean="0"/>
-              <a:t> ) ;</a:t>
-            </a:r>
-          </a:p>
-          <a:p>
-            <a:pPr marL="457200" indent="-457200">
-              <a:buFontTx/>
-              <a:buChar char="-"/>
-            </a:pPr>
-            <a:endParaRPr lang="vi-VN" sz="2400" dirty="0"/>
-          </a:p>
-          <a:p>
-            <a:pPr marL="457200" indent="-457200">
-              <a:buFontTx/>
-              <a:buChar char="-"/>
-            </a:pPr>
-            <a:r>
-              <a:rPr lang="vi-VN" sz="2800" dirty="0" smtClean="0">
-                <a:latin typeface="+mj-lt"/>
-              </a:rPr>
-              <a:t>Định nghĩa: </a:t>
-            </a:r>
-          </a:p>
-          <a:p>
-            <a:pPr lvl="1"/>
-            <a:r>
-              <a:rPr lang="vi-VN" sz="2400" dirty="0" smtClean="0">
-                <a:solidFill>
-                  <a:srgbClr val="FFFF00"/>
-                </a:solidFill>
-              </a:rPr>
-              <a:t>	Kiểu_trả_về</a:t>
-            </a:r>
-            <a:r>
-              <a:rPr lang="vi-VN" sz="2400" dirty="0" smtClean="0"/>
-              <a:t>  </a:t>
-            </a:r>
-            <a:r>
-              <a:rPr lang="vi-VN" sz="2400" dirty="0">
-                <a:solidFill>
-                  <a:schemeClr val="accent2">
-                    <a:lumMod val="75000"/>
-                  </a:schemeClr>
-                </a:solidFill>
-              </a:rPr>
-              <a:t>tên_hàm</a:t>
-            </a:r>
-            <a:r>
-              <a:rPr lang="vi-VN" sz="2400" dirty="0" smtClean="0"/>
-              <a:t>( khai báo </a:t>
-            </a:r>
-            <a:r>
-              <a:rPr lang="vi-VN" sz="2400" dirty="0">
-                <a:solidFill>
-                  <a:schemeClr val="accent6">
-                    <a:lumMod val="75000"/>
-                  </a:schemeClr>
-                </a:solidFill>
-              </a:rPr>
-              <a:t>danh_sách_tham_số</a:t>
-            </a:r>
-            <a:r>
-              <a:rPr lang="vi-VN" sz="2400" dirty="0"/>
-              <a:t> </a:t>
-            </a:r>
-            <a:r>
-              <a:rPr lang="vi-VN" sz="2800" dirty="0" smtClean="0"/>
-              <a:t>){</a:t>
-            </a:r>
-          </a:p>
-          <a:p>
-            <a:pPr lvl="1"/>
-            <a:r>
-              <a:rPr lang="vi-VN" sz="2800" dirty="0">
-                <a:latin typeface="+mj-lt"/>
-              </a:rPr>
-              <a:t>	</a:t>
-            </a:r>
-            <a:r>
-              <a:rPr lang="vi-VN" sz="2800" dirty="0" smtClean="0">
-                <a:latin typeface="+mj-lt"/>
-              </a:rPr>
-              <a:t>	</a:t>
-            </a:r>
-            <a:r>
-              <a:rPr lang="vi-VN" sz="2400" dirty="0" smtClean="0">
-                <a:solidFill>
-                  <a:schemeClr val="accent2">
-                    <a:lumMod val="75000"/>
-                  </a:schemeClr>
-                </a:solidFill>
-              </a:rPr>
-              <a:t>// khối lệnh</a:t>
-            </a:r>
-          </a:p>
-          <a:p>
-            <a:pPr lvl="1"/>
-            <a:r>
-              <a:rPr lang="vi-VN" sz="2400" dirty="0">
-                <a:solidFill>
-                  <a:schemeClr val="accent2">
-                    <a:lumMod val="75000"/>
-                  </a:schemeClr>
-                </a:solidFill>
-              </a:rPr>
-              <a:t>	</a:t>
-            </a:r>
-            <a:r>
-              <a:rPr lang="vi-VN" sz="2400" dirty="0" smtClean="0">
-                <a:solidFill>
-                  <a:schemeClr val="accent2">
-                    <a:lumMod val="75000"/>
-                  </a:schemeClr>
-                </a:solidFill>
-              </a:rPr>
-              <a:t>	</a:t>
-            </a:r>
-            <a:r>
-              <a:rPr lang="vi-VN" sz="2400" dirty="0" smtClean="0">
-                <a:solidFill>
-                  <a:schemeClr val="accent1">
-                    <a:lumMod val="75000"/>
-                  </a:schemeClr>
-                </a:solidFill>
-              </a:rPr>
-              <a:t>return </a:t>
-            </a:r>
-            <a:r>
-              <a:rPr lang="vi-VN" sz="2400" dirty="0" smtClean="0">
-                <a:solidFill>
-                  <a:srgbClr val="FFFF00"/>
-                </a:solidFill>
-              </a:rPr>
-              <a:t>Giá_trị </a:t>
-            </a:r>
-            <a:r>
-              <a:rPr lang="vi-VN" sz="2400" dirty="0" smtClean="0"/>
-              <a:t>; </a:t>
-            </a:r>
-            <a:r>
-              <a:rPr lang="vi-VN" sz="2400" dirty="0" smtClean="0">
-                <a:solidFill>
-                  <a:srgbClr val="00B0F0"/>
-                </a:solidFill>
-              </a:rPr>
-              <a:t>// nếu kiểu_trả_về là void thì không cần câu lệnh này	</a:t>
-            </a:r>
-          </a:p>
-          <a:p>
-            <a:pPr lvl="1"/>
-            <a:r>
-              <a:rPr lang="vi-VN" sz="2400" dirty="0" smtClean="0">
-                <a:latin typeface="+mj-lt"/>
-              </a:rPr>
-              <a:t>	}</a:t>
-            </a:r>
-            <a:endParaRPr lang="vi-VN" sz="2800" dirty="0" smtClean="0"/>
-          </a:p>
-          <a:p>
-            <a:pPr marL="457200" indent="-457200">
-              <a:buFontTx/>
-              <a:buChar char="-"/>
-            </a:pPr>
-            <a:endParaRPr lang="vi-VN" sz="2400" dirty="0" smtClean="0"/>
-          </a:p>
-        </p:txBody>
-      </p:sp>
-    </p:spTree>
-    <p:extLst>
-      <p:ext uri="{BB962C8B-B14F-4D97-AF65-F5344CB8AC3E}">
-        <p14:creationId xmlns:p14="http://schemas.microsoft.com/office/powerpoint/2010/main" val="4282984350"/>
-      </p:ext>
-    </p:extLst>
-  </p:cSld>
-  <p:clrMapOvr>
-    <a:masterClrMapping/>
-  </p:clrMapOvr>
-  <p:timing>
-    <p:tnLst>
-      <p:par>
-        <p:cTn id="1" dur="indefinite" restart="never" nodeType="tmRoot"/>
-      </p:par>
-    </p:tnLst>
-  </p:timing>
-</p:sld>
-</file>
-
-<file path=ppt/slides/slide2.xml><?xml version="1.0" encoding="utf-8"?>
-<p:sld xmlns:a="http://schemas.openxmlformats.org/drawingml/2006/main" xmlns:r="http://schemas.openxmlformats.org/officeDocument/2006/relationships" xmlns:p="http://schemas.openxmlformats.org/presentationml/2006/main">
-  <p:cSld>
-    <p:spTree>
-      <p:nvGrpSpPr>
-        <p:cNvPr id="1" name=""/>
-        <p:cNvGrpSpPr/>
-        <p:nvPr/>
-      </p:nvGrpSpPr>
-      <p:grpSpPr>
-        <a:xfrm>
-          <a:off x="0" y="0"/>
-          <a:ext cx="0" cy="0"/>
-          <a:chOff x="0" y="0"/>
-          <a:chExt cx="0" cy="0"/>
-        </a:xfrm>
-      </p:grpSpPr>
-      <p:sp>
-        <p:nvSpPr>
-          <p:cNvPr id="6" name="TextBox 5"/>
-          <p:cNvSpPr txBox="1"/>
-          <p:nvPr/>
-        </p:nvSpPr>
-        <p:spPr>
-          <a:xfrm>
-            <a:off x="1280160" y="2638697"/>
-            <a:ext cx="6818811" cy="3862596"/>
-          </a:xfrm>
-          <a:prstGeom prst="rect">
-            <a:avLst/>
-          </a:prstGeom>
-          <a:noFill/>
-        </p:spPr>
-        <p:txBody>
-          <a:bodyPr wrap="square" rtlCol="0">
-            <a:spAutoFit/>
-          </a:bodyPr>
-          <a:lstStyle/>
-          <a:p>
-            <a:pPr marL="457200" indent="-457200">
-              <a:buFontTx/>
-              <a:buChar char="-"/>
-            </a:pPr>
-            <a:r>
-              <a:rPr lang="vi-VN" sz="3500" dirty="0" smtClean="0">
-                <a:latin typeface="Times New Roman" panose="02020603050405020304" pitchFamily="18" charset="0"/>
-                <a:cs typeface="Times New Roman" panose="02020603050405020304" pitchFamily="18" charset="0"/>
-              </a:rPr>
-              <a:t>Hàm là gì ?</a:t>
-            </a:r>
-          </a:p>
-          <a:p>
-            <a:pPr marL="457200" indent="-457200">
-              <a:buFontTx/>
-              <a:buChar char="-"/>
-            </a:pPr>
-            <a:r>
-              <a:rPr lang="vi-VN" sz="3500" dirty="0">
-                <a:latin typeface="Times New Roman" panose="02020603050405020304" pitchFamily="18" charset="0"/>
-                <a:cs typeface="Times New Roman" panose="02020603050405020304" pitchFamily="18" charset="0"/>
-              </a:rPr>
-              <a:t>D</a:t>
-            </a:r>
-            <a:r>
-              <a:rPr lang="vi-VN" sz="3500" dirty="0" smtClean="0">
-                <a:latin typeface="Times New Roman" panose="02020603050405020304" pitchFamily="18" charset="0"/>
-                <a:cs typeface="Times New Roman" panose="02020603050405020304" pitchFamily="18" charset="0"/>
-              </a:rPr>
-              <a:t>ùng để làm gì ?</a:t>
-            </a:r>
-          </a:p>
-          <a:p>
-            <a:pPr marL="457200" indent="-457200">
-              <a:buFontTx/>
-              <a:buChar char="-"/>
-            </a:pPr>
-            <a:r>
-              <a:rPr lang="vi-VN" sz="3500" dirty="0" smtClean="0">
-                <a:latin typeface="Times New Roman" panose="02020603050405020304" pitchFamily="18" charset="0"/>
-                <a:cs typeface="Times New Roman" panose="02020603050405020304" pitchFamily="18" charset="0"/>
-              </a:rPr>
-              <a:t>Nó như thế nào ?</a:t>
-            </a:r>
-          </a:p>
-          <a:p>
-            <a:pPr marL="457200" indent="-457200">
-              <a:buFontTx/>
-              <a:buChar char="-"/>
-            </a:pPr>
-            <a:r>
-              <a:rPr lang="vi-VN" sz="3500" dirty="0" smtClean="0">
-                <a:latin typeface="Times New Roman" panose="02020603050405020304" pitchFamily="18" charset="0"/>
-                <a:cs typeface="Times New Roman" panose="02020603050405020304" pitchFamily="18" charset="0"/>
-              </a:rPr>
-              <a:t>Phân loai hàm ?</a:t>
-            </a:r>
-          </a:p>
-          <a:p>
-            <a:pPr marL="457200" indent="-457200">
-              <a:buFontTx/>
-              <a:buChar char="-"/>
-            </a:pPr>
-            <a:r>
-              <a:rPr lang="vi-VN" sz="3500" dirty="0" smtClean="0">
-                <a:latin typeface="Times New Roman" panose="02020603050405020304" pitchFamily="18" charset="0"/>
-                <a:cs typeface="Times New Roman" panose="02020603050405020304" pitchFamily="18" charset="0"/>
-              </a:rPr>
-              <a:t>Làm sao để sử dụng được ?</a:t>
-            </a:r>
-          </a:p>
-          <a:p>
-            <a:pPr marL="457200" indent="-457200">
-              <a:buFontTx/>
-              <a:buChar char="-"/>
-            </a:pPr>
-            <a:r>
-              <a:rPr lang="vi-VN" sz="3500" dirty="0" smtClean="0">
-                <a:latin typeface="Times New Roman" panose="02020603050405020304" pitchFamily="18" charset="0"/>
-                <a:cs typeface="Times New Roman" panose="02020603050405020304" pitchFamily="18" charset="0"/>
-              </a:rPr>
-              <a:t>Ví dụ minh họa .</a:t>
-            </a:r>
-          </a:p>
-          <a:p>
-            <a:pPr marL="457200" indent="-457200">
-              <a:buFontTx/>
-              <a:buChar char="-"/>
-            </a:pPr>
-            <a:endParaRPr lang="en-US" sz="3500" dirty="0">
-              <a:latin typeface="Times New Roman" panose="02020603050405020304" pitchFamily="18" charset="0"/>
-              <a:cs typeface="Times New Roman" panose="02020603050405020304" pitchFamily="18" charset="0"/>
-            </a:endParaRPr>
-          </a:p>
-        </p:txBody>
-      </p:sp>
-      <p:sp>
-        <p:nvSpPr>
-          <p:cNvPr id="10" name="TextBox 9"/>
-          <p:cNvSpPr txBox="1"/>
-          <p:nvPr/>
-        </p:nvSpPr>
-        <p:spPr>
-          <a:xfrm>
-            <a:off x="2708367" y="461554"/>
-            <a:ext cx="6130834" cy="1015663"/>
-          </a:xfrm>
-          <a:prstGeom prst="rect">
-            <a:avLst/>
-          </a:prstGeom>
-          <a:noFill/>
-        </p:spPr>
-        <p:txBody>
-          <a:bodyPr wrap="square" rtlCol="0">
-            <a:spAutoFit/>
-          </a:bodyPr>
-          <a:lstStyle/>
-          <a:p>
-            <a:r>
-              <a:rPr lang="vi-VN" sz="6000" dirty="0" smtClean="0">
-                <a:latin typeface="+mj-lt"/>
-              </a:rPr>
-              <a:t>HÀM   </a:t>
-            </a:r>
-            <a:r>
-              <a:rPr lang="vi-VN" sz="4000" dirty="0" smtClean="0"/>
-              <a:t>( Funstion )</a:t>
-            </a:r>
-            <a:endParaRPr lang="en-US" sz="4000" dirty="0"/>
-          </a:p>
-        </p:txBody>
-      </p:sp>
-    </p:spTree>
-    <p:extLst>
-      <p:ext uri="{BB962C8B-B14F-4D97-AF65-F5344CB8AC3E}">
-        <p14:creationId xmlns:p14="http://schemas.microsoft.com/office/powerpoint/2010/main" val="3242646746"/>
-      </p:ext>
-    </p:extLst>
-  </p:cSld>
-  <p:clrMapOvr>
-    <a:masterClrMapping/>
-  </p:clrMapOvr>
-  <p:timing>
-    <p:tnLst>
-      <p:par>
-        <p:cTn id="1" dur="indefinite" restart="never" nodeType="tmRoot"/>
-      </p:par>
-    </p:tnLst>
-  </p:timing>
-</p:sld>
-</file>
-
-<file path=ppt/slides/slide20.xml><?xml version="1.0" encoding="utf-8"?>
-<p:sld xmlns:a="http://schemas.openxmlformats.org/drawingml/2006/main" xmlns:r="http://schemas.openxmlformats.org/officeDocument/2006/relationships" xmlns:p="http://schemas.openxmlformats.org/presentationml/2006/main">
-  <p:cSld>
-    <p:spTree>
-      <p:nvGrpSpPr>
-        <p:cNvPr id="1" name=""/>
-        <p:cNvGrpSpPr/>
-        <p:nvPr/>
-      </p:nvGrpSpPr>
-      <p:grpSpPr>
-        <a:xfrm>
-          <a:off x="0" y="0"/>
-          <a:ext cx="0" cy="0"/>
-          <a:chOff x="0" y="0"/>
-          <a:chExt cx="0" cy="0"/>
-        </a:xfrm>
-      </p:grpSpPr>
-      <p:sp>
-        <p:nvSpPr>
-          <p:cNvPr id="2" name="TextBox 1"/>
-          <p:cNvSpPr txBox="1"/>
-          <p:nvPr/>
-        </p:nvSpPr>
-        <p:spPr>
-          <a:xfrm>
-            <a:off x="1985555" y="269967"/>
-            <a:ext cx="7715794" cy="938719"/>
-          </a:xfrm>
-          <a:prstGeom prst="rect">
-            <a:avLst/>
-          </a:prstGeom>
-          <a:noFill/>
-        </p:spPr>
-        <p:txBody>
-          <a:bodyPr wrap="square" rtlCol="0">
-            <a:spAutoFit/>
-          </a:bodyPr>
-          <a:lstStyle/>
-          <a:p>
-            <a:pPr algn="ctr"/>
-            <a:r>
-              <a:rPr lang="vi-VN" sz="5500" dirty="0" smtClean="0">
-                <a:latin typeface="+mj-lt"/>
-              </a:rPr>
-              <a:t>Khai báo, Định Nghĩa</a:t>
-            </a:r>
-            <a:endParaRPr lang="en-US" sz="5500" dirty="0">
-              <a:latin typeface="+mj-lt"/>
-            </a:endParaRPr>
-          </a:p>
-        </p:txBody>
-      </p:sp>
-      <p:sp>
-        <p:nvSpPr>
-          <p:cNvPr id="3" name="TextBox 2"/>
-          <p:cNvSpPr txBox="1"/>
-          <p:nvPr/>
-        </p:nvSpPr>
-        <p:spPr>
-          <a:xfrm>
-            <a:off x="731519" y="1489165"/>
-            <a:ext cx="10633166" cy="1261884"/>
-          </a:xfrm>
-          <a:prstGeom prst="rect">
-            <a:avLst/>
-          </a:prstGeom>
-          <a:noFill/>
-        </p:spPr>
-        <p:txBody>
-          <a:bodyPr wrap="square" rtlCol="0">
-            <a:spAutoFit/>
-          </a:bodyPr>
-          <a:lstStyle/>
-          <a:p>
-            <a:r>
-              <a:rPr lang="vi-VN" sz="2800" dirty="0" smtClean="0">
-                <a:latin typeface="Times New Roman" panose="02020603050405020304" pitchFamily="18" charset="0"/>
-                <a:cs typeface="Times New Roman" panose="02020603050405020304" pitchFamily="18" charset="0"/>
-              </a:rPr>
-              <a:t>Trong đó</a:t>
-            </a:r>
-            <a:r>
-              <a:rPr lang="vi-VN" sz="2500" dirty="0" smtClean="0">
-                <a:latin typeface="Times New Roman" panose="02020603050405020304" pitchFamily="18" charset="0"/>
-                <a:cs typeface="Times New Roman" panose="02020603050405020304" pitchFamily="18" charset="0"/>
-              </a:rPr>
-              <a:t>:</a:t>
-            </a:r>
-          </a:p>
-          <a:p>
-            <a:pPr marL="342900" indent="-342900">
-              <a:buFontTx/>
-              <a:buChar char="-"/>
-            </a:pPr>
-            <a:r>
-              <a:rPr lang="vi-VN" sz="2300" dirty="0" smtClean="0">
-                <a:solidFill>
-                  <a:srgbClr val="FFFF00"/>
-                </a:solidFill>
-              </a:rPr>
-              <a:t>Kiểu_trả_về:  </a:t>
-            </a:r>
-            <a:r>
-              <a:rPr lang="vi-VN" sz="2300" dirty="0" smtClean="0"/>
-              <a:t>là kiểu hợp lệ trong ngôn ngữ C, thường là void, kiểu cơ bản ( nguyên thủy ), kiểu con trỏ, ...</a:t>
-            </a:r>
-            <a:r>
-              <a:rPr lang="vi-VN" sz="2500" dirty="0" smtClean="0"/>
-              <a:t> </a:t>
-            </a:r>
-            <a:endParaRPr lang="en-US" sz="2500" dirty="0">
-              <a:latin typeface="Times New Roman" panose="02020603050405020304" pitchFamily="18" charset="0"/>
-              <a:cs typeface="Times New Roman" panose="02020603050405020304" pitchFamily="18" charset="0"/>
-            </a:endParaRPr>
-          </a:p>
-        </p:txBody>
-      </p:sp>
-    </p:spTree>
-    <p:extLst>
-      <p:ext uri="{BB962C8B-B14F-4D97-AF65-F5344CB8AC3E}">
-        <p14:creationId xmlns:p14="http://schemas.microsoft.com/office/powerpoint/2010/main" val="412579097"/>
-      </p:ext>
-    </p:extLst>
-  </p:cSld>
-  <p:clrMapOvr>
-    <a:masterClrMapping/>
-  </p:clrMapOvr>
-  <p:timing>
-    <p:tnLst>
-      <p:par>
-        <p:cTn id="1" dur="indefinite" restart="never" nodeType="tmRoot"/>
-      </p:par>
-    </p:tnLst>
-  </p:timing>
-</p:sld>
-</file>
-
-<file path=ppt/slides/slide21.xml><?xml version="1.0" encoding="utf-8"?>
-<p:sld xmlns:a="http://schemas.openxmlformats.org/drawingml/2006/main" xmlns:r="http://schemas.openxmlformats.org/officeDocument/2006/relationships" xmlns:p="http://schemas.openxmlformats.org/presentationml/2006/main">
-  <p:cSld>
-    <p:spTree>
-      <p:nvGrpSpPr>
-        <p:cNvPr id="1" name=""/>
-        <p:cNvGrpSpPr/>
-        <p:nvPr/>
-      </p:nvGrpSpPr>
-      <p:grpSpPr>
-        <a:xfrm>
-          <a:off x="0" y="0"/>
-          <a:ext cx="0" cy="0"/>
-          <a:chOff x="0" y="0"/>
-          <a:chExt cx="0" cy="0"/>
-        </a:xfrm>
-      </p:grpSpPr>
-      <p:sp>
-        <p:nvSpPr>
-          <p:cNvPr id="2" name="TextBox 1"/>
-          <p:cNvSpPr txBox="1"/>
-          <p:nvPr/>
-        </p:nvSpPr>
-        <p:spPr>
-          <a:xfrm>
-            <a:off x="1985555" y="269967"/>
-            <a:ext cx="7715794" cy="938719"/>
-          </a:xfrm>
-          <a:prstGeom prst="rect">
-            <a:avLst/>
-          </a:prstGeom>
-          <a:noFill/>
-        </p:spPr>
-        <p:txBody>
-          <a:bodyPr wrap="square" rtlCol="0">
-            <a:spAutoFit/>
-          </a:bodyPr>
-          <a:lstStyle/>
-          <a:p>
-            <a:pPr algn="ctr"/>
-            <a:r>
-              <a:rPr lang="vi-VN" sz="5500" dirty="0" smtClean="0">
-                <a:latin typeface="+mj-lt"/>
-              </a:rPr>
-              <a:t>Khai báo, Định Nghĩa</a:t>
-            </a:r>
-            <a:endParaRPr lang="en-US" sz="5500" dirty="0">
-              <a:latin typeface="+mj-lt"/>
-            </a:endParaRPr>
-          </a:p>
-        </p:txBody>
-      </p:sp>
-      <p:sp>
-        <p:nvSpPr>
-          <p:cNvPr id="3" name="TextBox 2"/>
-          <p:cNvSpPr txBox="1"/>
-          <p:nvPr/>
-        </p:nvSpPr>
-        <p:spPr>
-          <a:xfrm>
-            <a:off x="731519" y="1489165"/>
-            <a:ext cx="10633166" cy="2354491"/>
-          </a:xfrm>
-          <a:prstGeom prst="rect">
-            <a:avLst/>
-          </a:prstGeom>
-          <a:noFill/>
-        </p:spPr>
-        <p:txBody>
-          <a:bodyPr wrap="square" rtlCol="0">
-            <a:spAutoFit/>
-          </a:bodyPr>
-          <a:lstStyle/>
-          <a:p>
-            <a:r>
-              <a:rPr lang="vi-VN" sz="2800" dirty="0" smtClean="0">
-                <a:latin typeface="Times New Roman" panose="02020603050405020304" pitchFamily="18" charset="0"/>
-                <a:cs typeface="Times New Roman" panose="02020603050405020304" pitchFamily="18" charset="0"/>
-              </a:rPr>
-              <a:t>Trong đó</a:t>
-            </a:r>
-            <a:r>
-              <a:rPr lang="vi-VN" sz="2500" dirty="0" smtClean="0">
-                <a:latin typeface="Times New Roman" panose="02020603050405020304" pitchFamily="18" charset="0"/>
-                <a:cs typeface="Times New Roman" panose="02020603050405020304" pitchFamily="18" charset="0"/>
-              </a:rPr>
-              <a:t>:</a:t>
-            </a:r>
-          </a:p>
-          <a:p>
-            <a:pPr marL="342900" indent="-342900">
-              <a:buFontTx/>
-              <a:buChar char="-"/>
-            </a:pPr>
-            <a:r>
-              <a:rPr lang="vi-VN" sz="2300" dirty="0" smtClean="0">
-                <a:solidFill>
-                  <a:srgbClr val="FFFF00"/>
-                </a:solidFill>
-              </a:rPr>
-              <a:t>Kiểu_trả_về:  </a:t>
-            </a:r>
-            <a:r>
-              <a:rPr lang="vi-VN" sz="2300" dirty="0" smtClean="0"/>
-              <a:t>là kiểu hợp lệ trong ngôn ngữ C, thường là void, kiểu cơ bản ( nguyên thủy ), kiểu con trỏ, ...</a:t>
-            </a:r>
-            <a:r>
-              <a:rPr lang="vi-VN" sz="2500" dirty="0" smtClean="0"/>
-              <a:t> </a:t>
-            </a:r>
-          </a:p>
-          <a:p>
-            <a:pPr marL="342900" indent="-342900">
-              <a:buFontTx/>
-              <a:buChar char="-"/>
-            </a:pPr>
-            <a:endParaRPr lang="vi-VN" sz="2500" dirty="0" smtClean="0"/>
-          </a:p>
-          <a:p>
-            <a:pPr marL="342900" indent="-342900">
-              <a:buFontTx/>
-              <a:buChar char="-"/>
-            </a:pPr>
-            <a:r>
-              <a:rPr lang="vi-VN" sz="2300" dirty="0" smtClean="0">
-                <a:solidFill>
-                  <a:srgbClr val="00B0F0"/>
-                </a:solidFill>
-                <a:cs typeface="Times New Roman" panose="02020603050405020304" pitchFamily="18" charset="0"/>
-              </a:rPr>
-              <a:t>Tên_hàm:</a:t>
-            </a:r>
-            <a:r>
-              <a:rPr lang="vi-VN" sz="2300" dirty="0" smtClean="0">
-                <a:solidFill>
-                  <a:srgbClr val="FFFF00"/>
-                </a:solidFill>
-                <a:cs typeface="Times New Roman" panose="02020603050405020304" pitchFamily="18" charset="0"/>
-              </a:rPr>
-              <a:t> </a:t>
-            </a:r>
-            <a:r>
-              <a:rPr lang="vi-VN" sz="2300" dirty="0" smtClean="0">
-                <a:cs typeface="Times New Roman" panose="02020603050405020304" pitchFamily="18" charset="0"/>
-              </a:rPr>
-              <a:t>do người dùng tự đặt, liên quan đến chứ năng của hàm, tránh các keyword, theo quy tắc CamelCase.</a:t>
-            </a:r>
-            <a:endParaRPr lang="en-US" sz="2300" dirty="0">
-              <a:cs typeface="Times New Roman" panose="02020603050405020304" pitchFamily="18" charset="0"/>
-            </a:endParaRPr>
-          </a:p>
-        </p:txBody>
-      </p:sp>
-    </p:spTree>
-    <p:extLst>
-      <p:ext uri="{BB962C8B-B14F-4D97-AF65-F5344CB8AC3E}">
-        <p14:creationId xmlns:p14="http://schemas.microsoft.com/office/powerpoint/2010/main" val="3535923268"/>
-      </p:ext>
-    </p:extLst>
-  </p:cSld>
-  <p:clrMapOvr>
-    <a:masterClrMapping/>
-  </p:clrMapOvr>
-  <p:timing>
-    <p:tnLst>
-      <p:par>
-        <p:cTn id="1" dur="indefinite" restart="never" nodeType="tmRoot"/>
-      </p:par>
-    </p:tnLst>
-  </p:timing>
-</p:sld>
-</file>
-
-<file path=ppt/slides/slide22.xml><?xml version="1.0" encoding="utf-8"?>
-<p:sld xmlns:a="http://schemas.openxmlformats.org/drawingml/2006/main" xmlns:r="http://schemas.openxmlformats.org/officeDocument/2006/relationships" xmlns:p="http://schemas.openxmlformats.org/presentationml/2006/main">
-  <p:cSld>
-    <p:spTree>
-      <p:nvGrpSpPr>
-        <p:cNvPr id="1" name=""/>
-        <p:cNvGrpSpPr/>
-        <p:nvPr/>
-      </p:nvGrpSpPr>
-      <p:grpSpPr>
-        <a:xfrm>
-          <a:off x="0" y="0"/>
-          <a:ext cx="0" cy="0"/>
-          <a:chOff x="0" y="0"/>
-          <a:chExt cx="0" cy="0"/>
-        </a:xfrm>
-      </p:grpSpPr>
-      <p:sp>
-        <p:nvSpPr>
-          <p:cNvPr id="2" name="TextBox 1"/>
-          <p:cNvSpPr txBox="1"/>
-          <p:nvPr/>
-        </p:nvSpPr>
-        <p:spPr>
-          <a:xfrm>
-            <a:off x="1985555" y="269967"/>
-            <a:ext cx="7715794" cy="938719"/>
-          </a:xfrm>
-          <a:prstGeom prst="rect">
-            <a:avLst/>
-          </a:prstGeom>
-          <a:noFill/>
-        </p:spPr>
-        <p:txBody>
-          <a:bodyPr wrap="square" rtlCol="0">
-            <a:spAutoFit/>
-          </a:bodyPr>
-          <a:lstStyle/>
-          <a:p>
-            <a:pPr algn="ctr"/>
-            <a:r>
-              <a:rPr lang="vi-VN" sz="5500" dirty="0" smtClean="0">
-                <a:latin typeface="+mj-lt"/>
-              </a:rPr>
-              <a:t>Khai báo, Định Nghĩa</a:t>
-            </a:r>
-            <a:endParaRPr lang="en-US" sz="5500" dirty="0">
-              <a:latin typeface="+mj-lt"/>
-            </a:endParaRPr>
-          </a:p>
-        </p:txBody>
-      </p:sp>
-      <p:sp>
-        <p:nvSpPr>
-          <p:cNvPr id="3" name="TextBox 2"/>
-          <p:cNvSpPr txBox="1"/>
-          <p:nvPr/>
-        </p:nvSpPr>
-        <p:spPr>
-          <a:xfrm>
-            <a:off x="731519" y="1489165"/>
-            <a:ext cx="10633166" cy="3477875"/>
-          </a:xfrm>
-          <a:prstGeom prst="rect">
-            <a:avLst/>
-          </a:prstGeom>
-          <a:noFill/>
-        </p:spPr>
-        <p:txBody>
-          <a:bodyPr wrap="square" rtlCol="0">
-            <a:spAutoFit/>
-          </a:bodyPr>
-          <a:lstStyle/>
-          <a:p>
-            <a:r>
-              <a:rPr lang="vi-VN" sz="2800" dirty="0" smtClean="0">
-                <a:latin typeface="Times New Roman" panose="02020603050405020304" pitchFamily="18" charset="0"/>
-                <a:cs typeface="Times New Roman" panose="02020603050405020304" pitchFamily="18" charset="0"/>
-              </a:rPr>
-              <a:t>Trong đó</a:t>
-            </a:r>
-            <a:r>
-              <a:rPr lang="vi-VN" sz="2500" dirty="0" smtClean="0">
-                <a:latin typeface="Times New Roman" panose="02020603050405020304" pitchFamily="18" charset="0"/>
-                <a:cs typeface="Times New Roman" panose="02020603050405020304" pitchFamily="18" charset="0"/>
-              </a:rPr>
-              <a:t>:</a:t>
-            </a:r>
-          </a:p>
-          <a:p>
-            <a:pPr marL="342900" indent="-342900">
-              <a:buFontTx/>
-              <a:buChar char="-"/>
-            </a:pPr>
-            <a:r>
-              <a:rPr lang="vi-VN" sz="2300" dirty="0" smtClean="0">
-                <a:solidFill>
-                  <a:srgbClr val="FFFF00"/>
-                </a:solidFill>
-              </a:rPr>
-              <a:t>Kiểu_trả_về:  </a:t>
-            </a:r>
-            <a:r>
-              <a:rPr lang="vi-VN" sz="2300" dirty="0" smtClean="0"/>
-              <a:t>là kiểu hợp lệ trong ngôn ngữ C, thường là void, kiểu cơ bản ( nguyên thủy ), kiểu con trỏ, ...</a:t>
-            </a:r>
-            <a:r>
-              <a:rPr lang="vi-VN" sz="2500" dirty="0" smtClean="0"/>
-              <a:t> </a:t>
-            </a:r>
-          </a:p>
-          <a:p>
-            <a:pPr marL="342900" indent="-342900">
-              <a:buFontTx/>
-              <a:buChar char="-"/>
-            </a:pPr>
-            <a:endParaRPr lang="vi-VN" sz="2500" dirty="0" smtClean="0"/>
-          </a:p>
-          <a:p>
-            <a:pPr marL="342900" indent="-342900">
-              <a:buFontTx/>
-              <a:buChar char="-"/>
-            </a:pPr>
-            <a:r>
-              <a:rPr lang="vi-VN" sz="2300" dirty="0" smtClean="0">
-                <a:solidFill>
-                  <a:srgbClr val="00B0F0"/>
-                </a:solidFill>
-                <a:cs typeface="Times New Roman" panose="02020603050405020304" pitchFamily="18" charset="0"/>
-              </a:rPr>
-              <a:t>Tên_hàm:</a:t>
-            </a:r>
-            <a:r>
-              <a:rPr lang="vi-VN" sz="2500" dirty="0" smtClean="0">
-                <a:solidFill>
-                  <a:srgbClr val="FFFF00"/>
-                </a:solidFill>
-                <a:latin typeface="Times New Roman" panose="02020603050405020304" pitchFamily="18" charset="0"/>
-                <a:cs typeface="Times New Roman" panose="02020603050405020304" pitchFamily="18" charset="0"/>
-              </a:rPr>
-              <a:t> </a:t>
-            </a:r>
-            <a:r>
-              <a:rPr lang="vi-VN" sz="2300" dirty="0" smtClean="0">
-                <a:cs typeface="Times New Roman" panose="02020603050405020304" pitchFamily="18" charset="0"/>
-              </a:rPr>
-              <a:t>do người dùng tự đặt, liên quan đến chứ năng của hàm, tránh các keyword, theo quy tắc CamelCase.</a:t>
-            </a:r>
-          </a:p>
-          <a:p>
-            <a:pPr marL="342900" indent="-342900">
-              <a:buFontTx/>
-              <a:buChar char="-"/>
-            </a:pPr>
-            <a:endParaRPr lang="vi-VN" sz="2300" dirty="0" smtClean="0">
-              <a:cs typeface="Times New Roman" panose="02020603050405020304" pitchFamily="18" charset="0"/>
-            </a:endParaRPr>
-          </a:p>
-          <a:p>
-            <a:pPr marL="342900" indent="-342900">
-              <a:buFontTx/>
-              <a:buChar char="-"/>
-            </a:pPr>
-            <a:r>
-              <a:rPr lang="vi-VN" sz="2300" dirty="0" smtClean="0">
-                <a:solidFill>
-                  <a:schemeClr val="accent6">
-                    <a:lumMod val="75000"/>
-                  </a:schemeClr>
-                </a:solidFill>
-                <a:cs typeface="Times New Roman" panose="02020603050405020304" pitchFamily="18" charset="0"/>
-              </a:rPr>
-              <a:t>Danh_sách_tham_số</a:t>
-            </a:r>
-            <a:r>
-              <a:rPr lang="vi-VN" sz="2500" dirty="0" smtClean="0">
-                <a:solidFill>
-                  <a:schemeClr val="accent6">
-                    <a:lumMod val="75000"/>
-                  </a:schemeClr>
-                </a:solidFill>
-                <a:latin typeface="Times New Roman" panose="02020603050405020304" pitchFamily="18" charset="0"/>
-                <a:cs typeface="Times New Roman" panose="02020603050405020304" pitchFamily="18" charset="0"/>
-              </a:rPr>
-              <a:t>:</a:t>
-            </a:r>
-            <a:r>
-              <a:rPr lang="vi-VN" sz="2300" dirty="0">
-                <a:solidFill>
-                  <a:srgbClr val="FFFF00"/>
-                </a:solidFill>
-                <a:latin typeface="Times New Roman" panose="02020603050405020304" pitchFamily="18" charset="0"/>
-                <a:cs typeface="Times New Roman" panose="02020603050405020304" pitchFamily="18" charset="0"/>
-              </a:rPr>
-              <a:t> </a:t>
-            </a:r>
-            <a:r>
-              <a:rPr lang="vi-VN" sz="2300" dirty="0" smtClean="0">
-                <a:cs typeface="Times New Roman" panose="02020603050405020304" pitchFamily="18" charset="0"/>
-              </a:rPr>
-              <a:t>không bắt buộc, các </a:t>
-            </a:r>
-            <a:r>
-              <a:rPr lang="vi-VN" sz="2300" dirty="0" smtClean="0">
-                <a:solidFill>
-                  <a:schemeClr val="accent6">
-                    <a:lumMod val="75000"/>
-                  </a:schemeClr>
-                </a:solidFill>
-                <a:cs typeface="Times New Roman" panose="02020603050405020304" pitchFamily="18" charset="0"/>
-              </a:rPr>
-              <a:t>tham_số</a:t>
-            </a:r>
-            <a:r>
-              <a:rPr lang="vi-VN" sz="2300" dirty="0" smtClean="0">
-                <a:cs typeface="Times New Roman" panose="02020603050405020304" pitchFamily="18" charset="0"/>
-              </a:rPr>
-              <a:t> có thể có hoặc không tùy thuộc vào mục đích sử dụng của hàm đó.</a:t>
-            </a:r>
-            <a:endParaRPr lang="en-US" sz="2500" dirty="0">
-              <a:cs typeface="Times New Roman" panose="02020603050405020304" pitchFamily="18" charset="0"/>
-            </a:endParaRPr>
-          </a:p>
-        </p:txBody>
-      </p:sp>
-    </p:spTree>
-    <p:extLst>
-      <p:ext uri="{BB962C8B-B14F-4D97-AF65-F5344CB8AC3E}">
-        <p14:creationId xmlns:p14="http://schemas.microsoft.com/office/powerpoint/2010/main" val="1791184560"/>
-      </p:ext>
-    </p:extLst>
-  </p:cSld>
-  <p:clrMapOvr>
-    <a:masterClrMapping/>
-  </p:clrMapOvr>
-  <p:timing>
-    <p:tnLst>
-      <p:par>
-        <p:cTn id="1" dur="indefinite" restart="never" nodeType="tmRoot"/>
-      </p:par>
-    </p:tnLst>
-  </p:timing>
-</p:sld>
-</file>
-
-<file path=ppt/slides/slide23.xml><?xml version="1.0" encoding="utf-8"?>
-<p:sld xmlns:a="http://schemas.openxmlformats.org/drawingml/2006/main" xmlns:r="http://schemas.openxmlformats.org/officeDocument/2006/relationships" xmlns:p="http://schemas.openxmlformats.org/presentationml/2006/main">
-  <p:cSld>
-    <p:spTree>
-      <p:nvGrpSpPr>
-        <p:cNvPr id="1" name=""/>
-        <p:cNvGrpSpPr/>
-        <p:nvPr/>
-      </p:nvGrpSpPr>
-      <p:grpSpPr>
-        <a:xfrm>
-          <a:off x="0" y="0"/>
-          <a:ext cx="0" cy="0"/>
-          <a:chOff x="0" y="0"/>
-          <a:chExt cx="0" cy="0"/>
-        </a:xfrm>
-      </p:grpSpPr>
-      <p:sp>
-        <p:nvSpPr>
-          <p:cNvPr id="2" name="TextBox 1"/>
-          <p:cNvSpPr txBox="1"/>
-          <p:nvPr/>
-        </p:nvSpPr>
-        <p:spPr>
-          <a:xfrm>
-            <a:off x="1985555" y="269967"/>
-            <a:ext cx="7715794" cy="938719"/>
-          </a:xfrm>
-          <a:prstGeom prst="rect">
-            <a:avLst/>
-          </a:prstGeom>
-          <a:noFill/>
-        </p:spPr>
-        <p:txBody>
-          <a:bodyPr wrap="square" rtlCol="0">
-            <a:spAutoFit/>
-          </a:bodyPr>
-          <a:lstStyle/>
-          <a:p>
-            <a:pPr algn="ctr"/>
-            <a:r>
-              <a:rPr lang="vi-VN" sz="5500" dirty="0" smtClean="0">
-                <a:latin typeface="+mj-lt"/>
-              </a:rPr>
-              <a:t>Khai báo, Định Nghĩa</a:t>
-            </a:r>
-            <a:endParaRPr lang="en-US" sz="5500" dirty="0">
-              <a:latin typeface="+mj-lt"/>
-            </a:endParaRPr>
-          </a:p>
-        </p:txBody>
-      </p:sp>
-      <p:sp>
-        <p:nvSpPr>
-          <p:cNvPr id="3" name="TextBox 2"/>
-          <p:cNvSpPr txBox="1"/>
-          <p:nvPr/>
-        </p:nvSpPr>
-        <p:spPr>
-          <a:xfrm>
-            <a:off x="731519" y="1489165"/>
-            <a:ext cx="10633166" cy="4216539"/>
-          </a:xfrm>
-          <a:prstGeom prst="rect">
-            <a:avLst/>
-          </a:prstGeom>
-          <a:noFill/>
-        </p:spPr>
-        <p:txBody>
-          <a:bodyPr wrap="square" rtlCol="0">
-            <a:spAutoFit/>
-          </a:bodyPr>
-          <a:lstStyle/>
-          <a:p>
-            <a:r>
-              <a:rPr lang="vi-VN" sz="2800" dirty="0" smtClean="0">
-                <a:latin typeface="Times New Roman" panose="02020603050405020304" pitchFamily="18" charset="0"/>
-                <a:cs typeface="Times New Roman" panose="02020603050405020304" pitchFamily="18" charset="0"/>
-              </a:rPr>
-              <a:t>Trong đó</a:t>
-            </a:r>
-            <a:r>
-              <a:rPr lang="vi-VN" sz="2500" dirty="0" smtClean="0">
-                <a:latin typeface="Times New Roman" panose="02020603050405020304" pitchFamily="18" charset="0"/>
-                <a:cs typeface="Times New Roman" panose="02020603050405020304" pitchFamily="18" charset="0"/>
-              </a:rPr>
-              <a:t>:</a:t>
-            </a:r>
-          </a:p>
-          <a:p>
-            <a:pPr marL="342900" indent="-342900">
-              <a:buFontTx/>
-              <a:buChar char="-"/>
-            </a:pPr>
-            <a:r>
-              <a:rPr lang="vi-VN" sz="2300" dirty="0" smtClean="0">
-                <a:solidFill>
-                  <a:srgbClr val="FFFF00"/>
-                </a:solidFill>
-              </a:rPr>
-              <a:t>Kiểu_trả_về:  </a:t>
-            </a:r>
-            <a:r>
-              <a:rPr lang="vi-VN" sz="2300" dirty="0" smtClean="0"/>
-              <a:t>là kiểu hợp lệ trong ngôn ngữ C, thường là void, kiểu cơ bản ( nguyên thủy ), kiểu con trỏ, ...</a:t>
-            </a:r>
-            <a:r>
-              <a:rPr lang="vi-VN" sz="2500" dirty="0" smtClean="0"/>
-              <a:t> </a:t>
-            </a:r>
-          </a:p>
-          <a:p>
-            <a:pPr marL="342900" indent="-342900">
-              <a:buFontTx/>
-              <a:buChar char="-"/>
-            </a:pPr>
-            <a:endParaRPr lang="vi-VN" sz="2500" dirty="0" smtClean="0"/>
-          </a:p>
-          <a:p>
-            <a:pPr marL="342900" indent="-342900">
-              <a:buFontTx/>
-              <a:buChar char="-"/>
-            </a:pPr>
-            <a:r>
-              <a:rPr lang="vi-VN" sz="2300" dirty="0" smtClean="0">
-                <a:solidFill>
-                  <a:srgbClr val="00B0F0"/>
-                </a:solidFill>
-                <a:cs typeface="Times New Roman" panose="02020603050405020304" pitchFamily="18" charset="0"/>
-              </a:rPr>
-              <a:t>Tên_hàm:</a:t>
-            </a:r>
-            <a:r>
-              <a:rPr lang="vi-VN" sz="2500" dirty="0" smtClean="0">
-                <a:solidFill>
-                  <a:srgbClr val="FFFF00"/>
-                </a:solidFill>
-                <a:latin typeface="Times New Roman" panose="02020603050405020304" pitchFamily="18" charset="0"/>
-                <a:cs typeface="Times New Roman" panose="02020603050405020304" pitchFamily="18" charset="0"/>
-              </a:rPr>
-              <a:t> </a:t>
-            </a:r>
-            <a:r>
-              <a:rPr lang="vi-VN" sz="2300" dirty="0" smtClean="0">
-                <a:cs typeface="Times New Roman" panose="02020603050405020304" pitchFamily="18" charset="0"/>
-              </a:rPr>
-              <a:t>do người dùng tự đặt, liên quan đến chứ năng của hàm, tránh các keyword, theo quy tắc CamelCase.</a:t>
-            </a:r>
-          </a:p>
-          <a:p>
-            <a:pPr marL="342900" indent="-342900">
-              <a:buFontTx/>
-              <a:buChar char="-"/>
-            </a:pPr>
-            <a:endParaRPr lang="vi-VN" sz="2300" dirty="0" smtClean="0">
-              <a:cs typeface="Times New Roman" panose="02020603050405020304" pitchFamily="18" charset="0"/>
-            </a:endParaRPr>
-          </a:p>
-          <a:p>
-            <a:pPr marL="342900" indent="-342900">
-              <a:buFontTx/>
-              <a:buChar char="-"/>
-            </a:pPr>
-            <a:r>
-              <a:rPr lang="vi-VN" sz="2300" dirty="0" smtClean="0">
-                <a:solidFill>
-                  <a:schemeClr val="accent6">
-                    <a:lumMod val="75000"/>
-                  </a:schemeClr>
-                </a:solidFill>
-                <a:cs typeface="Times New Roman" panose="02020603050405020304" pitchFamily="18" charset="0"/>
-              </a:rPr>
-              <a:t>Danh_sách_tham_số</a:t>
-            </a:r>
-            <a:r>
-              <a:rPr lang="vi-VN" sz="2500" dirty="0" smtClean="0">
-                <a:solidFill>
-                  <a:schemeClr val="accent6">
-                    <a:lumMod val="75000"/>
-                  </a:schemeClr>
-                </a:solidFill>
-                <a:latin typeface="Times New Roman" panose="02020603050405020304" pitchFamily="18" charset="0"/>
-                <a:cs typeface="Times New Roman" panose="02020603050405020304" pitchFamily="18" charset="0"/>
-              </a:rPr>
-              <a:t>:</a:t>
-            </a:r>
-            <a:r>
-              <a:rPr lang="vi-VN" sz="2300" dirty="0">
-                <a:solidFill>
-                  <a:srgbClr val="FFFF00"/>
-                </a:solidFill>
-                <a:latin typeface="Times New Roman" panose="02020603050405020304" pitchFamily="18" charset="0"/>
-                <a:cs typeface="Times New Roman" panose="02020603050405020304" pitchFamily="18" charset="0"/>
-              </a:rPr>
-              <a:t> </a:t>
-            </a:r>
-            <a:r>
-              <a:rPr lang="vi-VN" sz="2300" dirty="0" smtClean="0">
-                <a:cs typeface="Times New Roman" panose="02020603050405020304" pitchFamily="18" charset="0"/>
-              </a:rPr>
-              <a:t>không bắt buộc, các </a:t>
-            </a:r>
-            <a:r>
-              <a:rPr lang="vi-VN" sz="2300" dirty="0" smtClean="0">
-                <a:solidFill>
-                  <a:schemeClr val="accent6">
-                    <a:lumMod val="75000"/>
-                  </a:schemeClr>
-                </a:solidFill>
-                <a:cs typeface="Times New Roman" panose="02020603050405020304" pitchFamily="18" charset="0"/>
-              </a:rPr>
-              <a:t>tham_số</a:t>
-            </a:r>
-            <a:r>
-              <a:rPr lang="vi-VN" sz="2300" dirty="0" smtClean="0">
-                <a:cs typeface="Times New Roman" panose="02020603050405020304" pitchFamily="18" charset="0"/>
-              </a:rPr>
-              <a:t> có thể có hoặc không tùy thuộc vào mục đích sử dụng của hàm đó.</a:t>
-            </a:r>
-          </a:p>
-          <a:p>
-            <a:pPr marL="342900" indent="-342900">
-              <a:buFontTx/>
-              <a:buChar char="-"/>
-            </a:pPr>
-            <a:endParaRPr lang="vi-VN" sz="2300" dirty="0">
-              <a:cs typeface="Times New Roman" panose="02020603050405020304" pitchFamily="18" charset="0"/>
-            </a:endParaRPr>
-          </a:p>
-          <a:p>
-            <a:pPr marL="342900" indent="-342900">
-              <a:buFontTx/>
-              <a:buChar char="-"/>
-            </a:pPr>
-            <a:r>
-              <a:rPr lang="vi-VN" sz="2300" dirty="0" smtClean="0">
-                <a:solidFill>
-                  <a:srgbClr val="00B050"/>
-                </a:solidFill>
-                <a:cs typeface="Times New Roman" panose="02020603050405020304" pitchFamily="18" charset="0"/>
-              </a:rPr>
-              <a:t>Thân  hàm</a:t>
-            </a:r>
-            <a:r>
-              <a:rPr lang="vi-VN" sz="2300" dirty="0">
-                <a:solidFill>
-                  <a:srgbClr val="00B050"/>
-                </a:solidFill>
-                <a:cs typeface="Times New Roman" panose="02020603050405020304" pitchFamily="18" charset="0"/>
-              </a:rPr>
-              <a:t>:</a:t>
-            </a:r>
-            <a:r>
-              <a:rPr lang="vi-VN" sz="2300" dirty="0" smtClean="0">
-                <a:cs typeface="Times New Roman" panose="02020603050405020304" pitchFamily="18" charset="0"/>
-              </a:rPr>
-              <a:t> gồm các câu lệnh thực hiện chức năng của hàm.</a:t>
-            </a:r>
-            <a:endParaRPr lang="en-US" sz="2500" dirty="0">
-              <a:cs typeface="Times New Roman" panose="02020603050405020304" pitchFamily="18" charset="0"/>
-            </a:endParaRPr>
-          </a:p>
-        </p:txBody>
-      </p:sp>
-    </p:spTree>
-    <p:extLst>
-      <p:ext uri="{BB962C8B-B14F-4D97-AF65-F5344CB8AC3E}">
-        <p14:creationId xmlns:p14="http://schemas.microsoft.com/office/powerpoint/2010/main" val="841032752"/>
-      </p:ext>
-    </p:extLst>
-  </p:cSld>
-  <p:clrMapOvr>
-    <a:masterClrMapping/>
-  </p:clrMapOvr>
-  <p:timing>
-    <p:tnLst>
-      <p:par>
-        <p:cTn id="1" dur="indefinite" restart="never" nodeType="tmRoot"/>
-      </p:par>
-    </p:tnLst>
-  </p:timing>
-</p:sld>
-</file>
-
-<file path=ppt/slides/slide24.xml><?xml version="1.0" encoding="utf-8"?>
-<p:sld xmlns:a="http://schemas.openxmlformats.org/drawingml/2006/main" xmlns:r="http://schemas.openxmlformats.org/officeDocument/2006/relationships" xmlns:p="http://schemas.openxmlformats.org/presentationml/2006/main">
-  <p:cSld>
-    <p:spTree>
-      <p:nvGrpSpPr>
-        <p:cNvPr id="1" name=""/>
-        <p:cNvGrpSpPr/>
-        <p:nvPr/>
-      </p:nvGrpSpPr>
-      <p:grpSpPr>
-        <a:xfrm>
-          <a:off x="0" y="0"/>
-          <a:ext cx="0" cy="0"/>
-          <a:chOff x="0" y="0"/>
-          <a:chExt cx="0" cy="0"/>
-        </a:xfrm>
-      </p:grpSpPr>
-      <p:sp>
-        <p:nvSpPr>
-          <p:cNvPr id="2" name="TextBox 1"/>
-          <p:cNvSpPr txBox="1"/>
-          <p:nvPr/>
-        </p:nvSpPr>
-        <p:spPr>
-          <a:xfrm>
             <a:off x="3753393" y="104503"/>
             <a:ext cx="5521235" cy="938719"/>
           </a:xfrm>
@@ -8980,53 +10949,16 @@
           </a:p>
         </p:txBody>
       </p:sp>
-    </p:spTree>
-    <p:extLst>
-      <p:ext uri="{BB962C8B-B14F-4D97-AF65-F5344CB8AC3E}">
-        <p14:creationId xmlns:p14="http://schemas.microsoft.com/office/powerpoint/2010/main" val="302260975"/>
-      </p:ext>
-    </p:extLst>
-  </p:cSld>
-  <p:clrMapOvr>
-    <a:masterClrMapping/>
-  </p:clrMapOvr>
-  <p:timing>
-    <p:tnLst>
-      <p:par>
-        <p:cTn id="1" dur="indefinite" restart="never" nodeType="tmRoot"/>
-      </p:par>
-    </p:tnLst>
-  </p:timing>
-</p:sld>
-</file>
-
-<file path=ppt/slides/slide25.xml><?xml version="1.0" encoding="utf-8"?>
-<p:sld xmlns:a="http://schemas.openxmlformats.org/drawingml/2006/main" xmlns:r="http://schemas.openxmlformats.org/officeDocument/2006/relationships" xmlns:p="http://schemas.openxmlformats.org/presentationml/2006/main">
-  <p:cSld>
-    <p:spTree>
-      <p:nvGrpSpPr>
-        <p:cNvPr id="1" name=""/>
-        <p:cNvGrpSpPr/>
-        <p:nvPr/>
-      </p:nvGrpSpPr>
-      <p:grpSpPr>
-        <a:xfrm>
-          <a:off x="0" y="0"/>
-          <a:ext cx="0" cy="0"/>
-          <a:chOff x="0" y="0"/>
-          <a:chExt cx="0" cy="0"/>
-        </a:xfrm>
-      </p:grpSpPr>
-      <p:sp>
-        <p:nvSpPr>
-          <p:cNvPr id="2" name="TextBox 1"/>
+      <p:sp>
+        <p:nvSpPr>
+          <p:cNvPr id="3" name="TextBox 2"/>
           <p:cNvSpPr txBox="1"/>
           <p:nvPr/>
         </p:nvSpPr>
         <p:spPr>
           <a:xfrm>
-            <a:off x="3753393" y="104503"/>
-            <a:ext cx="5521235" cy="938719"/>
+            <a:off x="1158240" y="1201782"/>
+            <a:ext cx="10093233" cy="3231654"/>
           </a:xfrm>
           <a:prstGeom prst="rect">
             <a:avLst/>
@@ -9040,166 +10972,18 @@
           <a:lstStyle/>
           <a:p>
             <a:r>
-              <a:rPr lang="vi-VN" sz="5500" dirty="0" smtClean="0">
-                <a:latin typeface="Times New Roman" panose="02020603050405020304" pitchFamily="18" charset="0"/>
-                <a:cs typeface="Times New Roman" panose="02020603050405020304" pitchFamily="18" charset="0"/>
-              </a:rPr>
-              <a:t>Phân loại hàm</a:t>
-            </a:r>
-            <a:endParaRPr lang="en-US" sz="5500" dirty="0">
-              <a:latin typeface="Times New Roman" panose="02020603050405020304" pitchFamily="18" charset="0"/>
-              <a:cs typeface="Times New Roman" panose="02020603050405020304" pitchFamily="18" charset="0"/>
-            </a:endParaRPr>
-          </a:p>
-        </p:txBody>
-      </p:sp>
-      <p:sp>
-        <p:nvSpPr>
-          <p:cNvPr id="3" name="TextBox 2"/>
-          <p:cNvSpPr txBox="1"/>
-          <p:nvPr/>
-        </p:nvSpPr>
-        <p:spPr>
-          <a:xfrm>
-            <a:off x="1158241" y="1201782"/>
-            <a:ext cx="3274422" cy="584775"/>
-          </a:xfrm>
-          <a:prstGeom prst="rect">
-            <a:avLst/>
-          </a:prstGeom>
-          <a:noFill/>
-        </p:spPr>
-        <p:txBody>
-          <a:bodyPr wrap="square" rtlCol="0">
-            <a:spAutoFit/>
-          </a:bodyPr>
-          <a:lstStyle/>
-          <a:p>
-            <a:r>
               <a:rPr lang="vi-VN" sz="3200" dirty="0" smtClean="0">
                 <a:latin typeface="Times New Roman" panose="02020603050405020304" pitchFamily="18" charset="0"/>
                 <a:cs typeface="Times New Roman" panose="02020603050405020304" pitchFamily="18" charset="0"/>
               </a:rPr>
               <a:t>Phân thành 2 loại:</a:t>
             </a:r>
-            <a:endParaRPr lang="en-US" sz="3200" dirty="0">
-              <a:latin typeface="Times New Roman" panose="02020603050405020304" pitchFamily="18" charset="0"/>
-              <a:cs typeface="Times New Roman" panose="02020603050405020304" pitchFamily="18" charset="0"/>
-            </a:endParaRPr>
-          </a:p>
-        </p:txBody>
-      </p:sp>
-    </p:spTree>
-    <p:extLst>
-      <p:ext uri="{BB962C8B-B14F-4D97-AF65-F5344CB8AC3E}">
-        <p14:creationId xmlns:p14="http://schemas.microsoft.com/office/powerpoint/2010/main" val="3478759507"/>
-      </p:ext>
-    </p:extLst>
-  </p:cSld>
-  <p:clrMapOvr>
-    <a:masterClrMapping/>
-  </p:clrMapOvr>
-  <p:timing>
-    <p:tnLst>
-      <p:par>
-        <p:cTn id="1" dur="indefinite" restart="never" nodeType="tmRoot"/>
-      </p:par>
-    </p:tnLst>
-  </p:timing>
-</p:sld>
-</file>
-
-<file path=ppt/slides/slide26.xml><?xml version="1.0" encoding="utf-8"?>
-<p:sld xmlns:a="http://schemas.openxmlformats.org/drawingml/2006/main" xmlns:r="http://schemas.openxmlformats.org/officeDocument/2006/relationships" xmlns:p="http://schemas.openxmlformats.org/presentationml/2006/main">
-  <p:cSld>
-    <p:spTree>
-      <p:nvGrpSpPr>
-        <p:cNvPr id="1" name=""/>
-        <p:cNvGrpSpPr/>
-        <p:nvPr/>
-      </p:nvGrpSpPr>
-      <p:grpSpPr>
-        <a:xfrm>
-          <a:off x="0" y="0"/>
-          <a:ext cx="0" cy="0"/>
-          <a:chOff x="0" y="0"/>
-          <a:chExt cx="0" cy="0"/>
-        </a:xfrm>
-      </p:grpSpPr>
-      <p:sp>
-        <p:nvSpPr>
-          <p:cNvPr id="2" name="TextBox 1"/>
-          <p:cNvSpPr txBox="1"/>
-          <p:nvPr/>
-        </p:nvSpPr>
-        <p:spPr>
-          <a:xfrm>
-            <a:off x="3753393" y="104503"/>
-            <a:ext cx="5521235" cy="938719"/>
-          </a:xfrm>
-          <a:prstGeom prst="rect">
-            <a:avLst/>
-          </a:prstGeom>
-          <a:noFill/>
-        </p:spPr>
-        <p:txBody>
-          <a:bodyPr wrap="square" rtlCol="0">
-            <a:spAutoFit/>
-          </a:bodyPr>
-          <a:lstStyle/>
-          <a:p>
-            <a:r>
-              <a:rPr lang="vi-VN" sz="5500" dirty="0" smtClean="0">
-                <a:latin typeface="Times New Roman" panose="02020603050405020304" pitchFamily="18" charset="0"/>
-                <a:cs typeface="Times New Roman" panose="02020603050405020304" pitchFamily="18" charset="0"/>
-              </a:rPr>
-              <a:t>Phân loại hàm</a:t>
-            </a:r>
-            <a:endParaRPr lang="en-US" sz="5500" dirty="0">
-              <a:latin typeface="Times New Roman" panose="02020603050405020304" pitchFamily="18" charset="0"/>
-              <a:cs typeface="Times New Roman" panose="02020603050405020304" pitchFamily="18" charset="0"/>
-            </a:endParaRPr>
-          </a:p>
-        </p:txBody>
-      </p:sp>
-      <p:sp>
-        <p:nvSpPr>
-          <p:cNvPr id="3" name="TextBox 2"/>
-          <p:cNvSpPr txBox="1"/>
-          <p:nvPr/>
-        </p:nvSpPr>
-        <p:spPr>
-          <a:xfrm>
-            <a:off x="1158240" y="1201782"/>
-            <a:ext cx="10093233" cy="1077218"/>
-          </a:xfrm>
-          <a:prstGeom prst="rect">
-            <a:avLst/>
-          </a:prstGeom>
-          <a:noFill/>
-        </p:spPr>
-        <p:txBody>
-          <a:bodyPr wrap="square" rtlCol="0">
-            <a:spAutoFit/>
-          </a:bodyPr>
-          <a:lstStyle/>
-          <a:p>
-            <a:r>
-              <a:rPr lang="vi-VN" sz="3200" dirty="0" smtClean="0">
-                <a:latin typeface="Times New Roman" panose="02020603050405020304" pitchFamily="18" charset="0"/>
-                <a:cs typeface="Times New Roman" panose="02020603050405020304" pitchFamily="18" charset="0"/>
-              </a:rPr>
-              <a:t>Phân thành 2 loại:</a:t>
-            </a:r>
-          </a:p>
-          <a:p>
-            <a:r>
-              <a:rPr lang="vi-VN" sz="3200" dirty="0" smtClean="0">
-                <a:latin typeface="Times New Roman" panose="02020603050405020304" pitchFamily="18" charset="0"/>
-                <a:cs typeface="Times New Roman" panose="02020603050405020304" pitchFamily="18" charset="0"/>
-              </a:rPr>
-              <a:t>- 	</a:t>
-            </a:r>
+          </a:p>
+          <a:p>
+            <a:pPr marL="457200" indent="-457200">
+              <a:buFontTx/>
+              <a:buChar char="-"/>
+            </a:pPr>
             <a:r>
               <a:rPr lang="vi-VN" sz="2800" dirty="0" smtClean="0">
                 <a:solidFill>
@@ -9224,127 +11008,52 @@
               </a:rPr>
               <a:t>void</a:t>
             </a:r>
-            <a:endParaRPr lang="en-US" sz="3200" dirty="0">
-              <a:solidFill>
-                <a:srgbClr val="00B0F0"/>
-              </a:solidFill>
+          </a:p>
+          <a:p>
+            <a:pPr marL="457200" indent="-457200">
+              <a:buFontTx/>
+              <a:buChar char="-"/>
+            </a:pPr>
+            <a:endParaRPr lang="vi-VN" sz="2800" dirty="0">
               <a:latin typeface="Times New Roman" panose="02020603050405020304" pitchFamily="18" charset="0"/>
               <a:cs typeface="Times New Roman" panose="02020603050405020304" pitchFamily="18" charset="0"/>
             </a:endParaRPr>
           </a:p>
-        </p:txBody>
-      </p:sp>
-    </p:spTree>
-    <p:extLst>
-      <p:ext uri="{BB962C8B-B14F-4D97-AF65-F5344CB8AC3E}">
-        <p14:creationId xmlns:p14="http://schemas.microsoft.com/office/powerpoint/2010/main" val="716698893"/>
-      </p:ext>
-    </p:extLst>
-  </p:cSld>
-  <p:clrMapOvr>
-    <a:masterClrMapping/>
-  </p:clrMapOvr>
-  <p:timing>
-    <p:tnLst>
-      <p:par>
-        <p:cTn id="1" dur="indefinite" restart="never" nodeType="tmRoot"/>
-      </p:par>
-    </p:tnLst>
-  </p:timing>
-</p:sld>
-</file>
-
-<file path=ppt/slides/slide27.xml><?xml version="1.0" encoding="utf-8"?>
-<p:sld xmlns:a="http://schemas.openxmlformats.org/drawingml/2006/main" xmlns:r="http://schemas.openxmlformats.org/officeDocument/2006/relationships" xmlns:p="http://schemas.openxmlformats.org/presentationml/2006/main">
-  <p:cSld>
-    <p:spTree>
-      <p:nvGrpSpPr>
-        <p:cNvPr id="1" name=""/>
-        <p:cNvGrpSpPr/>
-        <p:nvPr/>
-      </p:nvGrpSpPr>
-      <p:grpSpPr>
-        <a:xfrm>
-          <a:off x="0" y="0"/>
-          <a:ext cx="0" cy="0"/>
-          <a:chOff x="0" y="0"/>
-          <a:chExt cx="0" cy="0"/>
-        </a:xfrm>
-      </p:grpSpPr>
-      <p:sp>
-        <p:nvSpPr>
-          <p:cNvPr id="2" name="TextBox 1"/>
-          <p:cNvSpPr txBox="1"/>
-          <p:nvPr/>
-        </p:nvSpPr>
-        <p:spPr>
-          <a:xfrm>
-            <a:off x="3753393" y="104503"/>
-            <a:ext cx="5521235" cy="938719"/>
-          </a:xfrm>
-          <a:prstGeom prst="rect">
-            <a:avLst/>
-          </a:prstGeom>
-          <a:noFill/>
-        </p:spPr>
-        <p:txBody>
-          <a:bodyPr wrap="square" rtlCol="0">
-            <a:spAutoFit/>
-          </a:bodyPr>
-          <a:lstStyle/>
-          <a:p>
-            <a:r>
-              <a:rPr lang="vi-VN" sz="5500" dirty="0" smtClean="0">
-                <a:latin typeface="Times New Roman" panose="02020603050405020304" pitchFamily="18" charset="0"/>
-                <a:cs typeface="Times New Roman" panose="02020603050405020304" pitchFamily="18" charset="0"/>
-              </a:rPr>
-              <a:t>Phân loại hàm</a:t>
-            </a:r>
-            <a:endParaRPr lang="en-US" sz="5500" dirty="0">
+          <a:p>
+            <a:pPr marL="457200" indent="-457200">
+              <a:buFontTx/>
+              <a:buChar char="-"/>
+            </a:pPr>
+            <a:endParaRPr lang="vi-VN" sz="2800" dirty="0" smtClean="0">
               <a:latin typeface="Times New Roman" panose="02020603050405020304" pitchFamily="18" charset="0"/>
               <a:cs typeface="Times New Roman" panose="02020603050405020304" pitchFamily="18" charset="0"/>
             </a:endParaRPr>
           </a:p>
-        </p:txBody>
-      </p:sp>
-      <p:sp>
-        <p:nvSpPr>
-          <p:cNvPr id="3" name="TextBox 2"/>
-          <p:cNvSpPr txBox="1"/>
-          <p:nvPr/>
-        </p:nvSpPr>
-        <p:spPr>
-          <a:xfrm>
-            <a:off x="1158240" y="1201782"/>
-            <a:ext cx="10093233" cy="1077218"/>
-          </a:xfrm>
-          <a:prstGeom prst="rect">
-            <a:avLst/>
-          </a:prstGeom>
-          <a:noFill/>
-        </p:spPr>
-        <p:txBody>
-          <a:bodyPr wrap="square" rtlCol="0">
-            <a:spAutoFit/>
-          </a:bodyPr>
-          <a:lstStyle/>
-          <a:p>
-            <a:r>
-              <a:rPr lang="vi-VN" sz="3200" dirty="0" smtClean="0">
-                <a:latin typeface="Times New Roman" panose="02020603050405020304" pitchFamily="18" charset="0"/>
-                <a:cs typeface="Times New Roman" panose="02020603050405020304" pitchFamily="18" charset="0"/>
-              </a:rPr>
-              <a:t>Phân thành 2 loại:</a:t>
-            </a:r>
-          </a:p>
-          <a:p>
-            <a:r>
-              <a:rPr lang="vi-VN" sz="3200" dirty="0" smtClean="0">
-                <a:latin typeface="Times New Roman" panose="02020603050405020304" pitchFamily="18" charset="0"/>
-                <a:cs typeface="Times New Roman" panose="02020603050405020304" pitchFamily="18" charset="0"/>
-              </a:rPr>
-              <a:t>- 	</a:t>
-            </a:r>
+          <a:p>
+            <a:pPr marL="457200" indent="-457200">
+              <a:buFontTx/>
+              <a:buChar char="-"/>
+            </a:pPr>
+            <a:endParaRPr lang="vi-VN" sz="2800" dirty="0">
+              <a:latin typeface="Times New Roman" panose="02020603050405020304" pitchFamily="18" charset="0"/>
+              <a:cs typeface="Times New Roman" panose="02020603050405020304" pitchFamily="18" charset="0"/>
+            </a:endParaRPr>
+          </a:p>
+          <a:p>
+            <a:pPr marL="457200" indent="-457200">
+              <a:buFontTx/>
+              <a:buChar char="-"/>
+            </a:pPr>
+            <a:endParaRPr lang="vi-VN" sz="2800" dirty="0" smtClean="0">
+              <a:latin typeface="Times New Roman" panose="02020603050405020304" pitchFamily="18" charset="0"/>
+              <a:cs typeface="Times New Roman" panose="02020603050405020304" pitchFamily="18" charset="0"/>
+            </a:endParaRPr>
+          </a:p>
+          <a:p>
+            <a:pPr marL="457200" indent="-457200">
+              <a:buFontTx/>
+              <a:buChar char="-"/>
+            </a:pPr>
             <a:r>
               <a:rPr lang="vi-VN" sz="2800" dirty="0" smtClean="0">
                 <a:solidFill>
@@ -9352,13 +11061,13 @@
                 </a:solidFill>
                 <a:cs typeface="Times New Roman" panose="02020603050405020304" pitchFamily="18" charset="0"/>
               </a:rPr>
-              <a:t>Hàm trả về: </a:t>
+              <a:t>Hàm không trả về: </a:t>
             </a:r>
             <a:r>
               <a:rPr lang="vi-VN" sz="2800" dirty="0" smtClean="0">
                 <a:cs typeface="Times New Roman" panose="02020603050405020304" pitchFamily="18" charset="0"/>
               </a:rPr>
-              <a:t>có kiểu trả về khác </a:t>
+              <a:t>có kiểu trả về là </a:t>
             </a:r>
             <a:r>
               <a:rPr lang="vi-VN" sz="2800" dirty="0" smtClean="0">
@@ -9373,7 +11082,6 @@
               <a:solidFill>
                 <a:srgbClr val="00B0F0"/>
               </a:solidFill>
-              <a:latin typeface="Times New Roman" panose="02020603050405020304" pitchFamily="18" charset="0"/>
               <a:cs typeface="Times New Roman" panose="02020603050405020304" pitchFamily="18" charset="0"/>
             </a:endParaRPr>
           </a:p>
@@ -9395,477 +11103,7 @@
         </p:blipFill>
         <p:spPr>
           <a:xfrm>
-            <a:off x="2255520" y="2360023"/>
-            <a:ext cx="4085094" cy="1207358"/>
-          </a:xfrm>
-          <a:prstGeom prst="rect">
-            <a:avLst/>
-          </a:prstGeom>
-        </p:spPr>
-      </p:pic>
-    </p:spTree>
-    <p:extLst>
-      <p:ext uri="{BB962C8B-B14F-4D97-AF65-F5344CB8AC3E}">
-        <p14:creationId xmlns:p14="http://schemas.microsoft.com/office/powerpoint/2010/main" val="4207164607"/>
-      </p:ext>
-    </p:extLst>
-  </p:cSld>
-  <p:clrMapOvr>
-    <a:masterClrMapping/>
-  </p:clrMapOvr>
-  <p:timing>
-    <p:tnLst>
-      <p:par>
-        <p:cTn id="1" dur="indefinite" restart="never" nodeType="tmRoot"/>
-      </p:par>
-    </p:tnLst>
-  </p:timing>
-</p:sld>
-</file>
-
-<file path=ppt/slides/slide28.xml><?xml version="1.0" encoding="utf-8"?>
-<p:sld xmlns:a="http://schemas.openxmlformats.org/drawingml/2006/main" xmlns:r="http://schemas.openxmlformats.org/officeDocument/2006/relationships" xmlns:p="http://schemas.openxmlformats.org/presentationml/2006/main">
-  <p:cSld>
-    <p:spTree>
-      <p:nvGrpSpPr>
-        <p:cNvPr id="1" name=""/>
-        <p:cNvGrpSpPr/>
-        <p:nvPr/>
-      </p:nvGrpSpPr>
-      <p:grpSpPr>
-        <a:xfrm>
-          <a:off x="0" y="0"/>
-          <a:ext cx="0" cy="0"/>
-          <a:chOff x="0" y="0"/>
-          <a:chExt cx="0" cy="0"/>
-        </a:xfrm>
-      </p:grpSpPr>
-      <p:sp>
-        <p:nvSpPr>
-          <p:cNvPr id="2" name="TextBox 1"/>
-          <p:cNvSpPr txBox="1"/>
-          <p:nvPr/>
-        </p:nvSpPr>
-        <p:spPr>
-          <a:xfrm>
-            <a:off x="3753393" y="104503"/>
-            <a:ext cx="5521235" cy="938719"/>
-          </a:xfrm>
-          <a:prstGeom prst="rect">
-            <a:avLst/>
-          </a:prstGeom>
-          <a:noFill/>
-        </p:spPr>
-        <p:txBody>
-          <a:bodyPr wrap="square" rtlCol="0">
-            <a:spAutoFit/>
-          </a:bodyPr>
-          <a:lstStyle/>
-          <a:p>
-            <a:r>
-              <a:rPr lang="vi-VN" sz="5500" dirty="0" smtClean="0">
-                <a:latin typeface="Times New Roman" panose="02020603050405020304" pitchFamily="18" charset="0"/>
-                <a:cs typeface="Times New Roman" panose="02020603050405020304" pitchFamily="18" charset="0"/>
-              </a:rPr>
-              <a:t>Phân loại hàm</a:t>
-            </a:r>
-            <a:endParaRPr lang="en-US" sz="5500" dirty="0">
-              <a:latin typeface="Times New Roman" panose="02020603050405020304" pitchFamily="18" charset="0"/>
-              <a:cs typeface="Times New Roman" panose="02020603050405020304" pitchFamily="18" charset="0"/>
-            </a:endParaRPr>
-          </a:p>
-        </p:txBody>
-      </p:sp>
-      <p:sp>
-        <p:nvSpPr>
-          <p:cNvPr id="3" name="TextBox 2"/>
-          <p:cNvSpPr txBox="1"/>
-          <p:nvPr/>
-        </p:nvSpPr>
-        <p:spPr>
-          <a:xfrm>
-            <a:off x="1158240" y="1201782"/>
-            <a:ext cx="10093233" cy="3231654"/>
-          </a:xfrm>
-          <a:prstGeom prst="rect">
-            <a:avLst/>
-          </a:prstGeom>
-          <a:noFill/>
-        </p:spPr>
-        <p:txBody>
-          <a:bodyPr wrap="square" rtlCol="0">
-            <a:spAutoFit/>
-          </a:bodyPr>
-          <a:lstStyle/>
-          <a:p>
-            <a:r>
-              <a:rPr lang="vi-VN" sz="3200" dirty="0" smtClean="0">
-                <a:latin typeface="Times New Roman" panose="02020603050405020304" pitchFamily="18" charset="0"/>
-                <a:cs typeface="Times New Roman" panose="02020603050405020304" pitchFamily="18" charset="0"/>
-              </a:rPr>
-              <a:t>Phân thành 2 loại:</a:t>
-            </a:r>
-          </a:p>
-          <a:p>
-            <a:pPr marL="457200" indent="-457200">
-              <a:buFontTx/>
-              <a:buChar char="-"/>
-            </a:pPr>
-            <a:r>
-              <a:rPr lang="vi-VN" sz="2800" dirty="0" smtClean="0">
-                <a:solidFill>
-                  <a:srgbClr val="FFFF00"/>
-                </a:solidFill>
-                <a:cs typeface="Times New Roman" panose="02020603050405020304" pitchFamily="18" charset="0"/>
-              </a:rPr>
-              <a:t>Hàm trả về: </a:t>
-            </a:r>
-            <a:r>
-              <a:rPr lang="vi-VN" sz="2800" dirty="0" smtClean="0">
-                <a:cs typeface="Times New Roman" panose="02020603050405020304" pitchFamily="18" charset="0"/>
-              </a:rPr>
-              <a:t>có kiểu trả về khác </a:t>
-            </a:r>
-            <a:r>
-              <a:rPr lang="vi-VN" sz="2800" dirty="0" smtClean="0">
-                <a:solidFill>
-                  <a:srgbClr val="00B0F0"/>
-                </a:solidFill>
-                <a:cs typeface="Times New Roman" panose="02020603050405020304" pitchFamily="18" charset="0"/>
-              </a:rPr>
-              <a:t>void</a:t>
-            </a:r>
-          </a:p>
-          <a:p>
-            <a:pPr marL="457200" indent="-457200">
-              <a:buFontTx/>
-              <a:buChar char="-"/>
-            </a:pPr>
-            <a:endParaRPr lang="vi-VN" sz="2800" dirty="0">
-              <a:latin typeface="Times New Roman" panose="02020603050405020304" pitchFamily="18" charset="0"/>
-              <a:cs typeface="Times New Roman" panose="02020603050405020304" pitchFamily="18" charset="0"/>
-            </a:endParaRPr>
-          </a:p>
-          <a:p>
-            <a:pPr marL="457200" indent="-457200">
-              <a:buFontTx/>
-              <a:buChar char="-"/>
-            </a:pPr>
-            <a:endParaRPr lang="vi-VN" sz="2800" dirty="0" smtClean="0">
-              <a:latin typeface="Times New Roman" panose="02020603050405020304" pitchFamily="18" charset="0"/>
-              <a:cs typeface="Times New Roman" panose="02020603050405020304" pitchFamily="18" charset="0"/>
-            </a:endParaRPr>
-          </a:p>
-          <a:p>
-            <a:pPr marL="457200" indent="-457200">
-              <a:buFontTx/>
-              <a:buChar char="-"/>
-            </a:pPr>
-            <a:endParaRPr lang="vi-VN" sz="2800" dirty="0">
-              <a:latin typeface="Times New Roman" panose="02020603050405020304" pitchFamily="18" charset="0"/>
-              <a:cs typeface="Times New Roman" panose="02020603050405020304" pitchFamily="18" charset="0"/>
-            </a:endParaRPr>
-          </a:p>
-          <a:p>
-            <a:pPr marL="457200" indent="-457200">
-              <a:buFontTx/>
-              <a:buChar char="-"/>
-            </a:pPr>
-            <a:endParaRPr lang="vi-VN" sz="2800" dirty="0" smtClean="0">
-              <a:latin typeface="Times New Roman" panose="02020603050405020304" pitchFamily="18" charset="0"/>
-              <a:cs typeface="Times New Roman" panose="02020603050405020304" pitchFamily="18" charset="0"/>
-            </a:endParaRPr>
-          </a:p>
-          <a:p>
-            <a:pPr marL="457200" indent="-457200">
-              <a:buFontTx/>
-              <a:buChar char="-"/>
-            </a:pPr>
-            <a:r>
-              <a:rPr lang="vi-VN" sz="2800" dirty="0" smtClean="0">
-                <a:solidFill>
-                  <a:srgbClr val="FFFF00"/>
-                </a:solidFill>
-                <a:cs typeface="Times New Roman" panose="02020603050405020304" pitchFamily="18" charset="0"/>
-              </a:rPr>
-              <a:t>Hàm không trả về: </a:t>
-            </a:r>
-            <a:r>
-              <a:rPr lang="vi-VN" sz="2800" dirty="0" smtClean="0">
-                <a:cs typeface="Times New Roman" panose="02020603050405020304" pitchFamily="18" charset="0"/>
-              </a:rPr>
-              <a:t>có kiểu trả về là </a:t>
-            </a:r>
-            <a:r>
-              <a:rPr lang="vi-VN" sz="2800" dirty="0" smtClean="0">
-                <a:solidFill>
-                  <a:srgbClr val="00B0F0"/>
-                </a:solidFill>
-                <a:cs typeface="Times New Roman" panose="02020603050405020304" pitchFamily="18" charset="0"/>
-              </a:rPr>
-              <a:t>void</a:t>
-            </a:r>
-            <a:endParaRPr lang="en-US" sz="3200" dirty="0">
-              <a:solidFill>
-                <a:srgbClr val="00B0F0"/>
-              </a:solidFill>
-              <a:cs typeface="Times New Roman" panose="02020603050405020304" pitchFamily="18" charset="0"/>
-            </a:endParaRPr>
-          </a:p>
-        </p:txBody>
-      </p:sp>
-      <p:pic>
-        <p:nvPicPr>
-          <p:cNvPr id="4" name="Picture 3"/>
-          <p:cNvPicPr>
-            <a:picLocks noChangeAspect="1"/>
-          </p:cNvPicPr>
-          <p:nvPr/>
-        </p:nvPicPr>
-        <p:blipFill>
-          <a:blip r:embed="rId2"/>
-          <a:stretch>
-            <a:fillRect/>
-          </a:stretch>
-        </p:blipFill>
-        <p:spPr>
-          <a:xfrm>
-            <a:off x="2255520" y="2360023"/>
-            <a:ext cx="4085094" cy="1207358"/>
-          </a:xfrm>
-          <a:prstGeom prst="rect">
-            <a:avLst/>
-          </a:prstGeom>
-        </p:spPr>
-      </p:pic>
-    </p:spTree>
-    <p:extLst>
-      <p:ext uri="{BB962C8B-B14F-4D97-AF65-F5344CB8AC3E}">
-        <p14:creationId xmlns:p14="http://schemas.microsoft.com/office/powerpoint/2010/main" val="2289101085"/>
-      </p:ext>
-    </p:extLst>
-  </p:cSld>
-  <p:clrMapOvr>
-    <a:masterClrMapping/>
-  </p:clrMapOvr>
-  <p:timing>
-    <p:tnLst>
-      <p:par>
-        <p:cTn id="1" dur="indefinite" restart="never" nodeType="tmRoot"/>
-      </p:par>
-    </p:tnLst>
-  </p:timing>
-</p:sld>
-</file>
-
-<file path=ppt/slides/slide29.xml><?xml version="1.0" encoding="utf-8"?>
-<p:sld xmlns:a="http://schemas.openxmlformats.org/drawingml/2006/main" xmlns:r="http://schemas.openxmlformats.org/officeDocument/2006/relationships" xmlns:p="http://schemas.openxmlformats.org/presentationml/2006/main">
-  <p:cSld>
-    <p:spTree>
-      <p:nvGrpSpPr>
-        <p:cNvPr id="1" name=""/>
-        <p:cNvGrpSpPr/>
-        <p:nvPr/>
-      </p:nvGrpSpPr>
-      <p:grpSpPr>
-        <a:xfrm>
-          <a:off x="0" y="0"/>
-          <a:ext cx="0" cy="0"/>
-          <a:chOff x="0" y="0"/>
-          <a:chExt cx="0" cy="0"/>
-        </a:xfrm>
-      </p:grpSpPr>
-      <p:sp>
-        <p:nvSpPr>
-          <p:cNvPr id="2" name="TextBox 1"/>
-          <p:cNvSpPr txBox="1"/>
-          <p:nvPr/>
-        </p:nvSpPr>
-        <p:spPr>
-          <a:xfrm>
-            <a:off x="3753393" y="104503"/>
-            <a:ext cx="5521235" cy="938719"/>
-          </a:xfrm>
-          <a:prstGeom prst="rect">
-            <a:avLst/>
-          </a:prstGeom>
-          <a:noFill/>
-        </p:spPr>
-        <p:txBody>
-          <a:bodyPr wrap="square" rtlCol="0">
-            <a:spAutoFit/>
-          </a:bodyPr>
-          <a:lstStyle/>
-          <a:p>
-            <a:r>
-              <a:rPr lang="vi-VN" sz="5500" dirty="0" smtClean="0">
-                <a:latin typeface="Times New Roman" panose="02020603050405020304" pitchFamily="18" charset="0"/>
-                <a:cs typeface="Times New Roman" panose="02020603050405020304" pitchFamily="18" charset="0"/>
-              </a:rPr>
-              <a:t>Phân loại hàm</a:t>
-            </a:r>
-            <a:endParaRPr lang="en-US" sz="5500" dirty="0">
-              <a:latin typeface="Times New Roman" panose="02020603050405020304" pitchFamily="18" charset="0"/>
-              <a:cs typeface="Times New Roman" panose="02020603050405020304" pitchFamily="18" charset="0"/>
-            </a:endParaRPr>
-          </a:p>
-        </p:txBody>
-      </p:sp>
-      <p:sp>
-        <p:nvSpPr>
-          <p:cNvPr id="3" name="TextBox 2"/>
-          <p:cNvSpPr txBox="1"/>
-          <p:nvPr/>
-        </p:nvSpPr>
-        <p:spPr>
-          <a:xfrm>
-            <a:off x="1158240" y="1201782"/>
-            <a:ext cx="10093233" cy="3231654"/>
-          </a:xfrm>
-          <a:prstGeom prst="rect">
-            <a:avLst/>
-          </a:prstGeom>
-          <a:noFill/>
-        </p:spPr>
-        <p:txBody>
-          <a:bodyPr wrap="square" rtlCol="0">
-            <a:spAutoFit/>
-          </a:bodyPr>
-          <a:lstStyle/>
-          <a:p>
-            <a:r>
-              <a:rPr lang="vi-VN" sz="3200" dirty="0" smtClean="0">
-                <a:latin typeface="Times New Roman" panose="02020603050405020304" pitchFamily="18" charset="0"/>
-                <a:cs typeface="Times New Roman" panose="02020603050405020304" pitchFamily="18" charset="0"/>
-              </a:rPr>
-              <a:t>Phân thành 2 loại:</a:t>
-            </a:r>
-          </a:p>
-          <a:p>
-            <a:pPr marL="457200" indent="-457200">
-              <a:buFontTx/>
-              <a:buChar char="-"/>
-            </a:pPr>
-            <a:r>
-              <a:rPr lang="vi-VN" sz="2800" dirty="0" smtClean="0">
-                <a:solidFill>
-                  <a:srgbClr val="FFFF00"/>
-                </a:solidFill>
-                <a:cs typeface="Times New Roman" panose="02020603050405020304" pitchFamily="18" charset="0"/>
-              </a:rPr>
-              <a:t>Hàm trả về: </a:t>
-            </a:r>
-            <a:r>
-              <a:rPr lang="vi-VN" sz="2800" dirty="0" smtClean="0">
-                <a:cs typeface="Times New Roman" panose="02020603050405020304" pitchFamily="18" charset="0"/>
-              </a:rPr>
-              <a:t>có kiểu trả về khác </a:t>
-            </a:r>
-            <a:r>
-              <a:rPr lang="vi-VN" sz="2800" dirty="0" smtClean="0">
-                <a:solidFill>
-                  <a:srgbClr val="00B0F0"/>
-                </a:solidFill>
-                <a:cs typeface="Times New Roman" panose="02020603050405020304" pitchFamily="18" charset="0"/>
-              </a:rPr>
-              <a:t>void</a:t>
-            </a:r>
-          </a:p>
-          <a:p>
-            <a:pPr marL="457200" indent="-457200">
-              <a:buFontTx/>
-              <a:buChar char="-"/>
-            </a:pPr>
-            <a:endParaRPr lang="vi-VN" sz="2800" dirty="0">
-              <a:latin typeface="Times New Roman" panose="02020603050405020304" pitchFamily="18" charset="0"/>
-              <a:cs typeface="Times New Roman" panose="02020603050405020304" pitchFamily="18" charset="0"/>
-            </a:endParaRPr>
-          </a:p>
-          <a:p>
-            <a:pPr marL="457200" indent="-457200">
-              <a:buFontTx/>
-              <a:buChar char="-"/>
-            </a:pPr>
-            <a:endParaRPr lang="vi-VN" sz="2800" dirty="0" smtClean="0">
-              <a:latin typeface="Times New Roman" panose="02020603050405020304" pitchFamily="18" charset="0"/>
-              <a:cs typeface="Times New Roman" panose="02020603050405020304" pitchFamily="18" charset="0"/>
-            </a:endParaRPr>
-          </a:p>
-          <a:p>
-            <a:pPr marL="457200" indent="-457200">
-              <a:buFontTx/>
-              <a:buChar char="-"/>
-            </a:pPr>
-            <a:endParaRPr lang="vi-VN" sz="2800" dirty="0">
-              <a:latin typeface="Times New Roman" panose="02020603050405020304" pitchFamily="18" charset="0"/>
-              <a:cs typeface="Times New Roman" panose="02020603050405020304" pitchFamily="18" charset="0"/>
-            </a:endParaRPr>
-          </a:p>
-          <a:p>
-            <a:pPr marL="457200" indent="-457200">
-              <a:buFontTx/>
-              <a:buChar char="-"/>
-            </a:pPr>
-            <a:endParaRPr lang="vi-VN" sz="2800" dirty="0" smtClean="0">
-              <a:latin typeface="Times New Roman" panose="02020603050405020304" pitchFamily="18" charset="0"/>
-              <a:cs typeface="Times New Roman" panose="02020603050405020304" pitchFamily="18" charset="0"/>
-            </a:endParaRPr>
-          </a:p>
-          <a:p>
-            <a:pPr marL="457200" indent="-457200">
-              <a:buFontTx/>
-              <a:buChar char="-"/>
-            </a:pPr>
-            <a:r>
-              <a:rPr lang="vi-VN" sz="2800" dirty="0" smtClean="0">
-                <a:solidFill>
-                  <a:srgbClr val="FFFF00"/>
-                </a:solidFill>
-                <a:cs typeface="Times New Roman" panose="02020603050405020304" pitchFamily="18" charset="0"/>
-              </a:rPr>
-              <a:t>Hàm không trả về: </a:t>
-            </a:r>
-            <a:r>
-              <a:rPr lang="vi-VN" sz="2800" dirty="0" smtClean="0">
-                <a:cs typeface="Times New Roman" panose="02020603050405020304" pitchFamily="18" charset="0"/>
-              </a:rPr>
-              <a:t>có kiểu trả về là </a:t>
-            </a:r>
-            <a:r>
-              <a:rPr lang="vi-VN" sz="2800" dirty="0" smtClean="0">
-                <a:solidFill>
-                  <a:srgbClr val="00B0F0"/>
-                </a:solidFill>
-                <a:cs typeface="Times New Roman" panose="02020603050405020304" pitchFamily="18" charset="0"/>
-              </a:rPr>
-              <a:t>void</a:t>
-            </a:r>
-            <a:endParaRPr lang="en-US" sz="3200" dirty="0">
-              <a:solidFill>
-                <a:srgbClr val="00B0F0"/>
-              </a:solidFill>
-              <a:cs typeface="Times New Roman" panose="02020603050405020304" pitchFamily="18" charset="0"/>
-            </a:endParaRPr>
-          </a:p>
-        </p:txBody>
-      </p:sp>
-      <p:pic>
-        <p:nvPicPr>
-          <p:cNvPr id="4" name="Picture 3"/>
-          <p:cNvPicPr>
-            <a:picLocks noChangeAspect="1"/>
-          </p:cNvPicPr>
-          <p:nvPr/>
-        </p:nvPicPr>
-        <p:blipFill>
-          <a:blip r:embed="rId2"/>
-          <a:stretch>
-            <a:fillRect/>
-          </a:stretch>
-        </p:blipFill>
-        <p:spPr>
-          <a:xfrm>
-            <a:off x="2255520" y="2360023"/>
+            <a:off x="2255520" y="2451463"/>
             <a:ext cx="4085094" cy="1207358"/>
           </a:xfrm>
           <a:prstGeom prst="rect">
@@ -9889,7 +11127,7 @@
         </p:blipFill>
         <p:spPr>
           <a:xfrm>
-            <a:off x="2255519" y="4591996"/>
+            <a:off x="2255520" y="4612316"/>
             <a:ext cx="4746171" cy="1246912"/>
           </a:xfrm>
           <a:prstGeom prst="rect">
@@ -9907,1113 +11145,409 @@
   <p:clrMapOvr>
     <a:masterClrMapping/>
   </p:clrMapOvr>
+  <p:transition spd="slow">
+    <p:push dir="u"/>
+  </p:transition>
   <p:timing>
     <p:tnLst>
       <p:par>
-        <p:cTn id="1" dur="indefinite" restart="never" nodeType="tmRoot"/>
-      </p:par>
-    </p:tnLst>
-  </p:timing>
-</p:sld>
-</file>
-
-<file path=ppt/slides/slide3.xml><?xml version="1.0" encoding="utf-8"?>
-<p:sld xmlns:a="http://schemas.openxmlformats.org/drawingml/2006/main" xmlns:r="http://schemas.openxmlformats.org/officeDocument/2006/relationships" xmlns:p="http://schemas.openxmlformats.org/presentationml/2006/main">
-  <p:cSld>
-    <p:spTree>
-      <p:nvGrpSpPr>
-        <p:cNvPr id="1" name=""/>
-        <p:cNvGrpSpPr/>
-        <p:nvPr/>
-      </p:nvGrpSpPr>
-      <p:grpSpPr>
-        <a:xfrm>
-          <a:off x="0" y="0"/>
-          <a:ext cx="0" cy="0"/>
-          <a:chOff x="0" y="0"/>
-          <a:chExt cx="0" cy="0"/>
-        </a:xfrm>
-      </p:grpSpPr>
-      <p:sp>
-        <p:nvSpPr>
-          <p:cNvPr id="4" name="TextBox 3"/>
-          <p:cNvSpPr txBox="1"/>
-          <p:nvPr/>
-        </p:nvSpPr>
-        <p:spPr>
-          <a:xfrm>
-            <a:off x="4040777" y="566057"/>
-            <a:ext cx="3727269" cy="1785104"/>
-          </a:xfrm>
-          <a:prstGeom prst="rect">
-            <a:avLst/>
-          </a:prstGeom>
-          <a:noFill/>
-        </p:spPr>
-        <p:txBody>
-          <a:bodyPr wrap="square" rtlCol="0">
-            <a:spAutoFit/>
-          </a:bodyPr>
-          <a:lstStyle/>
-          <a:p>
-            <a:r>
-              <a:rPr lang="vi-VN" sz="5500" dirty="0">
-                <a:latin typeface="Times New Roman" panose="02020603050405020304" pitchFamily="18" charset="0"/>
-                <a:cs typeface="Times New Roman" panose="02020603050405020304" pitchFamily="18" charset="0"/>
-              </a:rPr>
-              <a:t>Hàm là gì ?</a:t>
-            </a:r>
-          </a:p>
-          <a:p>
-            <a:endParaRPr lang="en-US" sz="5500" dirty="0"/>
-          </a:p>
-        </p:txBody>
-      </p:sp>
-    </p:spTree>
-    <p:extLst>
-      <p:ext uri="{BB962C8B-B14F-4D97-AF65-F5344CB8AC3E}">
-        <p14:creationId xmlns:p14="http://schemas.microsoft.com/office/powerpoint/2010/main" val="3683189204"/>
-      </p:ext>
-    </p:extLst>
-  </p:cSld>
-  <p:clrMapOvr>
-    <a:masterClrMapping/>
-  </p:clrMapOvr>
-  <p:timing>
-    <p:tnLst>
-      <p:par>
-        <p:cTn id="1" dur="indefinite" restart="never" nodeType="tmRoot"/>
-      </p:par>
-    </p:tnLst>
-  </p:timing>
-</p:sld>
-</file>
-
-<file path=ppt/slides/slide30.xml><?xml version="1.0" encoding="utf-8"?>
-<p:sld xmlns:a="http://schemas.openxmlformats.org/drawingml/2006/main" xmlns:r="http://schemas.openxmlformats.org/officeDocument/2006/relationships" xmlns:p="http://schemas.openxmlformats.org/presentationml/2006/main">
-  <p:cSld>
-    <p:spTree>
-      <p:nvGrpSpPr>
-        <p:cNvPr id="1" name=""/>
-        <p:cNvGrpSpPr/>
-        <p:nvPr/>
-      </p:nvGrpSpPr>
-      <p:grpSpPr>
-        <a:xfrm>
-          <a:off x="0" y="0"/>
-          <a:ext cx="0" cy="0"/>
-          <a:chOff x="0" y="0"/>
-          <a:chExt cx="0" cy="0"/>
-        </a:xfrm>
-      </p:grpSpPr>
-      <p:sp>
-        <p:nvSpPr>
-          <p:cNvPr id="2" name="TextBox 1"/>
-          <p:cNvSpPr txBox="1"/>
-          <p:nvPr/>
-        </p:nvSpPr>
-        <p:spPr>
-          <a:xfrm>
-            <a:off x="1907177" y="191589"/>
-            <a:ext cx="10485120" cy="1862048"/>
-          </a:xfrm>
-          <a:prstGeom prst="rect">
-            <a:avLst/>
-          </a:prstGeom>
-          <a:noFill/>
-        </p:spPr>
-        <p:txBody>
-          <a:bodyPr wrap="square" rtlCol="0">
-            <a:spAutoFit/>
-          </a:bodyPr>
-          <a:lstStyle/>
-          <a:p>
-            <a:r>
-              <a:rPr lang="vi-VN" sz="6000" dirty="0">
-                <a:latin typeface="Times New Roman" panose="02020603050405020304" pitchFamily="18" charset="0"/>
-                <a:cs typeface="Times New Roman" panose="02020603050405020304" pitchFamily="18" charset="0"/>
-              </a:rPr>
-              <a:t>Làm sao để sử dụng được ?</a:t>
-            </a:r>
-          </a:p>
-          <a:p>
-            <a:endParaRPr lang="en-US" sz="5500" dirty="0">
-              <a:latin typeface="Times New Roman" panose="02020603050405020304" pitchFamily="18" charset="0"/>
-              <a:cs typeface="Times New Roman" panose="02020603050405020304" pitchFamily="18" charset="0"/>
-            </a:endParaRPr>
-          </a:p>
-        </p:txBody>
-      </p:sp>
-    </p:spTree>
-    <p:extLst>
-      <p:ext uri="{BB962C8B-B14F-4D97-AF65-F5344CB8AC3E}">
-        <p14:creationId xmlns:p14="http://schemas.microsoft.com/office/powerpoint/2010/main" val="4270214751"/>
-      </p:ext>
-    </p:extLst>
-  </p:cSld>
-  <p:clrMapOvr>
-    <a:masterClrMapping/>
-  </p:clrMapOvr>
-  <p:timing>
-    <p:tnLst>
-      <p:par>
-        <p:cTn id="1" dur="indefinite" restart="never" nodeType="tmRoot"/>
-      </p:par>
-    </p:tnLst>
-  </p:timing>
-</p:sld>
-</file>
-
-<file path=ppt/slides/slide31.xml><?xml version="1.0" encoding="utf-8"?>
-<p:sld xmlns:a="http://schemas.openxmlformats.org/drawingml/2006/main" xmlns:r="http://schemas.openxmlformats.org/officeDocument/2006/relationships" xmlns:p="http://schemas.openxmlformats.org/presentationml/2006/main">
-  <p:cSld>
-    <p:spTree>
-      <p:nvGrpSpPr>
-        <p:cNvPr id="1" name=""/>
-        <p:cNvGrpSpPr/>
-        <p:nvPr/>
-      </p:nvGrpSpPr>
-      <p:grpSpPr>
-        <a:xfrm>
-          <a:off x="0" y="0"/>
-          <a:ext cx="0" cy="0"/>
-          <a:chOff x="0" y="0"/>
-          <a:chExt cx="0" cy="0"/>
-        </a:xfrm>
-      </p:grpSpPr>
-      <p:sp>
-        <p:nvSpPr>
-          <p:cNvPr id="2" name="TextBox 1"/>
-          <p:cNvSpPr txBox="1"/>
-          <p:nvPr/>
-        </p:nvSpPr>
-        <p:spPr>
-          <a:xfrm>
-            <a:off x="1907177" y="191589"/>
-            <a:ext cx="10485120" cy="1862048"/>
-          </a:xfrm>
-          <a:prstGeom prst="rect">
-            <a:avLst/>
-          </a:prstGeom>
-          <a:noFill/>
-        </p:spPr>
-        <p:txBody>
-          <a:bodyPr wrap="square" rtlCol="0">
-            <a:spAutoFit/>
-          </a:bodyPr>
-          <a:lstStyle/>
-          <a:p>
-            <a:r>
-              <a:rPr lang="vi-VN" sz="6000" dirty="0">
-                <a:latin typeface="Times New Roman" panose="02020603050405020304" pitchFamily="18" charset="0"/>
-                <a:cs typeface="Times New Roman" panose="02020603050405020304" pitchFamily="18" charset="0"/>
-              </a:rPr>
-              <a:t>Làm sao để sử dụng được ?</a:t>
-            </a:r>
-          </a:p>
-          <a:p>
-            <a:endParaRPr lang="en-US" sz="5500" dirty="0">
-              <a:latin typeface="Times New Roman" panose="02020603050405020304" pitchFamily="18" charset="0"/>
-              <a:cs typeface="Times New Roman" panose="02020603050405020304" pitchFamily="18" charset="0"/>
-            </a:endParaRPr>
-          </a:p>
-        </p:txBody>
-      </p:sp>
-      <p:sp>
-        <p:nvSpPr>
-          <p:cNvPr id="3" name="TextBox 2"/>
-          <p:cNvSpPr txBox="1"/>
-          <p:nvPr/>
-        </p:nvSpPr>
-        <p:spPr>
-          <a:xfrm>
-            <a:off x="1132115" y="1761249"/>
-            <a:ext cx="6017622" cy="584775"/>
-          </a:xfrm>
-          <a:prstGeom prst="rect">
-            <a:avLst/>
-          </a:prstGeom>
-          <a:noFill/>
-        </p:spPr>
-        <p:txBody>
-          <a:bodyPr wrap="square" rtlCol="0">
-            <a:spAutoFit/>
-          </a:bodyPr>
-          <a:lstStyle/>
-          <a:p>
-            <a:r>
-              <a:rPr lang="vi-VN" sz="3200" dirty="0" smtClean="0">
-                <a:latin typeface="+mj-lt"/>
-              </a:rPr>
-              <a:t>-	</a:t>
-            </a:r>
-            <a:r>
-              <a:rPr lang="vi-VN" sz="3200" dirty="0" smtClean="0">
-                <a:solidFill>
-                  <a:srgbClr val="FFFF00"/>
-                </a:solidFill>
-                <a:latin typeface="+mj-lt"/>
-              </a:rPr>
-              <a:t>Lời gọi hàm </a:t>
-            </a:r>
-            <a:r>
-              <a:rPr lang="vi-VN" sz="2400" dirty="0" smtClean="0"/>
-              <a:t>(call Funstion)</a:t>
-            </a:r>
-            <a:endParaRPr lang="en-US" sz="2400" dirty="0"/>
-          </a:p>
-        </p:txBody>
-      </p:sp>
-    </p:spTree>
-    <p:extLst>
-      <p:ext uri="{BB962C8B-B14F-4D97-AF65-F5344CB8AC3E}">
-        <p14:creationId xmlns:p14="http://schemas.microsoft.com/office/powerpoint/2010/main" val="20793595"/>
-      </p:ext>
-    </p:extLst>
-  </p:cSld>
-  <p:clrMapOvr>
-    <a:masterClrMapping/>
-  </p:clrMapOvr>
-  <p:timing>
-    <p:tnLst>
-      <p:par>
-        <p:cTn id="1" dur="indefinite" restart="never" nodeType="tmRoot"/>
-      </p:par>
-    </p:tnLst>
-  </p:timing>
-</p:sld>
-</file>
-
-<file path=ppt/slides/slide32.xml><?xml version="1.0" encoding="utf-8"?>
-<p:sld xmlns:a="http://schemas.openxmlformats.org/drawingml/2006/main" xmlns:r="http://schemas.openxmlformats.org/officeDocument/2006/relationships" xmlns:p="http://schemas.openxmlformats.org/presentationml/2006/main">
-  <p:cSld>
-    <p:spTree>
-      <p:nvGrpSpPr>
-        <p:cNvPr id="1" name=""/>
-        <p:cNvGrpSpPr/>
-        <p:nvPr/>
-      </p:nvGrpSpPr>
-      <p:grpSpPr>
-        <a:xfrm>
-          <a:off x="0" y="0"/>
-          <a:ext cx="0" cy="0"/>
-          <a:chOff x="0" y="0"/>
-          <a:chExt cx="0" cy="0"/>
-        </a:xfrm>
-      </p:grpSpPr>
-      <p:sp>
-        <p:nvSpPr>
-          <p:cNvPr id="2" name="TextBox 1"/>
-          <p:cNvSpPr txBox="1"/>
-          <p:nvPr/>
-        </p:nvSpPr>
-        <p:spPr>
-          <a:xfrm>
-            <a:off x="3405051" y="113212"/>
-            <a:ext cx="6017622" cy="938719"/>
-          </a:xfrm>
-          <a:prstGeom prst="rect">
-            <a:avLst/>
-          </a:prstGeom>
-          <a:noFill/>
-        </p:spPr>
-        <p:txBody>
-          <a:bodyPr wrap="square" rtlCol="0">
-            <a:spAutoFit/>
-          </a:bodyPr>
-          <a:lstStyle/>
-          <a:p>
-            <a:r>
-              <a:rPr lang="vi-VN" sz="5500" dirty="0" smtClean="0">
-                <a:latin typeface="Times New Roman" panose="02020603050405020304" pitchFamily="18" charset="0"/>
-                <a:cs typeface="Times New Roman" panose="02020603050405020304" pitchFamily="18" charset="0"/>
-              </a:rPr>
-              <a:t>Ví dụ minh họa </a:t>
-            </a:r>
-            <a:endParaRPr lang="en-US" sz="5500" dirty="0">
-              <a:latin typeface="Times New Roman" panose="02020603050405020304" pitchFamily="18" charset="0"/>
-              <a:cs typeface="Times New Roman" panose="02020603050405020304" pitchFamily="18" charset="0"/>
-            </a:endParaRPr>
-          </a:p>
-        </p:txBody>
-      </p:sp>
-    </p:spTree>
-    <p:extLst>
-      <p:ext uri="{BB962C8B-B14F-4D97-AF65-F5344CB8AC3E}">
-        <p14:creationId xmlns:p14="http://schemas.microsoft.com/office/powerpoint/2010/main" val="623968762"/>
-      </p:ext>
-    </p:extLst>
-  </p:cSld>
-  <p:clrMapOvr>
-    <a:masterClrMapping/>
-  </p:clrMapOvr>
-</p:sld>
-</file>
-
-<file path=ppt/slides/slide33.xml><?xml version="1.0" encoding="utf-8"?>
-<p:sld xmlns:a="http://schemas.openxmlformats.org/drawingml/2006/main" xmlns:r="http://schemas.openxmlformats.org/officeDocument/2006/relationships" xmlns:p="http://schemas.openxmlformats.org/presentationml/2006/main">
-  <p:cSld>
-    <p:spTree>
-      <p:nvGrpSpPr>
-        <p:cNvPr id="1" name=""/>
-        <p:cNvGrpSpPr/>
-        <p:nvPr/>
-      </p:nvGrpSpPr>
-      <p:grpSpPr>
-        <a:xfrm>
-          <a:off x="0" y="0"/>
-          <a:ext cx="0" cy="0"/>
-          <a:chOff x="0" y="0"/>
-          <a:chExt cx="0" cy="0"/>
-        </a:xfrm>
-      </p:grpSpPr>
-      <p:sp>
-        <p:nvSpPr>
-          <p:cNvPr id="2" name="TextBox 1"/>
-          <p:cNvSpPr txBox="1"/>
-          <p:nvPr/>
-        </p:nvSpPr>
-        <p:spPr>
-          <a:xfrm>
-            <a:off x="3405051" y="113212"/>
-            <a:ext cx="6017622" cy="938719"/>
-          </a:xfrm>
-          <a:prstGeom prst="rect">
-            <a:avLst/>
-          </a:prstGeom>
-          <a:noFill/>
-        </p:spPr>
-        <p:txBody>
-          <a:bodyPr wrap="square" rtlCol="0">
-            <a:spAutoFit/>
-          </a:bodyPr>
-          <a:lstStyle/>
-          <a:p>
-            <a:r>
-              <a:rPr lang="vi-VN" sz="5500" dirty="0" smtClean="0">
-                <a:latin typeface="Times New Roman" panose="02020603050405020304" pitchFamily="18" charset="0"/>
-                <a:cs typeface="Times New Roman" panose="02020603050405020304" pitchFamily="18" charset="0"/>
-              </a:rPr>
-              <a:t>Ví dụ minh họa </a:t>
-            </a:r>
-            <a:endParaRPr lang="en-US" sz="5500" dirty="0">
-              <a:latin typeface="Times New Roman" panose="02020603050405020304" pitchFamily="18" charset="0"/>
-              <a:cs typeface="Times New Roman" panose="02020603050405020304" pitchFamily="18" charset="0"/>
-            </a:endParaRPr>
-          </a:p>
-        </p:txBody>
-      </p:sp>
-      <p:pic>
-        <p:nvPicPr>
-          <p:cNvPr id="3" name="Picture 2"/>
-          <p:cNvPicPr>
-            <a:picLocks noChangeAspect="1"/>
-          </p:cNvPicPr>
-          <p:nvPr/>
-        </p:nvPicPr>
-        <p:blipFill>
-          <a:blip r:embed="rId2"/>
-          <a:stretch>
-            <a:fillRect/>
-          </a:stretch>
-        </p:blipFill>
-        <p:spPr>
-          <a:xfrm>
-            <a:off x="255031" y="1423686"/>
-            <a:ext cx="11751774" cy="5341716"/>
-          </a:xfrm>
-          <a:prstGeom prst="rect">
-            <a:avLst/>
-          </a:prstGeom>
-        </p:spPr>
-      </p:pic>
-    </p:spTree>
-    <p:extLst>
-      <p:ext uri="{BB962C8B-B14F-4D97-AF65-F5344CB8AC3E}">
-        <p14:creationId xmlns:p14="http://schemas.microsoft.com/office/powerpoint/2010/main" val="3336102318"/>
-      </p:ext>
-    </p:extLst>
-  </p:cSld>
-  <p:clrMapOvr>
-    <a:masterClrMapping/>
-  </p:clrMapOvr>
-</p:sld>
-</file>
-
-<file path=ppt/slides/slide4.xml><?xml version="1.0" encoding="utf-8"?>
-<p:sld xmlns:a="http://schemas.openxmlformats.org/drawingml/2006/main" xmlns:r="http://schemas.openxmlformats.org/officeDocument/2006/relationships" xmlns:p="http://schemas.openxmlformats.org/presentationml/2006/main">
-  <p:cSld>
-    <p:spTree>
-      <p:nvGrpSpPr>
-        <p:cNvPr id="1" name=""/>
-        <p:cNvGrpSpPr/>
-        <p:nvPr/>
-      </p:nvGrpSpPr>
-      <p:grpSpPr>
-        <a:xfrm>
-          <a:off x="0" y="0"/>
-          <a:ext cx="0" cy="0"/>
-          <a:chOff x="0" y="0"/>
-          <a:chExt cx="0" cy="0"/>
-        </a:xfrm>
-      </p:grpSpPr>
-      <p:sp>
-        <p:nvSpPr>
-          <p:cNvPr id="4" name="TextBox 3"/>
-          <p:cNvSpPr txBox="1"/>
-          <p:nvPr/>
-        </p:nvSpPr>
-        <p:spPr>
-          <a:xfrm>
-            <a:off x="4040777" y="566057"/>
-            <a:ext cx="3727269" cy="1785104"/>
-          </a:xfrm>
-          <a:prstGeom prst="rect">
-            <a:avLst/>
-          </a:prstGeom>
-          <a:noFill/>
-        </p:spPr>
-        <p:txBody>
-          <a:bodyPr wrap="square" rtlCol="0">
-            <a:spAutoFit/>
-          </a:bodyPr>
-          <a:lstStyle/>
-          <a:p>
-            <a:r>
-              <a:rPr lang="vi-VN" sz="5500" dirty="0">
-                <a:latin typeface="Times New Roman" panose="02020603050405020304" pitchFamily="18" charset="0"/>
-                <a:cs typeface="Times New Roman" panose="02020603050405020304" pitchFamily="18" charset="0"/>
-              </a:rPr>
-              <a:t>Hàm là gì ?</a:t>
-            </a:r>
-          </a:p>
-          <a:p>
-            <a:endParaRPr lang="en-US" sz="5500" dirty="0"/>
-          </a:p>
-        </p:txBody>
-      </p:sp>
-      <p:sp>
-        <p:nvSpPr>
-          <p:cNvPr id="7" name="TextBox 6"/>
-          <p:cNvSpPr txBox="1"/>
-          <p:nvPr/>
-        </p:nvSpPr>
-        <p:spPr>
-          <a:xfrm>
-            <a:off x="1079862" y="2002971"/>
-            <a:ext cx="9562011" cy="2062103"/>
-          </a:xfrm>
-          <a:prstGeom prst="rect">
-            <a:avLst/>
-          </a:prstGeom>
-          <a:noFill/>
-        </p:spPr>
-        <p:txBody>
-          <a:bodyPr wrap="square" rtlCol="0">
-            <a:spAutoFit/>
-          </a:bodyPr>
-          <a:lstStyle/>
-          <a:p>
-            <a:r>
-              <a:rPr lang="vi-VN" sz="3200" dirty="0" smtClean="0"/>
-              <a:t>- Hàm là đoạn chương trình thực hiện trọn vẹn một công việc nhất định (cụ thể).</a:t>
-            </a:r>
-          </a:p>
-          <a:p>
-            <a:endParaRPr lang="vi-VN" sz="3200" dirty="0"/>
-          </a:p>
-          <a:p>
-            <a:r>
-              <a:rPr lang="vi-VN" sz="3200" dirty="0" smtClean="0"/>
-              <a:t> </a:t>
-            </a:r>
-            <a:endParaRPr lang="en-US" sz="3200" dirty="0"/>
-          </a:p>
-        </p:txBody>
-      </p:sp>
-    </p:spTree>
-    <p:extLst>
-      <p:ext uri="{BB962C8B-B14F-4D97-AF65-F5344CB8AC3E}">
-        <p14:creationId xmlns:p14="http://schemas.microsoft.com/office/powerpoint/2010/main" val="3588283502"/>
-      </p:ext>
-    </p:extLst>
-  </p:cSld>
-  <p:clrMapOvr>
-    <a:masterClrMapping/>
-  </p:clrMapOvr>
-  <p:timing>
-    <p:tnLst>
-      <p:par>
-        <p:cTn id="1" dur="indefinite" restart="never" nodeType="tmRoot"/>
-      </p:par>
-    </p:tnLst>
-  </p:timing>
-</p:sld>
-</file>
-
-<file path=ppt/slides/slide5.xml><?xml version="1.0" encoding="utf-8"?>
-<p:sld xmlns:a="http://schemas.openxmlformats.org/drawingml/2006/main" xmlns:r="http://schemas.openxmlformats.org/officeDocument/2006/relationships" xmlns:p="http://schemas.openxmlformats.org/presentationml/2006/main">
-  <p:cSld>
-    <p:spTree>
-      <p:nvGrpSpPr>
-        <p:cNvPr id="1" name=""/>
-        <p:cNvGrpSpPr/>
-        <p:nvPr/>
-      </p:nvGrpSpPr>
-      <p:grpSpPr>
-        <a:xfrm>
-          <a:off x="0" y="0"/>
-          <a:ext cx="0" cy="0"/>
-          <a:chOff x="0" y="0"/>
-          <a:chExt cx="0" cy="0"/>
-        </a:xfrm>
-      </p:grpSpPr>
-      <p:sp>
-        <p:nvSpPr>
-          <p:cNvPr id="4" name="TextBox 3"/>
-          <p:cNvSpPr txBox="1"/>
-          <p:nvPr/>
-        </p:nvSpPr>
-        <p:spPr>
-          <a:xfrm>
-            <a:off x="4040777" y="566057"/>
-            <a:ext cx="3727269" cy="1785104"/>
-          </a:xfrm>
-          <a:prstGeom prst="rect">
-            <a:avLst/>
-          </a:prstGeom>
-          <a:noFill/>
-        </p:spPr>
-        <p:txBody>
-          <a:bodyPr wrap="square" rtlCol="0">
-            <a:spAutoFit/>
-          </a:bodyPr>
-          <a:lstStyle/>
-          <a:p>
-            <a:r>
-              <a:rPr lang="vi-VN" sz="5500" dirty="0">
-                <a:latin typeface="Times New Roman" panose="02020603050405020304" pitchFamily="18" charset="0"/>
-                <a:cs typeface="Times New Roman" panose="02020603050405020304" pitchFamily="18" charset="0"/>
-              </a:rPr>
-              <a:t>Hàm là gì ?</a:t>
-            </a:r>
-          </a:p>
-          <a:p>
-            <a:endParaRPr lang="en-US" sz="5500" dirty="0"/>
-          </a:p>
-        </p:txBody>
-      </p:sp>
-      <p:sp>
-        <p:nvSpPr>
-          <p:cNvPr id="7" name="TextBox 6"/>
-          <p:cNvSpPr txBox="1"/>
-          <p:nvPr/>
-        </p:nvSpPr>
-        <p:spPr>
-          <a:xfrm>
-            <a:off x="1079862" y="2002971"/>
-            <a:ext cx="9562011" cy="3539430"/>
-          </a:xfrm>
-          <a:prstGeom prst="rect">
-            <a:avLst/>
-          </a:prstGeom>
-          <a:noFill/>
-        </p:spPr>
-        <p:txBody>
-          <a:bodyPr wrap="square" rtlCol="0">
-            <a:spAutoFit/>
-          </a:bodyPr>
-          <a:lstStyle/>
-          <a:p>
-            <a:r>
-              <a:rPr lang="vi-VN" sz="3200" dirty="0" smtClean="0"/>
-              <a:t>- Hàm là đoạn chương trình thực hiện trọn vẹn một công việc nhất định (cụ thể).</a:t>
-            </a:r>
-          </a:p>
-          <a:p>
-            <a:endParaRPr lang="vi-VN" sz="3200" dirty="0"/>
-          </a:p>
-          <a:p>
-            <a:r>
-              <a:rPr lang="vi-VN" sz="3200" dirty="0"/>
-              <a:t>- Ví dụ: chức năng cộng, trừ, nhân, chia. Chức năng tìm số lớn nhất, nhỏ nhất, hoặc đổi chổ hai phần tử...</a:t>
-            </a:r>
-          </a:p>
-          <a:p>
-            <a:endParaRPr lang="en-US" sz="3200" dirty="0"/>
-          </a:p>
-        </p:txBody>
-      </p:sp>
-    </p:spTree>
-    <p:extLst>
-      <p:ext uri="{BB962C8B-B14F-4D97-AF65-F5344CB8AC3E}">
-        <p14:creationId xmlns:p14="http://schemas.microsoft.com/office/powerpoint/2010/main" val="3920994399"/>
-      </p:ext>
-    </p:extLst>
-  </p:cSld>
-  <p:clrMapOvr>
-    <a:masterClrMapping/>
-  </p:clrMapOvr>
-  <p:timing>
-    <p:tnLst>
-      <p:par>
-        <p:cTn id="1" dur="indefinite" restart="never" nodeType="tmRoot"/>
-      </p:par>
-    </p:tnLst>
-  </p:timing>
-</p:sld>
-</file>
-
-<file path=ppt/slides/slide6.xml><?xml version="1.0" encoding="utf-8"?>
-<p:sld xmlns:a="http://schemas.openxmlformats.org/drawingml/2006/main" xmlns:r="http://schemas.openxmlformats.org/officeDocument/2006/relationships" xmlns:p="http://schemas.openxmlformats.org/presentationml/2006/main">
-  <p:cSld>
-    <p:spTree>
-      <p:nvGrpSpPr>
-        <p:cNvPr id="1" name=""/>
-        <p:cNvGrpSpPr/>
-        <p:nvPr/>
-      </p:nvGrpSpPr>
-      <p:grpSpPr>
-        <a:xfrm>
-          <a:off x="0" y="0"/>
-          <a:ext cx="0" cy="0"/>
-          <a:chOff x="0" y="0"/>
-          <a:chExt cx="0" cy="0"/>
-        </a:xfrm>
-      </p:grpSpPr>
-      <p:sp>
-        <p:nvSpPr>
-          <p:cNvPr id="2" name="TextBox 1"/>
-          <p:cNvSpPr txBox="1"/>
-          <p:nvPr/>
-        </p:nvSpPr>
-        <p:spPr>
-          <a:xfrm>
-            <a:off x="3857625" y="1609725"/>
-            <a:ext cx="3019425" cy="381000"/>
-          </a:xfrm>
-          <a:prstGeom prst="rect">
-            <a:avLst/>
-          </a:prstGeom>
-          <a:noFill/>
-        </p:spPr>
-        <p:txBody>
-          <a:bodyPr wrap="square" rtlCol="0">
-            <a:spAutoFit/>
-          </a:bodyPr>
-          <a:lstStyle/>
-          <a:p>
-            <a:endParaRPr lang="en-US" dirty="0"/>
-          </a:p>
-        </p:txBody>
-      </p:sp>
-      <p:sp>
-        <p:nvSpPr>
-          <p:cNvPr id="3" name="TextBox 2"/>
-          <p:cNvSpPr txBox="1"/>
-          <p:nvPr/>
-        </p:nvSpPr>
-        <p:spPr>
-          <a:xfrm>
-            <a:off x="2462349" y="344210"/>
-            <a:ext cx="8181975" cy="1938992"/>
-          </a:xfrm>
-          <a:prstGeom prst="rect">
-            <a:avLst/>
-          </a:prstGeom>
-          <a:noFill/>
-        </p:spPr>
-        <p:txBody>
-          <a:bodyPr wrap="square" rtlCol="0">
-            <a:spAutoFit/>
-          </a:bodyPr>
-          <a:lstStyle/>
-          <a:p>
-            <a:r>
-              <a:rPr lang="vi-VN" sz="6000" dirty="0" smtClean="0">
-                <a:latin typeface="+mj-lt"/>
-                <a:cs typeface="Times New Roman" panose="02020603050405020304" pitchFamily="18" charset="0"/>
-              </a:rPr>
-              <a:t>Hàm dùng để làm </a:t>
-            </a:r>
-            <a:r>
-              <a:rPr lang="vi-VN" sz="6000" dirty="0">
-                <a:latin typeface="+mj-lt"/>
-                <a:cs typeface="Times New Roman" panose="02020603050405020304" pitchFamily="18" charset="0"/>
-              </a:rPr>
-              <a:t>gì </a:t>
-            </a:r>
-            <a:r>
-              <a:rPr lang="vi-VN" sz="6000" dirty="0" smtClean="0">
-                <a:latin typeface="+mj-lt"/>
-                <a:cs typeface="Times New Roman" panose="02020603050405020304" pitchFamily="18" charset="0"/>
-              </a:rPr>
-              <a:t>?</a:t>
-            </a:r>
-            <a:endParaRPr lang="en-US" sz="6000" dirty="0">
-              <a:latin typeface="+mj-lt"/>
-            </a:endParaRPr>
-          </a:p>
-          <a:p>
-            <a:endParaRPr lang="en-US" sz="6000" dirty="0">
-              <a:latin typeface="+mj-lt"/>
-            </a:endParaRPr>
-          </a:p>
-        </p:txBody>
-      </p:sp>
-    </p:spTree>
-    <p:extLst>
-      <p:ext uri="{BB962C8B-B14F-4D97-AF65-F5344CB8AC3E}">
-        <p14:creationId xmlns:p14="http://schemas.microsoft.com/office/powerpoint/2010/main" val="177980713"/>
-      </p:ext>
-    </p:extLst>
-  </p:cSld>
-  <p:clrMapOvr>
-    <a:masterClrMapping/>
-  </p:clrMapOvr>
-  <p:timing>
-    <p:tnLst>
-      <p:par>
-        <p:cTn id="1" dur="indefinite" restart="never" nodeType="tmRoot"/>
-      </p:par>
-    </p:tnLst>
-  </p:timing>
-</p:sld>
-</file>
-
-<file path=ppt/slides/slide7.xml><?xml version="1.0" encoding="utf-8"?>
-<p:sld xmlns:a="http://schemas.openxmlformats.org/drawingml/2006/main" xmlns:r="http://schemas.openxmlformats.org/officeDocument/2006/relationships" xmlns:p="http://schemas.openxmlformats.org/presentationml/2006/main">
-  <p:cSld>
-    <p:spTree>
-      <p:nvGrpSpPr>
-        <p:cNvPr id="1" name=""/>
-        <p:cNvGrpSpPr/>
-        <p:nvPr/>
-      </p:nvGrpSpPr>
-      <p:grpSpPr>
-        <a:xfrm>
-          <a:off x="0" y="0"/>
-          <a:ext cx="0" cy="0"/>
-          <a:chOff x="0" y="0"/>
-          <a:chExt cx="0" cy="0"/>
-        </a:xfrm>
-      </p:grpSpPr>
-      <p:sp>
-        <p:nvSpPr>
-          <p:cNvPr id="2" name="TextBox 1"/>
-          <p:cNvSpPr txBox="1"/>
-          <p:nvPr/>
-        </p:nvSpPr>
-        <p:spPr>
-          <a:xfrm>
-            <a:off x="3857625" y="1609725"/>
-            <a:ext cx="3019425" cy="381000"/>
-          </a:xfrm>
-          <a:prstGeom prst="rect">
-            <a:avLst/>
-          </a:prstGeom>
-          <a:noFill/>
-        </p:spPr>
-        <p:txBody>
-          <a:bodyPr wrap="square" rtlCol="0">
-            <a:spAutoFit/>
-          </a:bodyPr>
-          <a:lstStyle/>
-          <a:p>
-            <a:endParaRPr lang="en-US" dirty="0"/>
-          </a:p>
-        </p:txBody>
-      </p:sp>
-      <p:sp>
-        <p:nvSpPr>
-          <p:cNvPr id="3" name="TextBox 2"/>
-          <p:cNvSpPr txBox="1"/>
-          <p:nvPr/>
-        </p:nvSpPr>
-        <p:spPr>
-          <a:xfrm>
-            <a:off x="2462349" y="344210"/>
-            <a:ext cx="8181975" cy="1938992"/>
-          </a:xfrm>
-          <a:prstGeom prst="rect">
-            <a:avLst/>
-          </a:prstGeom>
-          <a:noFill/>
-        </p:spPr>
-        <p:txBody>
-          <a:bodyPr wrap="square" rtlCol="0">
-            <a:spAutoFit/>
-          </a:bodyPr>
-          <a:lstStyle/>
-          <a:p>
-            <a:r>
-              <a:rPr lang="vi-VN" sz="6000" dirty="0" smtClean="0">
-                <a:latin typeface="+mj-lt"/>
-                <a:cs typeface="Times New Roman" panose="02020603050405020304" pitchFamily="18" charset="0"/>
-              </a:rPr>
-              <a:t>Hàm dùng để làm </a:t>
-            </a:r>
-            <a:r>
-              <a:rPr lang="vi-VN" sz="6000" dirty="0">
-                <a:latin typeface="+mj-lt"/>
-                <a:cs typeface="Times New Roman" panose="02020603050405020304" pitchFamily="18" charset="0"/>
-              </a:rPr>
-              <a:t>gì </a:t>
-            </a:r>
-            <a:r>
-              <a:rPr lang="vi-VN" sz="6000" dirty="0" smtClean="0">
-                <a:latin typeface="+mj-lt"/>
-                <a:cs typeface="Times New Roman" panose="02020603050405020304" pitchFamily="18" charset="0"/>
-              </a:rPr>
-              <a:t>?</a:t>
-            </a:r>
-            <a:endParaRPr lang="en-US" sz="6000" dirty="0">
-              <a:latin typeface="+mj-lt"/>
-            </a:endParaRPr>
-          </a:p>
-          <a:p>
-            <a:endParaRPr lang="en-US" sz="6000" dirty="0">
-              <a:latin typeface="+mj-lt"/>
-            </a:endParaRPr>
-          </a:p>
-        </p:txBody>
-      </p:sp>
-      <p:sp>
-        <p:nvSpPr>
-          <p:cNvPr id="6" name="TextBox 5"/>
-          <p:cNvSpPr txBox="1"/>
-          <p:nvPr/>
-        </p:nvSpPr>
-        <p:spPr>
-          <a:xfrm>
-            <a:off x="1097280" y="2082905"/>
-            <a:ext cx="10249989" cy="1077218"/>
-          </a:xfrm>
-          <a:prstGeom prst="rect">
-            <a:avLst/>
-          </a:prstGeom>
-          <a:noFill/>
-        </p:spPr>
-        <p:txBody>
-          <a:bodyPr wrap="square" rtlCol="0">
-            <a:spAutoFit/>
-          </a:bodyPr>
-          <a:lstStyle/>
-          <a:p>
-            <a:r>
-              <a:rPr lang="vi-VN" sz="3200" dirty="0" smtClean="0">
-                <a:latin typeface="Times New Roman" panose="02020603050405020304" pitchFamily="18" charset="0"/>
-                <a:cs typeface="Times New Roman" panose="02020603050405020304" pitchFamily="18" charset="0"/>
-              </a:rPr>
-              <a:t>- 	Hàm giúp tách một chương trinh ra thành các đoạn code 	nhỏ có chức năng cụ thể, hoàn chỉnh.</a:t>
-            </a:r>
-            <a:endParaRPr lang="en-US" sz="3200" dirty="0">
-              <a:latin typeface="Times New Roman" panose="02020603050405020304" pitchFamily="18" charset="0"/>
-              <a:cs typeface="Times New Roman" panose="02020603050405020304" pitchFamily="18" charset="0"/>
-            </a:endParaRPr>
-          </a:p>
-        </p:txBody>
-      </p:sp>
-    </p:spTree>
-    <p:extLst>
-      <p:ext uri="{BB962C8B-B14F-4D97-AF65-F5344CB8AC3E}">
-        <p14:creationId xmlns:p14="http://schemas.microsoft.com/office/powerpoint/2010/main" val="950309313"/>
-      </p:ext>
-    </p:extLst>
-  </p:cSld>
-  <p:clrMapOvr>
-    <a:masterClrMapping/>
-  </p:clrMapOvr>
-  <p:timing>
-    <p:tnLst>
-      <p:par>
-        <p:cTn id="1" dur="indefinite" restart="never" nodeType="tmRoot"/>
-      </p:par>
-    </p:tnLst>
-  </p:timing>
-</p:sld>
-</file>
-
-<file path=ppt/slides/slide8.xml><?xml version="1.0" encoding="utf-8"?>
-<p:sld xmlns:a="http://schemas.openxmlformats.org/drawingml/2006/main" xmlns:r="http://schemas.openxmlformats.org/officeDocument/2006/relationships" xmlns:p="http://schemas.openxmlformats.org/presentationml/2006/main">
-  <p:cSld>
-    <p:spTree>
-      <p:nvGrpSpPr>
-        <p:cNvPr id="1" name=""/>
-        <p:cNvGrpSpPr/>
-        <p:nvPr/>
-      </p:nvGrpSpPr>
-      <p:grpSpPr>
-        <a:xfrm>
-          <a:off x="0" y="0"/>
-          <a:ext cx="0" cy="0"/>
-          <a:chOff x="0" y="0"/>
-          <a:chExt cx="0" cy="0"/>
-        </a:xfrm>
-      </p:grpSpPr>
-      <p:sp>
-        <p:nvSpPr>
-          <p:cNvPr id="2" name="TextBox 1"/>
-          <p:cNvSpPr txBox="1"/>
-          <p:nvPr/>
-        </p:nvSpPr>
-        <p:spPr>
-          <a:xfrm>
-            <a:off x="3857625" y="1609725"/>
-            <a:ext cx="3019425" cy="381000"/>
-          </a:xfrm>
-          <a:prstGeom prst="rect">
-            <a:avLst/>
-          </a:prstGeom>
-          <a:noFill/>
-        </p:spPr>
-        <p:txBody>
-          <a:bodyPr wrap="square" rtlCol="0">
-            <a:spAutoFit/>
-          </a:bodyPr>
-          <a:lstStyle/>
-          <a:p>
-            <a:endParaRPr lang="en-US" dirty="0"/>
-          </a:p>
-        </p:txBody>
-      </p:sp>
-      <p:sp>
-        <p:nvSpPr>
-          <p:cNvPr id="3" name="TextBox 2"/>
-          <p:cNvSpPr txBox="1"/>
-          <p:nvPr/>
-        </p:nvSpPr>
-        <p:spPr>
-          <a:xfrm>
-            <a:off x="2462349" y="344210"/>
-            <a:ext cx="8181975" cy="1938992"/>
-          </a:xfrm>
-          <a:prstGeom prst="rect">
-            <a:avLst/>
-          </a:prstGeom>
-          <a:noFill/>
-        </p:spPr>
-        <p:txBody>
-          <a:bodyPr wrap="square" rtlCol="0">
-            <a:spAutoFit/>
-          </a:bodyPr>
-          <a:lstStyle/>
-          <a:p>
-            <a:r>
-              <a:rPr lang="vi-VN" sz="6000" dirty="0" smtClean="0">
-                <a:latin typeface="+mj-lt"/>
-                <a:cs typeface="Times New Roman" panose="02020603050405020304" pitchFamily="18" charset="0"/>
-              </a:rPr>
-              <a:t>Hàm dùng để làm </a:t>
-            </a:r>
-            <a:r>
-              <a:rPr lang="vi-VN" sz="6000" dirty="0">
-                <a:latin typeface="+mj-lt"/>
-                <a:cs typeface="Times New Roman" panose="02020603050405020304" pitchFamily="18" charset="0"/>
-              </a:rPr>
-              <a:t>gì </a:t>
-            </a:r>
-            <a:r>
-              <a:rPr lang="vi-VN" sz="6000" dirty="0" smtClean="0">
-                <a:latin typeface="+mj-lt"/>
-                <a:cs typeface="Times New Roman" panose="02020603050405020304" pitchFamily="18" charset="0"/>
-              </a:rPr>
-              <a:t>?</a:t>
-            </a:r>
-            <a:endParaRPr lang="en-US" sz="6000" dirty="0">
-              <a:latin typeface="+mj-lt"/>
-            </a:endParaRPr>
-          </a:p>
-          <a:p>
-            <a:endParaRPr lang="en-US" sz="6000" dirty="0">
-              <a:latin typeface="+mj-lt"/>
-            </a:endParaRPr>
-          </a:p>
-        </p:txBody>
-      </p:sp>
-      <p:sp>
-        <p:nvSpPr>
-          <p:cNvPr id="6" name="TextBox 5"/>
-          <p:cNvSpPr txBox="1"/>
-          <p:nvPr/>
-        </p:nvSpPr>
-        <p:spPr>
-          <a:xfrm>
-            <a:off x="1097280" y="2082905"/>
-            <a:ext cx="10249989" cy="2554545"/>
-          </a:xfrm>
-          <a:prstGeom prst="rect">
-            <a:avLst/>
-          </a:prstGeom>
-          <a:noFill/>
-        </p:spPr>
-        <p:txBody>
-          <a:bodyPr wrap="square" rtlCol="0">
-            <a:spAutoFit/>
-          </a:bodyPr>
-          <a:lstStyle/>
-          <a:p>
-            <a:pPr marL="457200" indent="-457200">
-              <a:buFontTx/>
-              <a:buChar char="-"/>
-            </a:pPr>
-            <a:r>
-              <a:rPr lang="vi-VN" sz="3200" dirty="0" smtClean="0">
-                <a:latin typeface="Times New Roman" panose="02020603050405020304" pitchFamily="18" charset="0"/>
-                <a:cs typeface="Times New Roman" panose="02020603050405020304" pitchFamily="18" charset="0"/>
-              </a:rPr>
-              <a:t>Hàm giúp tách một chương trinh ra thành các đoạn code nhỏ có chức năng cụ thể, hoàn chỉnh.</a:t>
-            </a:r>
-          </a:p>
-          <a:p>
-            <a:pPr marL="457200" indent="-457200">
-              <a:buFontTx/>
-              <a:buChar char="-"/>
-            </a:pPr>
-            <a:endParaRPr lang="vi-VN" sz="3200" dirty="0" smtClean="0">
-              <a:latin typeface="Times New Roman" panose="02020603050405020304" pitchFamily="18" charset="0"/>
-              <a:cs typeface="Times New Roman" panose="02020603050405020304" pitchFamily="18" charset="0"/>
-            </a:endParaRPr>
-          </a:p>
-          <a:p>
-            <a:pPr marL="457200" indent="-457200">
-              <a:buFontTx/>
-              <a:buChar char="-"/>
-            </a:pPr>
-            <a:r>
-              <a:rPr lang="vi-VN" sz="3200" dirty="0" smtClean="0">
-                <a:latin typeface="Times New Roman" panose="02020603050405020304" pitchFamily="18" charset="0"/>
-                <a:cs typeface="Times New Roman" panose="02020603050405020304" pitchFamily="18" charset="0"/>
-              </a:rPr>
-              <a:t>Dễ quản lý chương trinh.</a:t>
-            </a:r>
-          </a:p>
-          <a:p>
-            <a:pPr marL="457200" indent="-457200">
-              <a:buFontTx/>
-              <a:buChar char="-"/>
-            </a:pPr>
-            <a:endParaRPr lang="vi-VN" sz="3200" dirty="0" smtClean="0">
-              <a:latin typeface="Times New Roman" panose="02020603050405020304" pitchFamily="18" charset="0"/>
-              <a:cs typeface="Times New Roman" panose="02020603050405020304" pitchFamily="18" charset="0"/>
-            </a:endParaRPr>
-          </a:p>
-        </p:txBody>
-      </p:sp>
-    </p:spTree>
-    <p:extLst>
-      <p:ext uri="{BB962C8B-B14F-4D97-AF65-F5344CB8AC3E}">
-        <p14:creationId xmlns:p14="http://schemas.microsoft.com/office/powerpoint/2010/main" val="1082845468"/>
-      </p:ext>
-    </p:extLst>
-  </p:cSld>
-  <p:clrMapOvr>
-    <a:masterClrMapping/>
-  </p:clrMapOvr>
-  <p:timing>
-    <p:tnLst>
-      <p:par>
-        <p:cTn id="1" dur="indefinite" restart="never" nodeType="tmRoot"/>
+        <p:cTn id="1" dur="indefinite" restart="never" nodeType="tmRoot">
+          <p:childTnLst>
+            <p:seq concurrent="1" nextAc="seek">
+              <p:cTn id="2" dur="indefinite" nodeType="mainSeq">
+                <p:childTnLst>
+                  <p:par>
+                    <p:cTn id="3" fill="hold">
+                      <p:stCondLst>
+                        <p:cond delay="indefinite"/>
+                      </p:stCondLst>
+                      <p:childTnLst>
+                        <p:par>
+                          <p:cTn id="4" fill="hold">
+                            <p:stCondLst>
+                              <p:cond delay="0"/>
+                            </p:stCondLst>
+                            <p:childTnLst>
+                              <p:par>
+                                <p:cTn id="5" presetID="10" presetClass="entr" presetSubtype="0" fill="hold" nodeType="clickEffect">
+                                  <p:stCondLst>
+                                    <p:cond delay="0"/>
+                                  </p:stCondLst>
+                                  <p:childTnLst>
+                                    <p:set>
+                                      <p:cBhvr>
+                                        <p:cTn id="6" dur="1" fill="hold">
+                                          <p:stCondLst>
+                                            <p:cond delay="0"/>
+                                          </p:stCondLst>
+                                        </p:cTn>
+                                        <p:tgtEl>
+                                          <p:spTgt spid="3">
+                                            <p:txEl>
+                                              <p:pRg st="0" end="0"/>
+                                            </p:txEl>
+                                          </p:spTgt>
+                                        </p:tgtEl>
+                                        <p:attrNameLst>
+                                          <p:attrName>style.visibility</p:attrName>
+                                        </p:attrNameLst>
+                                      </p:cBhvr>
+                                      <p:to>
+                                        <p:strVal val="visible"/>
+                                      </p:to>
+                                    </p:set>
+                                    <p:animEffect transition="in" filter="fade">
+                                      <p:cBhvr>
+                                        <p:cTn id="7" dur="500"/>
+                                        <p:tgtEl>
+                                          <p:spTgt spid="3">
+                                            <p:txEl>
+                                              <p:pRg st="0" end="0"/>
+                                            </p:txEl>
+                                          </p:spTgt>
+                                        </p:tgtEl>
+                                      </p:cBhvr>
+                                    </p:animEffect>
+                                  </p:childTnLst>
+                                </p:cTn>
+                              </p:par>
+                            </p:childTnLst>
+                          </p:cTn>
+                        </p:par>
+                      </p:childTnLst>
+                    </p:cTn>
+                  </p:par>
+                  <p:par>
+                    <p:cTn id="8" fill="hold">
+                      <p:stCondLst>
+                        <p:cond delay="indefinite"/>
+                      </p:stCondLst>
+                      <p:childTnLst>
+                        <p:par>
+                          <p:cTn id="9" fill="hold">
+                            <p:stCondLst>
+                              <p:cond delay="0"/>
+                            </p:stCondLst>
+                            <p:childTnLst>
+                              <p:par>
+                                <p:cTn id="10" presetID="2" presetClass="entr" presetSubtype="4" fill="hold" nodeType="clickEffect">
+                                  <p:stCondLst>
+                                    <p:cond delay="0"/>
+                                  </p:stCondLst>
+                                  <p:childTnLst>
+                                    <p:set>
+                                      <p:cBhvr>
+                                        <p:cTn id="11" dur="1" fill="hold">
+                                          <p:stCondLst>
+                                            <p:cond delay="0"/>
+                                          </p:stCondLst>
+                                        </p:cTn>
+                                        <p:tgtEl>
+                                          <p:spTgt spid="3">
+                                            <p:txEl>
+                                              <p:pRg st="1" end="1"/>
+                                            </p:txEl>
+                                          </p:spTgt>
+                                        </p:tgtEl>
+                                        <p:attrNameLst>
+                                          <p:attrName>style.visibility</p:attrName>
+                                        </p:attrNameLst>
+                                      </p:cBhvr>
+                                      <p:to>
+                                        <p:strVal val="visible"/>
+                                      </p:to>
+                                    </p:set>
+                                    <p:anim calcmode="lin" valueType="num">
+                                      <p:cBhvr additive="base">
+                                        <p:cTn id="12" dur="500" fill="hold"/>
+                                        <p:tgtEl>
+                                          <p:spTgt spid="3">
+                                            <p:txEl>
+                                              <p:pRg st="1" end="1"/>
+                                            </p:txEl>
+                                          </p:spTgt>
+                                        </p:tgtEl>
+                                        <p:attrNameLst>
+                                          <p:attrName>ppt_x</p:attrName>
+                                        </p:attrNameLst>
+                                      </p:cBhvr>
+                                      <p:tavLst>
+                                        <p:tav tm="0">
+                                          <p:val>
+                                            <p:strVal val="#ppt_x"/>
+                                          </p:val>
+                                        </p:tav>
+                                        <p:tav tm="100000">
+                                          <p:val>
+                                            <p:strVal val="#ppt_x"/>
+                                          </p:val>
+                                        </p:tav>
+                                      </p:tavLst>
+                                    </p:anim>
+                                    <p:anim calcmode="lin" valueType="num">
+                                      <p:cBhvr additive="base">
+                                        <p:cTn id="13" dur="500" fill="hold"/>
+                                        <p:tgtEl>
+                                          <p:spTgt spid="3">
+                                            <p:txEl>
+                                              <p:pRg st="1" end="1"/>
+                                            </p:txEl>
+                                          </p:spTgt>
+                                        </p:tgtEl>
+                                        <p:attrNameLst>
+                                          <p:attrName>ppt_y</p:attrName>
+                                        </p:attrNameLst>
+                                      </p:cBhvr>
+                                      <p:tavLst>
+                                        <p:tav tm="0">
+                                          <p:val>
+                                            <p:strVal val="1+#ppt_h/2"/>
+                                          </p:val>
+                                        </p:tav>
+                                        <p:tav tm="100000">
+                                          <p:val>
+                                            <p:strVal val="#ppt_y"/>
+                                          </p:val>
+                                        </p:tav>
+                                      </p:tavLst>
+                                    </p:anim>
+                                  </p:childTnLst>
+                                </p:cTn>
+                              </p:par>
+                            </p:childTnLst>
+                          </p:cTn>
+                        </p:par>
+                      </p:childTnLst>
+                    </p:cTn>
+                  </p:par>
+                  <p:par>
+                    <p:cTn id="14" fill="hold">
+                      <p:stCondLst>
+                        <p:cond delay="indefinite"/>
+                      </p:stCondLst>
+                      <p:childTnLst>
+                        <p:par>
+                          <p:cTn id="15" fill="hold">
+                            <p:stCondLst>
+                              <p:cond delay="0"/>
+                            </p:stCondLst>
+                            <p:childTnLst>
+                              <p:par>
+                                <p:cTn id="16" presetID="21" presetClass="entr" presetSubtype="1" fill="hold" nodeType="clickEffect">
+                                  <p:stCondLst>
+                                    <p:cond delay="0"/>
+                                  </p:stCondLst>
+                                  <p:childTnLst>
+                                    <p:set>
+                                      <p:cBhvr>
+                                        <p:cTn id="17" dur="1" fill="hold">
+                                          <p:stCondLst>
+                                            <p:cond delay="0"/>
+                                          </p:stCondLst>
+                                        </p:cTn>
+                                        <p:tgtEl>
+                                          <p:spTgt spid="4"/>
+                                        </p:tgtEl>
+                                        <p:attrNameLst>
+                                          <p:attrName>style.visibility</p:attrName>
+                                        </p:attrNameLst>
+                                      </p:cBhvr>
+                                      <p:to>
+                                        <p:strVal val="visible"/>
+                                      </p:to>
+                                    </p:set>
+                                    <p:animEffect transition="in" filter="wheel(1)">
+                                      <p:cBhvr>
+                                        <p:cTn id="18" dur="2000"/>
+                                        <p:tgtEl>
+                                          <p:spTgt spid="4"/>
+                                        </p:tgtEl>
+                                      </p:cBhvr>
+                                    </p:animEffect>
+                                  </p:childTnLst>
+                                </p:cTn>
+                              </p:par>
+                            </p:childTnLst>
+                          </p:cTn>
+                        </p:par>
+                      </p:childTnLst>
+                    </p:cTn>
+                  </p:par>
+                  <p:par>
+                    <p:cTn id="19" fill="hold">
+                      <p:stCondLst>
+                        <p:cond delay="indefinite"/>
+                      </p:stCondLst>
+                      <p:childTnLst>
+                        <p:par>
+                          <p:cTn id="20" fill="hold">
+                            <p:stCondLst>
+                              <p:cond delay="0"/>
+                            </p:stCondLst>
+                            <p:childTnLst>
+                              <p:par>
+                                <p:cTn id="21" presetID="2" presetClass="entr" presetSubtype="4" fill="hold" nodeType="clickEffect">
+                                  <p:stCondLst>
+                                    <p:cond delay="0"/>
+                                  </p:stCondLst>
+                                  <p:childTnLst>
+                                    <p:set>
+                                      <p:cBhvr>
+                                        <p:cTn id="22" dur="1" fill="hold">
+                                          <p:stCondLst>
+                                            <p:cond delay="0"/>
+                                          </p:stCondLst>
+                                        </p:cTn>
+                                        <p:tgtEl>
+                                          <p:spTgt spid="3">
+                                            <p:txEl>
+                                              <p:pRg st="6" end="6"/>
+                                            </p:txEl>
+                                          </p:spTgt>
+                                        </p:tgtEl>
+                                        <p:attrNameLst>
+                                          <p:attrName>style.visibility</p:attrName>
+                                        </p:attrNameLst>
+                                      </p:cBhvr>
+                                      <p:to>
+                                        <p:strVal val="visible"/>
+                                      </p:to>
+                                    </p:set>
+                                    <p:anim calcmode="lin" valueType="num">
+                                      <p:cBhvr additive="base">
+                                        <p:cTn id="23" dur="500" fill="hold"/>
+                                        <p:tgtEl>
+                                          <p:spTgt spid="3">
+                                            <p:txEl>
+                                              <p:pRg st="6" end="6"/>
+                                            </p:txEl>
+                                          </p:spTgt>
+                                        </p:tgtEl>
+                                        <p:attrNameLst>
+                                          <p:attrName>ppt_x</p:attrName>
+                                        </p:attrNameLst>
+                                      </p:cBhvr>
+                                      <p:tavLst>
+                                        <p:tav tm="0">
+                                          <p:val>
+                                            <p:strVal val="#ppt_x"/>
+                                          </p:val>
+                                        </p:tav>
+                                        <p:tav tm="100000">
+                                          <p:val>
+                                            <p:strVal val="#ppt_x"/>
+                                          </p:val>
+                                        </p:tav>
+                                      </p:tavLst>
+                                    </p:anim>
+                                    <p:anim calcmode="lin" valueType="num">
+                                      <p:cBhvr additive="base">
+                                        <p:cTn id="24" dur="500" fill="hold"/>
+                                        <p:tgtEl>
+                                          <p:spTgt spid="3">
+                                            <p:txEl>
+                                              <p:pRg st="6" end="6"/>
+                                            </p:txEl>
+                                          </p:spTgt>
+                                        </p:tgtEl>
+                                        <p:attrNameLst>
+                                          <p:attrName>ppt_y</p:attrName>
+                                        </p:attrNameLst>
+                                      </p:cBhvr>
+                                      <p:tavLst>
+                                        <p:tav tm="0">
+                                          <p:val>
+                                            <p:strVal val="1+#ppt_h/2"/>
+                                          </p:val>
+                                        </p:tav>
+                                        <p:tav tm="100000">
+                                          <p:val>
+                                            <p:strVal val="#ppt_y"/>
+                                          </p:val>
+                                        </p:tav>
+                                      </p:tavLst>
+                                    </p:anim>
+                                  </p:childTnLst>
+                                </p:cTn>
+                              </p:par>
+                            </p:childTnLst>
+                          </p:cTn>
+                        </p:par>
+                      </p:childTnLst>
+                    </p:cTn>
+                  </p:par>
+                  <p:par>
+                    <p:cTn id="25" fill="hold">
+                      <p:stCondLst>
+                        <p:cond delay="indefinite"/>
+                      </p:stCondLst>
+                      <p:childTnLst>
+                        <p:par>
+                          <p:cTn id="26" fill="hold">
+                            <p:stCondLst>
+                              <p:cond delay="0"/>
+                            </p:stCondLst>
+                            <p:childTnLst>
+                              <p:par>
+                                <p:cTn id="27" presetID="21" presetClass="entr" presetSubtype="1" fill="hold" nodeType="clickEffect">
+                                  <p:stCondLst>
+                                    <p:cond delay="0"/>
+                                  </p:stCondLst>
+                                  <p:childTnLst>
+                                    <p:set>
+                                      <p:cBhvr>
+                                        <p:cTn id="28" dur="1" fill="hold">
+                                          <p:stCondLst>
+                                            <p:cond delay="0"/>
+                                          </p:stCondLst>
+                                        </p:cTn>
+                                        <p:tgtEl>
+                                          <p:spTgt spid="5"/>
+                                        </p:tgtEl>
+                                        <p:attrNameLst>
+                                          <p:attrName>style.visibility</p:attrName>
+                                        </p:attrNameLst>
+                                      </p:cBhvr>
+                                      <p:to>
+                                        <p:strVal val="visible"/>
+                                      </p:to>
+                                    </p:set>
+                                    <p:animEffect transition="in" filter="wheel(1)">
+                                      <p:cBhvr>
+                                        <p:cTn id="29" dur="2000"/>
+                                        <p:tgtEl>
+                                          <p:spTgt spid="5"/>
+                                        </p:tgtEl>
+                                      </p:cBhvr>
+                                    </p:animEffect>
+                                  </p:childTnLst>
+                                </p:cTn>
+                              </p:par>
+                            </p:childTnLst>
+                          </p:cTn>
+                        </p:par>
+                      </p:childTnLst>
+                    </p:cTn>
+                  </p:par>
+                </p:childTnLst>
+              </p:cTn>
+              <p:prevCondLst>
+                <p:cond evt="onPrev" delay="0">
+                  <p:tgtEl>
+                    <p:sldTgt/>
+                  </p:tgtEl>
+                </p:cond>
+              </p:prevCondLst>
+              <p:nextCondLst>
+                <p:cond evt="onNext" delay="0">
+                  <p:tgtEl>
+                    <p:sldTgt/>
+                  </p:tgtEl>
+                </p:cond>
+              </p:nextCondLst>
+            </p:seq>
+          </p:childTnLst>
+        </p:cTn>
       </p:par>
     </p:tnLst>
   </p:timing>
@@ -11045,8 +11579,8 @@
         </p:nvSpPr>
         <p:spPr>
           <a:xfrm>
-            <a:off x="3857625" y="1609725"/>
-            <a:ext cx="3019425" cy="381000"/>
+            <a:off x="1907177" y="191589"/>
+            <a:ext cx="10485120" cy="1862048"/>
           </a:xfrm>
           <a:prstGeom prst="rect">
             <a:avLst/>
@@ -11059,7 +11593,19 @@
           </a:bodyPr>
           <a:lstStyle/>
           <a:p>
-            <a:endParaRPr lang="en-US" dirty="0"/>
+            <a:r>
+              <a:rPr lang="vi-VN" sz="6000" dirty="0">
+                <a:latin typeface="Times New Roman" panose="02020603050405020304" pitchFamily="18" charset="0"/>
+                <a:cs typeface="Times New Roman" panose="02020603050405020304" pitchFamily="18" charset="0"/>
+              </a:rPr>
+              <a:t>Làm sao để sử dụng được ?</a:t>
+            </a:r>
+          </a:p>
+          <a:p>
+            <a:endParaRPr lang="en-US" sz="5500" dirty="0">
+              <a:latin typeface="Times New Roman" panose="02020603050405020304" pitchFamily="18" charset="0"/>
+              <a:cs typeface="Times New Roman" panose="02020603050405020304" pitchFamily="18" charset="0"/>
+            </a:endParaRPr>
           </a:p>
         </p:txBody>
       </p:sp>
@@ -11071,8 +11617,8 @@
         </p:nvSpPr>
         <p:spPr>
           <a:xfrm>
-            <a:off x="2462349" y="344210"/>
-            <a:ext cx="8181975" cy="1938992"/>
+            <a:off x="1132115" y="1761249"/>
+            <a:ext cx="6017622" cy="584775"/>
           </a:xfrm>
           <a:prstGeom prst="rect">
             <a:avLst/>
@@ -11086,159 +11632,40 @@
           <a:lstStyle/>
           <a:p>
             <a:r>
-              <a:rPr lang="vi-VN" sz="6000" dirty="0" smtClean="0">
+              <a:rPr lang="vi-VN" sz="3200" dirty="0" smtClean="0">
                 <a:latin typeface="+mj-lt"/>
-                <a:cs typeface="Times New Roman" panose="02020603050405020304" pitchFamily="18" charset="0"/>
               </a:rPr>
-              <a:t>Hàm dùng để làm </a:t>
-            </a:r>
-            <a:r>
-              <a:rPr lang="vi-VN" sz="6000" dirty="0">
-                <a:latin typeface="+mj-lt"/>
-                <a:cs typeface="Times New Roman" panose="02020603050405020304" pitchFamily="18" charset="0"/>
+              <a:t>-	</a:t>
+            </a:r>
+            <a:r>
+              <a:rPr lang="vi-VN" sz="3200" dirty="0" smtClean="0">
+                <a:solidFill>
+                  <a:srgbClr val="FFFF00"/>
+                </a:solidFill>
               </a:rPr>
-              <a:t>gì </a:t>
-            </a:r>
-            <a:r>
-              <a:rPr lang="vi-VN" sz="6000" dirty="0" smtClean="0">
-                <a:latin typeface="+mj-lt"/>
-                <a:cs typeface="Times New Roman" panose="02020603050405020304" pitchFamily="18" charset="0"/>
-              </a:rPr>
-              <a:t>?</a:t>
-            </a:r>
-            <a:endParaRPr lang="en-US" sz="6000" dirty="0">
-              <a:latin typeface="+mj-lt"/>
-            </a:endParaRPr>
-          </a:p>
-          <a:p>
-            <a:endParaRPr lang="en-US" sz="6000" dirty="0">
-              <a:latin typeface="+mj-lt"/>
-            </a:endParaRPr>
-          </a:p>
-        </p:txBody>
-      </p:sp>
-      <p:sp>
-        <p:nvSpPr>
-          <p:cNvPr id="6" name="TextBox 5"/>
-          <p:cNvSpPr txBox="1"/>
-          <p:nvPr/>
-        </p:nvSpPr>
-        <p:spPr>
-          <a:xfrm>
-            <a:off x="1097280" y="2082905"/>
-            <a:ext cx="10249989" cy="4524315"/>
-          </a:xfrm>
-          <a:prstGeom prst="rect">
-            <a:avLst/>
-          </a:prstGeom>
-          <a:noFill/>
-        </p:spPr>
-        <p:txBody>
-          <a:bodyPr wrap="square" rtlCol="0">
-            <a:spAutoFit/>
-          </a:bodyPr>
-          <a:lstStyle/>
-          <a:p>
-            <a:pPr marL="457200" indent="-457200">
-              <a:buFontTx/>
-              <a:buChar char="-"/>
-            </a:pPr>
-            <a:r>
-              <a:rPr lang="vi-VN" sz="3200" dirty="0" smtClean="0">
-                <a:latin typeface="Times New Roman" panose="02020603050405020304" pitchFamily="18" charset="0"/>
-                <a:cs typeface="Times New Roman" panose="02020603050405020304" pitchFamily="18" charset="0"/>
-              </a:rPr>
-              <a:t>Hàm giúp tách một chương trinh ra thành các đoạn code nhỏ có chức năng cụ thể, hoàn chỉnh.</a:t>
-            </a:r>
-          </a:p>
-          <a:p>
-            <a:pPr marL="457200" indent="-457200">
-              <a:buFontTx/>
-              <a:buChar char="-"/>
-            </a:pPr>
-            <a:endParaRPr lang="vi-VN" sz="3200" dirty="0" smtClean="0">
-              <a:latin typeface="Times New Roman" panose="02020603050405020304" pitchFamily="18" charset="0"/>
-              <a:cs typeface="Times New Roman" panose="02020603050405020304" pitchFamily="18" charset="0"/>
-            </a:endParaRPr>
-          </a:p>
-          <a:p>
-            <a:pPr marL="457200" indent="-457200">
-              <a:buFontTx/>
-              <a:buChar char="-"/>
-            </a:pPr>
-            <a:r>
-              <a:rPr lang="vi-VN" sz="3200" dirty="0" smtClean="0">
-                <a:latin typeface="Times New Roman" panose="02020603050405020304" pitchFamily="18" charset="0"/>
-                <a:cs typeface="Times New Roman" panose="02020603050405020304" pitchFamily="18" charset="0"/>
-              </a:rPr>
-              <a:t>Dễ quản lý chương trinh.</a:t>
-            </a:r>
-          </a:p>
-          <a:p>
-            <a:pPr marL="457200" indent="-457200">
-              <a:buFontTx/>
-              <a:buChar char="-"/>
-            </a:pPr>
-            <a:endParaRPr lang="vi-VN" sz="3200" dirty="0" smtClean="0">
-              <a:latin typeface="Times New Roman" panose="02020603050405020304" pitchFamily="18" charset="0"/>
-              <a:cs typeface="Times New Roman" panose="02020603050405020304" pitchFamily="18" charset="0"/>
-            </a:endParaRPr>
-          </a:p>
-          <a:p>
-            <a:pPr marL="457200" indent="-457200">
-              <a:buFontTx/>
-              <a:buChar char="-"/>
-            </a:pPr>
-            <a:r>
-              <a:rPr lang="vi-VN" sz="3200" dirty="0">
-                <a:latin typeface="Times New Roman" panose="02020603050405020304" pitchFamily="18" charset="0"/>
-                <a:cs typeface="Times New Roman" panose="02020603050405020304" pitchFamily="18" charset="0"/>
-              </a:rPr>
-              <a:t>Rõ ràng, tường minh từng chức năng.</a:t>
-            </a:r>
-          </a:p>
-          <a:p>
-            <a:pPr marL="457200" indent="-457200">
-              <a:buFontTx/>
-              <a:buChar char="-"/>
-            </a:pPr>
-            <a:endParaRPr lang="vi-VN" sz="3200" dirty="0">
-              <a:latin typeface="Times New Roman" panose="02020603050405020304" pitchFamily="18" charset="0"/>
-              <a:cs typeface="Times New Roman" panose="02020603050405020304" pitchFamily="18" charset="0"/>
-            </a:endParaRPr>
-          </a:p>
-          <a:p>
-            <a:pPr marL="457200" indent="-457200">
-              <a:buFontTx/>
-              <a:buChar char="-"/>
-            </a:pPr>
-            <a:endParaRPr lang="vi-VN" sz="3200" dirty="0" smtClean="0">
-              <a:latin typeface="Times New Roman" panose="02020603050405020304" pitchFamily="18" charset="0"/>
-              <a:cs typeface="Times New Roman" panose="02020603050405020304" pitchFamily="18" charset="0"/>
-            </a:endParaRPr>
-          </a:p>
-          <a:p>
-            <a:pPr marL="457200" indent="-457200">
-              <a:buFontTx/>
-              <a:buChar char="-"/>
-            </a:pPr>
-            <a:endParaRPr lang="vi-VN" sz="3200" dirty="0" smtClean="0">
-              <a:latin typeface="Times New Roman" panose="02020603050405020304" pitchFamily="18" charset="0"/>
-              <a:cs typeface="Times New Roman" panose="02020603050405020304" pitchFamily="18" charset="0"/>
-            </a:endParaRPr>
+              <a:t>Lời gọi hàm </a:t>
+            </a:r>
+            <a:r>
+              <a:rPr lang="vi-VN" sz="2400" dirty="0" smtClean="0"/>
+              <a:t>(call Funstion)</a:t>
+            </a:r>
+            <a:endParaRPr lang="en-US" sz="2400" dirty="0"/>
           </a:p>
         </p:txBody>
       </p:sp>
     </p:spTree>
     <p:extLst>
       <p:ext uri="{BB962C8B-B14F-4D97-AF65-F5344CB8AC3E}">
-        <p14:creationId xmlns:p14="http://schemas.microsoft.com/office/powerpoint/2010/main" val="2747176302"/>
+        <p14:creationId xmlns:p14="http://schemas.microsoft.com/office/powerpoint/2010/main" val="20793595"/>
       </p:ext>
     </p:extLst>
   </p:cSld>
   <p:clrMapOvr>
     <a:masterClrMapping/>
   </p:clrMapOvr>
+  <p:transition spd="slow">
+    <p:push dir="u"/>
+  </p:transition>
   <p:timing>
     <p:tnLst>
       <p:par>

--- a/C/sile/Funstion.pptx
+++ b/C/sile/Funstion.pptx
@@ -6076,14 +6076,14 @@
       </p:sp>
       <p:sp>
         <p:nvSpPr>
-          <p:cNvPr id="6" name="TextBox 5"/>
+          <p:cNvPr id="7" name="TextBox 6"/>
           <p:cNvSpPr txBox="1"/>
           <p:nvPr/>
         </p:nvSpPr>
         <p:spPr>
           <a:xfrm>
-            <a:off x="7332617" y="6226629"/>
-            <a:ext cx="5399315" cy="369332"/>
+            <a:off x="3890752" y="5366664"/>
+            <a:ext cx="9283338" cy="1015663"/>
           </a:xfrm>
           <a:prstGeom prst="rect">
             <a:avLst/>
@@ -6097,23 +6097,133 @@
           <a:lstStyle/>
           <a:p>
             <a:r>
-              <a:rPr lang="en-US" dirty="0">
+              <a:rPr lang="vi-VN" sz="2000" dirty="0" smtClean="0"/>
+              <a:t>Mọi chi tiết góp ý liên hệ: </a:t>
+            </a:r>
+            <a:r>
+              <a:rPr lang="vi-VN" sz="2000" dirty="0" smtClean="0">
+                <a:solidFill>
+                  <a:schemeClr val="accent1">
+                    <a:lumMod val="60000"/>
+                    <a:lumOff val="40000"/>
+                  </a:schemeClr>
+                </a:solidFill>
+              </a:rPr>
+              <a:t>Nguyễn Quốc Tuấn</a:t>
+            </a:r>
+          </a:p>
+          <a:p>
+            <a:r>
+              <a:rPr lang="vi-VN" sz="2000" dirty="0" smtClean="0"/>
+              <a:t>Email</a:t>
+            </a:r>
+            <a:r>
+              <a:rPr lang="vi-VN" sz="2000" dirty="0" smtClean="0"/>
+              <a:t>: </a:t>
+            </a:r>
+            <a:r>
+              <a:rPr lang="vi-VN" sz="2000" dirty="0" smtClean="0">
+                <a:solidFill>
+                  <a:schemeClr val="bg2">
+                    <a:lumMod val="40000"/>
+                    <a:lumOff val="60000"/>
+                  </a:schemeClr>
+                </a:solidFill>
+              </a:rPr>
+              <a:t>linhty1802@gmail.com</a:t>
+            </a:r>
+          </a:p>
+          <a:p>
+            <a:r>
+              <a:rPr lang="vi-VN" sz="2000" dirty="0" smtClean="0"/>
+              <a:t>GitHub: </a:t>
+            </a:r>
+            <a:r>
+              <a:rPr lang="en-US" sz="2000" dirty="0" smtClean="0">
+                <a:solidFill>
+                  <a:schemeClr val="bg2">
+                    <a:lumMod val="40000"/>
+                    <a:lumOff val="60000"/>
+                  </a:schemeClr>
+                </a:solidFill>
+              </a:rPr>
+              <a:t>https</a:t>
+            </a:r>
+            <a:r>
+              <a:rPr lang="en-US" sz="2000" dirty="0">
+                <a:solidFill>
+                  <a:schemeClr val="bg2">
+                    <a:lumMod val="40000"/>
+                    <a:lumOff val="60000"/>
+                  </a:schemeClr>
+                </a:solidFill>
+              </a:rPr>
+              <a:t>://</a:t>
+            </a:r>
+            <a:r>
+              <a:rPr lang="en-US" sz="2000" dirty="0" smtClean="0">
+                <a:solidFill>
+                  <a:schemeClr val="bg2">
+                    <a:lumMod val="40000"/>
+                    <a:lumOff val="60000"/>
+                  </a:schemeClr>
+                </a:solidFill>
+              </a:rPr>
+              <a:t>github.com/quocTuan02/demo/tree/master/C</a:t>
+            </a:r>
+            <a:endParaRPr lang="en-US" sz="2000" dirty="0">
+              <a:solidFill>
+                <a:schemeClr val="bg2">
+                  <a:lumMod val="40000"/>
+                  <a:lumOff val="60000"/>
+                </a:schemeClr>
+              </a:solidFill>
+            </a:endParaRPr>
+          </a:p>
+        </p:txBody>
+      </p:sp>
+      <p:sp>
+        <p:nvSpPr>
+          <p:cNvPr id="8" name="TextBox 7"/>
+          <p:cNvSpPr txBox="1"/>
+          <p:nvPr/>
+        </p:nvSpPr>
+        <p:spPr>
+          <a:xfrm>
+            <a:off x="7786253" y="6465454"/>
+            <a:ext cx="4247543" cy="553998"/>
+          </a:xfrm>
+          <a:prstGeom prst="rect">
+            <a:avLst/>
+          </a:prstGeom>
+          <a:noFill/>
+        </p:spPr>
+        <p:txBody>
+          <a:bodyPr wrap="square" rtlCol="0">
+            <a:spAutoFit/>
+          </a:bodyPr>
+          <a:lstStyle/>
+          <a:p>
+            <a:pPr algn="r"/>
+            <a:r>
+              <a:rPr lang="en-US" sz="1500" dirty="0">
                 <a:solidFill>
                   <a:schemeClr val="tx2">
                     <a:lumMod val="60000"/>
                     <a:lumOff val="40000"/>
                   </a:schemeClr>
                 </a:solidFill>
+                <a:latin typeface="Arial" panose="020B0604020202020204" pitchFamily="34" charset="0"/>
+                <a:cs typeface="Arial" panose="020B0604020202020204" pitchFamily="34" charset="0"/>
               </a:rPr>
               <a:t>© 2019 Nguyễn Quốc Tuấn Designers</a:t>
             </a:r>
-            <a:endParaRPr lang="en-US" sz="2500" dirty="0">
-              <a:solidFill>
-                <a:schemeClr val="tx2">
-                  <a:lumMod val="60000"/>
-                  <a:lumOff val="40000"/>
-                </a:schemeClr>
-              </a:solidFill>
+          </a:p>
+          <a:p>
+            <a:pPr algn="r"/>
+            <a:endParaRPr lang="en-US" sz="1500" dirty="0">
+              <a:latin typeface="Arial" panose="020B0604020202020204" pitchFamily="34" charset="0"/>
+              <a:cs typeface="Arial" panose="020B0604020202020204" pitchFamily="34" charset="0"/>
             </a:endParaRPr>
           </a:p>
         </p:txBody>
@@ -6128,11 +6238,11 @@
   <p:clrMapOvr>
     <a:masterClrMapping/>
   </p:clrMapOvr>
-  <mc:AlternateContent xmlns:mc="http://schemas.openxmlformats.org/markup-compatibility/2006">
-    <mc:Choice xmlns:p14="http://schemas.microsoft.com/office/powerpoint/2010/main" Requires="p14">
+  <mc:AlternateContent xmlns:mc="http://schemas.openxmlformats.org/markup-compatibility/2006" xmlns:p14="http://schemas.microsoft.com/office/powerpoint/2010/main">
+    <mc:Choice Requires="p14">
       <p:transition p14:dur="0"/>
     </mc:Choice>
-    <mc:Fallback>
+    <mc:Fallback xmlns="">
       <p:transition/>
     </mc:Fallback>
   </mc:AlternateContent>
@@ -6638,8 +6748,8 @@
         </p:nvSpPr>
         <p:spPr>
           <a:xfrm>
-            <a:off x="4001588" y="5530185"/>
-            <a:ext cx="9283338" cy="707886"/>
+            <a:off x="3890752" y="5366664"/>
+            <a:ext cx="9283338" cy="1015663"/>
           </a:xfrm>
           <a:prstGeom prst="rect">
             <a:avLst/>
@@ -6654,7 +6764,28 @@
           <a:p>
             <a:r>
               <a:rPr lang="vi-VN" sz="2000" dirty="0" smtClean="0"/>
-              <a:t>Email: </a:t>
+              <a:t>Mọi chi tiết góp ý liên hệ: </a:t>
+            </a:r>
+            <a:r>
+              <a:rPr lang="vi-VN" sz="2000" dirty="0" smtClean="0">
+                <a:solidFill>
+                  <a:schemeClr val="accent1">
+                    <a:lumMod val="60000"/>
+                    <a:lumOff val="40000"/>
+                  </a:schemeClr>
+                </a:solidFill>
+              </a:rPr>
+              <a:t>Nguyễn Quốc Tuấn</a:t>
+            </a:r>
+          </a:p>
+          <a:p>
+            <a:r>
+              <a:rPr lang="vi-VN" sz="2000" dirty="0" smtClean="0"/>
+              <a:t>Email</a:t>
+            </a:r>
+            <a:r>
+              <a:rPr lang="vi-VN" sz="2000" dirty="0" smtClean="0"/>
+              <a:t>: </a:t>
             </a:r>
             <a:r>
               <a:rPr lang="vi-VN" sz="2000" dirty="0" smtClean="0">
@@ -6713,6 +6844,52 @@
                   <a:lumOff val="60000"/>
                 </a:schemeClr>
               </a:solidFill>
+            </a:endParaRPr>
+          </a:p>
+        </p:txBody>
+      </p:sp>
+      <p:sp>
+        <p:nvSpPr>
+          <p:cNvPr id="2" name="TextBox 1"/>
+          <p:cNvSpPr txBox="1"/>
+          <p:nvPr/>
+        </p:nvSpPr>
+        <p:spPr>
+          <a:xfrm>
+            <a:off x="7786253" y="6465454"/>
+            <a:ext cx="4247543" cy="553998"/>
+          </a:xfrm>
+          <a:prstGeom prst="rect">
+            <a:avLst/>
+          </a:prstGeom>
+          <a:noFill/>
+        </p:spPr>
+        <p:txBody>
+          <a:bodyPr wrap="square" rtlCol="0">
+            <a:spAutoFit/>
+          </a:bodyPr>
+          <a:lstStyle/>
+          <a:p>
+            <a:pPr algn="r"/>
+            <a:r>
+              <a:rPr lang="en-US" sz="1500" dirty="0">
+                <a:solidFill>
+                  <a:schemeClr val="tx2">
+                    <a:lumMod val="60000"/>
+                    <a:lumOff val="40000"/>
+                  </a:schemeClr>
+                </a:solidFill>
+                <a:latin typeface="Arial" panose="020B0604020202020204" pitchFamily="34" charset="0"/>
+                <a:cs typeface="Arial" panose="020B0604020202020204" pitchFamily="34" charset="0"/>
+              </a:rPr>
+              <a:t>© 2019 Nguyễn Quốc Tuấn Designers</a:t>
+            </a:r>
+          </a:p>
+          <a:p>
+            <a:pPr algn="r"/>
+            <a:endParaRPr lang="en-US" sz="1500" dirty="0">
+              <a:latin typeface="Arial" panose="020B0604020202020204" pitchFamily="34" charset="0"/>
+              <a:cs typeface="Arial" panose="020B0604020202020204" pitchFamily="34" charset="0"/>
             </a:endParaRPr>
           </a:p>
         </p:txBody>
@@ -6727,13 +6904,13 @@
   <p:clrMapOvr>
     <a:masterClrMapping/>
   </p:clrMapOvr>
-  <mc:AlternateContent xmlns:mc="http://schemas.openxmlformats.org/markup-compatibility/2006">
-    <mc:Choice xmlns:p14="http://schemas.microsoft.com/office/powerpoint/2010/main" Requires="p14">
+  <mc:AlternateContent xmlns:mc="http://schemas.openxmlformats.org/markup-compatibility/2006" xmlns:p14="http://schemas.microsoft.com/office/powerpoint/2010/main">
+    <mc:Choice Requires="p14">
       <p:transition spd="slow" p14:dur="1500">
         <p:split orient="vert"/>
       </p:transition>
     </mc:Choice>
-    <mc:Fallback>
+    <mc:Fallback xmlns="">
       <p:transition spd="slow">
         <p:split orient="vert"/>
       </p:transition>
